--- a/dl_getting_started.pptx
+++ b/dl_getting_started.pptx
@@ -225,7 +225,7 @@
           <a:p>
             <a:fld id="{FD93C9B2-20F6-4DB1-B471-224337D0AC79}" type="datetimeFigureOut">
               <a:rPr lang="en-US" smtClean="0"/>
-              <a:t>9/16/2021</a:t>
+              <a:t>9/20/2021</a:t>
             </a:fld>
             <a:endParaRPr lang="en-US"/>
           </a:p>
@@ -2207,24 +2207,10 @@
                   </a:schemeClr>
                 </a:solidFill>
               </a:rPr>
-              <a:t>The second question is also important.  In fact, it is the primary focus of today’s learning experience.  It is not a question that we can fully answer for you as it requires a certain level of knowledge and imagination on your part, though we can prime your thinking by demonstrating a specific application.  That’s what you will be doing today.  You are going to write some code to build and then test a neural network capable of classifying images.  There are faculty in Dentistry who are already doing some interesting things with AI.  One of those persons is Divakar Karanth,</a:t>
-            </a:r>
-            <a:r>
-              <a:rPr lang="en-US" sz="1800" dirty="0">
-                <a:effectLst/>
-                <a:latin typeface="Calibri" panose="020F0502020204030204" pitchFamily="34" charset="0"/>
-                <a:ea typeface="Calibri" panose="020F0502020204030204" pitchFamily="34" charset="0"/>
-              </a:rPr>
-              <a:t> a clinical associate professor in orthodontics.  I also have an article for you to consider: </a:t>
-            </a:r>
-            <a:r>
-              <a:rPr lang="en-US" sz="1800" i="1" dirty="0">
-                <a:effectLst/>
-                <a:latin typeface="Calibri" panose="020F0502020204030204" pitchFamily="34" charset="0"/>
-                <a:ea typeface="Calibri" panose="020F0502020204030204" pitchFamily="34" charset="0"/>
-              </a:rPr>
-              <a:t>Artificial intelligence in dentistry: current applications and future perspectives.</a:t>
-            </a:r>
+              <a:t>The second question is also important.  In fact, it is the primary focus of today’s learning experience.  It is not a question that we can fully answer for you as it requires a certain level of knowledge and imagination on your part, though we can prime your thinking by demonstrating a specific application.  That’s what you will be doing today.  You are going to write some code to build and then test a neural network capable of classifying images. </a:t>
+            </a:r>
+          </a:p>
+          <a:p>
             <a:endParaRPr lang="en-US" sz="1100" dirty="0">
               <a:solidFill>
                 <a:schemeClr val="tx1">
@@ -2235,16 +2221,6 @@
             </a:endParaRPr>
           </a:p>
           <a:p>
-            <a:endParaRPr lang="en-US" sz="1100" dirty="0">
-              <a:solidFill>
-                <a:schemeClr val="tx1">
-                  <a:lumMod val="75000"/>
-                  <a:lumOff val="25000"/>
-                </a:schemeClr>
-              </a:solidFill>
-            </a:endParaRPr>
-          </a:p>
-          <a:p>
             <a:r>
               <a:rPr lang="en-US" sz="1100" dirty="0">
                 <a:solidFill>
@@ -2254,7 +2230,7 @@
                   </a:schemeClr>
                 </a:solidFill>
               </a:rPr>
-              <a:t>But before we do that, let’s first take a quick look at the field of AI and its two sub-disciplines.</a:t>
+              <a:t>But before we do that, let’s first take a quick look at the two essential questions which inform each learning experience in Practicum AI.</a:t>
             </a:r>
           </a:p>
           <a:p>
@@ -2363,7 +2339,7 @@
               <a:defRPr/>
             </a:pPr>
             <a:r>
-              <a:rPr lang="en-US" sz="1800" b="1" dirty="0">
+              <a:rPr lang="en-US" sz="1100" b="1" dirty="0">
                 <a:solidFill>
                   <a:srgbClr val="24292F"/>
                 </a:solidFill>
@@ -2374,7 +2350,7 @@
                     </a:srgbClr>
                   </a:outerShdw>
                 </a:effectLst>
-                <a:latin typeface="Segoe UI" panose="020B0502040204020203" pitchFamily="34" charset="0"/>
+                <a:latin typeface="+mn-lt"/>
                 <a:ea typeface="Times New Roman" panose="02020603050405020304" pitchFamily="18" charset="0"/>
               </a:rPr>
               <a:t>Focus</a:t>
@@ -2399,12 +2375,12 @@
               <a:defRPr/>
             </a:pPr>
             <a:r>
-              <a:rPr lang="en-US" sz="1800" dirty="0">
+              <a:rPr lang="en-US" sz="1100" dirty="0">
                 <a:solidFill>
                   <a:srgbClr val="24292F"/>
                 </a:solidFill>
                 <a:effectLst/>
-                <a:latin typeface="Segoe UI" panose="020B0502040204020203" pitchFamily="34" charset="0"/>
+                <a:latin typeface="+mn-lt"/>
                 <a:ea typeface="Times New Roman" panose="02020603050405020304" pitchFamily="18" charset="0"/>
               </a:rPr>
               <a:t>So often, students think they can learn AI programming while multi-tasking on Facebook or texting friends on their cell phone. After programming for 30 years, I've learned one thing. You'll learn AI much faster if you can devote focused, uninterrupted time to practice.</a:t>
@@ -2429,9 +2405,9 @@
               <a:defRPr/>
             </a:pPr>
             <a:r>
-              <a:rPr lang="en-US" sz="1800" b="1" dirty="0">
+              <a:rPr lang="en-US" sz="1100" b="1" dirty="0">
                 <a:effectLst/>
-                <a:latin typeface="LMRoman12-Bold"/>
+                <a:latin typeface="+mn-lt"/>
                 <a:ea typeface="Calibri" panose="020F0502020204030204" pitchFamily="34" charset="0"/>
                 <a:cs typeface="LMRoman12-Bold"/>
               </a:rPr>
@@ -2457,27 +2433,27 @@
               <a:defRPr/>
             </a:pPr>
             <a:r>
-              <a:rPr lang="en-US" sz="1800" dirty="0">
+              <a:rPr lang="en-US" sz="1100" dirty="0">
                 <a:effectLst/>
-                <a:latin typeface="LMRoman10-Regular"/>
+                <a:latin typeface="+mn-lt"/>
                 <a:ea typeface="Calibri" panose="020F0502020204030204" pitchFamily="34" charset="0"/>
                 <a:cs typeface="LMRoman10-Regular"/>
               </a:rPr>
               <a:t>Although copying and pasting may help you to avoid typing errors, it can also interfere with your learning</a:t>
             </a:r>
             <a:r>
-              <a:rPr lang="en-US" sz="1800" dirty="0">
+              <a:rPr lang="en-US" sz="1100" dirty="0">
                 <a:effectLst/>
-                <a:latin typeface="Calibri" panose="020F0502020204030204" pitchFamily="34" charset="0"/>
+                <a:latin typeface="+mn-lt"/>
                 <a:ea typeface="Calibri" panose="020F0502020204030204" pitchFamily="34" charset="0"/>
                 <a:cs typeface="Times New Roman" panose="02020603050405020304" pitchFamily="18" charset="0"/>
               </a:rPr>
               <a:t> </a:t>
             </a:r>
             <a:r>
-              <a:rPr lang="en-US" sz="1800" dirty="0">
+              <a:rPr lang="en-US" sz="1100" dirty="0">
                 <a:effectLst/>
-                <a:latin typeface="LMRoman10-Regular"/>
+                <a:latin typeface="+mn-lt"/>
                 <a:ea typeface="Calibri" panose="020F0502020204030204" pitchFamily="34" charset="0"/>
                 <a:cs typeface="LMRoman10-Regular"/>
               </a:rPr>
@@ -2503,63 +2479,54 @@
               <a:defRPr/>
             </a:pPr>
             <a:r>
-              <a:rPr lang="en-US" sz="1800" dirty="0">
+              <a:rPr lang="en-US" sz="1100" dirty="0">
                 <a:effectLst/>
-                <a:latin typeface="LMRoman10-Regular"/>
+                <a:latin typeface="+mn-lt"/>
                 <a:ea typeface="Calibri" panose="020F0502020204030204" pitchFamily="34" charset="0"/>
                 <a:cs typeface="Times New Roman" panose="02020603050405020304" pitchFamily="18" charset="0"/>
               </a:rPr>
-              <a:t>Typing</a:t>
-            </a:r>
-            <a:r>
-              <a:rPr lang="en-US" sz="1800" dirty="0">
+              <a:t>Typing </a:t>
+            </a:r>
+            <a:r>
+              <a:rPr lang="en-US" sz="1100" dirty="0">
                 <a:effectLst/>
-                <a:latin typeface="Calibri" panose="020F0502020204030204" pitchFamily="34" charset="0"/>
+                <a:latin typeface="+mn-lt"/>
+                <a:ea typeface="Calibri" panose="020F0502020204030204" pitchFamily="34" charset="0"/>
+                <a:cs typeface="LMRoman10-Regular"/>
+              </a:rPr>
+              <a:t>errors can help you gain experience in writing code it provides informative feedback when you</a:t>
+            </a:r>
+            <a:r>
+              <a:rPr lang="en-US" sz="1100" dirty="0">
+                <a:effectLst/>
+                <a:latin typeface="+mn-lt"/>
                 <a:ea typeface="Calibri" panose="020F0502020204030204" pitchFamily="34" charset="0"/>
                 <a:cs typeface="Times New Roman" panose="02020603050405020304" pitchFamily="18" charset="0"/>
               </a:rPr>
               <a:t> </a:t>
             </a:r>
             <a:r>
-              <a:rPr lang="en-US" sz="1800" dirty="0">
+              <a:rPr lang="en-US" sz="1100" dirty="0">
                 <a:effectLst/>
-                <a:latin typeface="LMRoman10-Regular"/>
+                <a:latin typeface="+mn-lt"/>
                 <a:ea typeface="Calibri" panose="020F0502020204030204" pitchFamily="34" charset="0"/>
                 <a:cs typeface="LMRoman10-Regular"/>
               </a:rPr>
-              <a:t>errors can help you gain experience in writing code it provides informative feedback when you</a:t>
-            </a:r>
-            <a:r>
-              <a:rPr lang="en-US" sz="1800" dirty="0">
+              <a:t>make mistakes. Making and correcting typing errors is an important skill to develop, particularly</a:t>
+            </a:r>
+            <a:r>
+              <a:rPr lang="en-US" sz="1100" dirty="0">
                 <a:effectLst/>
-                <a:latin typeface="Calibri" panose="020F0502020204030204" pitchFamily="34" charset="0"/>
+                <a:latin typeface="+mn-lt"/>
                 <a:ea typeface="Calibri" panose="020F0502020204030204" pitchFamily="34" charset="0"/>
                 <a:cs typeface="Times New Roman" panose="02020603050405020304" pitchFamily="18" charset="0"/>
               </a:rPr>
               <a:t> </a:t>
             </a:r>
             <a:r>
-              <a:rPr lang="en-US" sz="1800" dirty="0">
+              <a:rPr lang="en-US" sz="1100" dirty="0">
                 <a:effectLst/>
-                <a:latin typeface="LMRoman10-Regular"/>
-                <a:ea typeface="Calibri" panose="020F0502020204030204" pitchFamily="34" charset="0"/>
-                <a:cs typeface="LMRoman10-Regular"/>
-              </a:rPr>
-              <a:t>make mistakes. Making and correcting typing errors is an important skill to develop, particularly</a:t>
-            </a:r>
-            <a:r>
-              <a:rPr lang="en-US" sz="1800" dirty="0">
-                <a:effectLst/>
-                <a:latin typeface="Calibri" panose="020F0502020204030204" pitchFamily="34" charset="0"/>
-                <a:ea typeface="Calibri" panose="020F0502020204030204" pitchFamily="34" charset="0"/>
-                <a:cs typeface="Times New Roman" panose="02020603050405020304" pitchFamily="18" charset="0"/>
-              </a:rPr>
-              <a:t> </a:t>
-            </a:r>
-            <a:r>
-              <a:rPr lang="en-US" sz="1800" dirty="0">
-                <a:effectLst/>
-                <a:latin typeface="LMRoman10-Regular"/>
+                <a:latin typeface="+mn-lt"/>
                 <a:ea typeface="Calibri" panose="020F0502020204030204" pitchFamily="34" charset="0"/>
                 <a:cs typeface="LMRoman10-Regular"/>
               </a:rPr>
@@ -2585,54 +2552,54 @@
               <a:defRPr/>
             </a:pPr>
             <a:r>
-              <a:rPr lang="en-US" sz="1800" dirty="0">
+              <a:rPr lang="en-US" sz="1100" dirty="0">
                 <a:effectLst/>
-                <a:latin typeface="LMRoman10-Regular"/>
+                <a:latin typeface="+mn-lt"/>
                 <a:ea typeface="Calibri" panose="020F0502020204030204" pitchFamily="34" charset="0"/>
                 <a:cs typeface="Times New Roman" panose="02020603050405020304" pitchFamily="18" charset="0"/>
               </a:rPr>
               <a:t>Copying </a:t>
             </a:r>
             <a:r>
-              <a:rPr lang="en-US" sz="1800" dirty="0">
+              <a:rPr lang="en-US" sz="1100" dirty="0">
                 <a:effectLst/>
-                <a:latin typeface="LMRoman10-Regular"/>
+                <a:latin typeface="+mn-lt"/>
                 <a:ea typeface="Calibri" panose="020F0502020204030204" pitchFamily="34" charset="0"/>
                 <a:cs typeface="LMRoman10-Regular"/>
               </a:rPr>
               <a:t>and pasting code may give you the impression that you know what you are doing when – in reality – you probably do not fully understand what the individual blocks of code are actually doing.</a:t>
             </a:r>
             <a:r>
-              <a:rPr lang="en-US" sz="1800" dirty="0">
+              <a:rPr lang="en-US" sz="1100" dirty="0">
                 <a:effectLst/>
-                <a:latin typeface="Calibri" panose="020F0502020204030204" pitchFamily="34" charset="0"/>
+                <a:latin typeface="+mn-lt"/>
                 <a:ea typeface="Calibri" panose="020F0502020204030204" pitchFamily="34" charset="0"/>
                 <a:cs typeface="Times New Roman" panose="02020603050405020304" pitchFamily="18" charset="0"/>
               </a:rPr>
               <a:t> </a:t>
             </a:r>
             <a:r>
-              <a:rPr lang="en-US" sz="1800" dirty="0">
+              <a:rPr lang="en-US" sz="1100" dirty="0">
                 <a:effectLst/>
-                <a:latin typeface="LMRoman10-Regular"/>
+                <a:latin typeface="+mn-lt"/>
                 <a:ea typeface="Calibri" panose="020F0502020204030204" pitchFamily="34" charset="0"/>
                 <a:cs typeface="LMRoman10-Regular"/>
               </a:rPr>
               <a:t>Furthermore, this problem will just get worse as you deal with increasingly longer and more complicated</a:t>
             </a:r>
             <a:r>
-              <a:rPr lang="en-US" sz="1800" dirty="0">
+              <a:rPr lang="en-US" sz="1100" dirty="0">
                 <a:effectLst/>
-                <a:latin typeface="Calibri" panose="020F0502020204030204" pitchFamily="34" charset="0"/>
+                <a:latin typeface="+mn-lt"/>
                 <a:ea typeface="Calibri" panose="020F0502020204030204" pitchFamily="34" charset="0"/>
                 <a:cs typeface="Times New Roman" panose="02020603050405020304" pitchFamily="18" charset="0"/>
               </a:rPr>
               <a:t> s</a:t>
             </a:r>
             <a:r>
-              <a:rPr lang="en-US" sz="1800" dirty="0">
+              <a:rPr lang="en-US" sz="1100" dirty="0">
                 <a:effectLst/>
-                <a:latin typeface="LMRoman10-Regular"/>
+                <a:latin typeface="+mn-lt"/>
                 <a:ea typeface="Calibri" panose="020F0502020204030204" pitchFamily="34" charset="0"/>
                 <a:cs typeface="LMRoman10-Regular"/>
               </a:rPr>
@@ -2658,9 +2625,9 @@
               <a:defRPr/>
             </a:pPr>
             <a:r>
-              <a:rPr lang="en-US" sz="1800" b="1" dirty="0">
+              <a:rPr lang="en-US" sz="1100" b="1" dirty="0">
                 <a:effectLst/>
-                <a:latin typeface="LMRoman12-Bold"/>
+                <a:latin typeface="+mn-lt"/>
                 <a:ea typeface="Calibri" panose="020F0502020204030204" pitchFamily="34" charset="0"/>
                 <a:cs typeface="LMRoman12-Bold"/>
               </a:rPr>
@@ -2686,45 +2653,45 @@
               <a:defRPr/>
             </a:pPr>
             <a:r>
-              <a:rPr lang="en-US" sz="1800" dirty="0">
+              <a:rPr lang="en-US" sz="1100" dirty="0">
                 <a:effectLst/>
-                <a:latin typeface="LMRoman10-Regular"/>
+                <a:latin typeface="+mn-lt"/>
                 <a:ea typeface="Calibri" panose="020F0502020204030204" pitchFamily="34" charset="0"/>
                 <a:cs typeface="LMRoman10-Regular"/>
               </a:rPr>
               <a:t>This means running one block of code at a time and making sure that you understand why the output is what</a:t>
             </a:r>
             <a:r>
-              <a:rPr lang="en-US" sz="1800" dirty="0">
+              <a:rPr lang="en-US" sz="1100" dirty="0">
                 <a:effectLst/>
-                <a:latin typeface="Calibri" panose="020F0502020204030204" pitchFamily="34" charset="0"/>
+                <a:latin typeface="+mn-lt"/>
                 <a:ea typeface="Calibri" panose="020F0502020204030204" pitchFamily="34" charset="0"/>
                 <a:cs typeface="Times New Roman" panose="02020603050405020304" pitchFamily="18" charset="0"/>
               </a:rPr>
               <a:t> </a:t>
             </a:r>
             <a:r>
-              <a:rPr lang="en-US" sz="1800" dirty="0">
+              <a:rPr lang="en-US" sz="1100" dirty="0">
                 <a:effectLst/>
-                <a:latin typeface="LMRoman10-Regular"/>
+                <a:latin typeface="+mn-lt"/>
                 <a:ea typeface="Calibri" panose="020F0502020204030204" pitchFamily="34" charset="0"/>
                 <a:cs typeface="LMRoman10-Regular"/>
               </a:rPr>
               <a:t>it is. If things are not clear, it is important to spend more time with that piece of the code. Here are some</a:t>
             </a:r>
             <a:r>
-              <a:rPr lang="en-US" sz="1800" dirty="0">
+              <a:rPr lang="en-US" sz="1100" dirty="0">
                 <a:effectLst/>
-                <a:latin typeface="Calibri" panose="020F0502020204030204" pitchFamily="34" charset="0"/>
+                <a:latin typeface="+mn-lt"/>
                 <a:ea typeface="Calibri" panose="020F0502020204030204" pitchFamily="34" charset="0"/>
                 <a:cs typeface="Times New Roman" panose="02020603050405020304" pitchFamily="18" charset="0"/>
               </a:rPr>
               <a:t> </a:t>
             </a:r>
             <a:r>
-              <a:rPr lang="en-US" sz="1800" dirty="0">
+              <a:rPr lang="en-US" sz="1100" dirty="0">
                 <a:effectLst/>
-                <a:latin typeface="LMRoman10-Regular"/>
+                <a:latin typeface="+mn-lt"/>
                 <a:ea typeface="Calibri" panose="020F0502020204030204" pitchFamily="34" charset="0"/>
                 <a:cs typeface="LMRoman10-Regular"/>
               </a:rPr>
@@ -2750,17 +2717,17 @@
               <a:defRPr/>
             </a:pPr>
             <a:r>
-              <a:rPr lang="en-US" sz="1800" dirty="0">
+              <a:rPr lang="en-US" sz="1100" dirty="0">
                 <a:effectLst/>
-                <a:latin typeface="LMRoman10-Regular"/>
+                <a:latin typeface="+mn-lt"/>
                 <a:ea typeface="Calibri" panose="020F0502020204030204" pitchFamily="34" charset="0"/>
                 <a:cs typeface="LMRoman10-Regular"/>
               </a:rPr>
               <a:t>Break a line of code into its components and try to understand the individual pieces.  Sometimes functions are nested within functions.</a:t>
             </a:r>
-            <a:endParaRPr lang="en-US" sz="1800" dirty="0">
+            <a:endParaRPr lang="en-US" sz="1100" dirty="0">
               <a:effectLst/>
-              <a:latin typeface="Calibri" panose="020F0502020204030204" pitchFamily="34" charset="0"/>
+              <a:latin typeface="+mn-lt"/>
               <a:ea typeface="Calibri" panose="020F0502020204030204" pitchFamily="34" charset="0"/>
               <a:cs typeface="Times New Roman" panose="02020603050405020304" pitchFamily="18" charset="0"/>
             </a:endParaRPr>
@@ -2784,16 +2751,16 @@
               <a:defRPr/>
             </a:pPr>
             <a:r>
-              <a:rPr lang="en-US" sz="1800" dirty="0">
+              <a:rPr lang="en-US" sz="1100" dirty="0">
                 <a:effectLst/>
-                <a:latin typeface="LMRoman10-Regular"/>
+                <a:latin typeface="+mn-lt"/>
                 <a:ea typeface="Calibri" panose="020F0502020204030204" pitchFamily="34" charset="0"/>
                 <a:cs typeface="LMRoman10-Regular"/>
               </a:rPr>
               <a:t>Document what each block is doing. Clear documentation is critical as you may not remember what you did when you come back to a piece of code at some point in the future. As a wise programmer once said, “Write code for the future you.” Documentation is also useful when you want to adapt or reuse code in some other way. In situations like this, you will immediately know what a specific chunk of code does because it has been clearly documented.  </a:t>
             </a:r>
             <a:r>
-              <a:rPr lang="en-US" sz="1800" b="1" dirty="0">
+              <a:rPr lang="en-US" sz="1100" b="1" dirty="0">
                 <a:solidFill>
                   <a:schemeClr val="tx1">
                     <a:lumMod val="75000"/>
@@ -2801,24 +2768,24 @@
                   </a:schemeClr>
                 </a:solidFill>
                 <a:effectLst/>
-                <a:latin typeface="LMRoman10-Regular"/>
+                <a:latin typeface="+mn-lt"/>
                 <a:ea typeface="Calibri" panose="020F0502020204030204" pitchFamily="34" charset="0"/>
                 <a:cs typeface="LMRoman10-Regular"/>
               </a:rPr>
               <a:t>Donald Knuth </a:t>
             </a:r>
             <a:r>
-              <a:rPr lang="en-US" sz="1800" dirty="0">
+              <a:rPr lang="en-US" sz="1100" dirty="0">
                 <a:effectLst/>
-                <a:latin typeface="LMRoman10-Regular"/>
+                <a:latin typeface="+mn-lt"/>
                 <a:ea typeface="Calibri" panose="020F0502020204030204" pitchFamily="34" charset="0"/>
                 <a:cs typeface="LMRoman10-Regular"/>
               </a:rPr>
               <a:t>– Literate Programming</a:t>
             </a:r>
-            <a:endParaRPr lang="en-US" sz="1800" dirty="0">
+            <a:endParaRPr lang="en-US" sz="1100" dirty="0">
               <a:effectLst/>
-              <a:latin typeface="Calibri" panose="020F0502020204030204" pitchFamily="34" charset="0"/>
+              <a:latin typeface="+mn-lt"/>
               <a:ea typeface="Calibri" panose="020F0502020204030204" pitchFamily="34" charset="0"/>
               <a:cs typeface="Times New Roman" panose="02020603050405020304" pitchFamily="18" charset="0"/>
             </a:endParaRPr>
@@ -2842,17 +2809,17 @@
               <a:defRPr/>
             </a:pPr>
             <a:r>
-              <a:rPr lang="en-US" sz="1800" dirty="0">
+              <a:rPr lang="en-US" sz="1100" dirty="0">
                 <a:effectLst/>
-                <a:latin typeface="LMRoman10-Regular"/>
+                <a:latin typeface="+mn-lt"/>
                 <a:ea typeface="Calibri" panose="020F0502020204030204" pitchFamily="34" charset="0"/>
                 <a:cs typeface="LMRoman10-Regular"/>
               </a:rPr>
               <a:t>Perform mini experiments: create a simpler example in which you can tinker with the code and see what happens to the output.</a:t>
             </a:r>
-            <a:endParaRPr lang="en-US" sz="1800" dirty="0">
+            <a:endParaRPr lang="en-US" sz="1100" dirty="0">
               <a:effectLst/>
-              <a:latin typeface="Calibri" panose="020F0502020204030204" pitchFamily="34" charset="0"/>
+              <a:latin typeface="+mn-lt"/>
               <a:ea typeface="Calibri" panose="020F0502020204030204" pitchFamily="34" charset="0"/>
               <a:cs typeface="Times New Roman" panose="02020603050405020304" pitchFamily="18" charset="0"/>
             </a:endParaRPr>
@@ -2876,9 +2843,9 @@
               <a:defRPr/>
             </a:pPr>
             <a:r>
-              <a:rPr lang="en-US" sz="1800" b="1" dirty="0">
+              <a:rPr lang="en-US" sz="1100" b="1" dirty="0">
                 <a:effectLst/>
-                <a:latin typeface="LMRoman12-Bold"/>
+                <a:latin typeface="+mn-lt"/>
                 <a:ea typeface="Calibri" panose="020F0502020204030204" pitchFamily="34" charset="0"/>
                 <a:cs typeface="LMRoman12-Bold"/>
               </a:rPr>
@@ -2904,117 +2871,117 @@
               <a:defRPr/>
             </a:pPr>
             <a:r>
-              <a:rPr lang="en-US" sz="1800" dirty="0">
+              <a:rPr lang="en-US" sz="1100" dirty="0">
                 <a:effectLst/>
-                <a:latin typeface="LMRoman10-Regular"/>
+                <a:latin typeface="+mn-lt"/>
                 <a:ea typeface="Calibri" panose="020F0502020204030204" pitchFamily="34" charset="0"/>
                 <a:cs typeface="LMRoman10-Regular"/>
               </a:rPr>
               <a:t>Everybody (from novice to more experienced users) relies on the internet when they don’t understand</a:t>
             </a:r>
             <a:r>
-              <a:rPr lang="en-US" sz="1800" dirty="0">
+              <a:rPr lang="en-US" sz="1100" dirty="0">
                 <a:effectLst/>
-                <a:latin typeface="Calibri" panose="020F0502020204030204" pitchFamily="34" charset="0"/>
+                <a:latin typeface="+mn-lt"/>
                 <a:ea typeface="Calibri" panose="020F0502020204030204" pitchFamily="34" charset="0"/>
                 <a:cs typeface="Times New Roman" panose="02020603050405020304" pitchFamily="18" charset="0"/>
               </a:rPr>
               <a:t> </a:t>
             </a:r>
             <a:r>
-              <a:rPr lang="en-US" sz="1800" dirty="0">
+              <a:rPr lang="en-US" sz="1100" dirty="0">
                 <a:effectLst/>
-                <a:latin typeface="LMRoman10-Regular"/>
+                <a:latin typeface="+mn-lt"/>
                 <a:ea typeface="Calibri" panose="020F0502020204030204" pitchFamily="34" charset="0"/>
                 <a:cs typeface="LMRoman10-Regular"/>
               </a:rPr>
               <a:t>something. It is likely that other people have already asked (and received useful answers) for the problem</a:t>
             </a:r>
             <a:r>
-              <a:rPr lang="en-US" sz="1800" dirty="0">
+              <a:rPr lang="en-US" sz="1100" dirty="0">
                 <a:effectLst/>
-                <a:latin typeface="Calibri" panose="020F0502020204030204" pitchFamily="34" charset="0"/>
+                <a:latin typeface="+mn-lt"/>
                 <a:ea typeface="Calibri" panose="020F0502020204030204" pitchFamily="34" charset="0"/>
                 <a:cs typeface="Times New Roman" panose="02020603050405020304" pitchFamily="18" charset="0"/>
               </a:rPr>
               <a:t> </a:t>
             </a:r>
             <a:r>
-              <a:rPr lang="en-US" sz="1800" dirty="0">
+              <a:rPr lang="en-US" sz="1100" dirty="0">
                 <a:effectLst/>
-                <a:latin typeface="LMRoman10-Regular"/>
+                <a:latin typeface="+mn-lt"/>
                 <a:ea typeface="Calibri" panose="020F0502020204030204" pitchFamily="34" charset="0"/>
                 <a:cs typeface="LMRoman10-Regular"/>
               </a:rPr>
               <a:t>that you are facing. However, finding the exact piece of information that you need might be hard, especially</a:t>
             </a:r>
             <a:r>
-              <a:rPr lang="en-US" sz="1800" dirty="0">
+              <a:rPr lang="en-US" sz="1100" dirty="0">
                 <a:effectLst/>
-                <a:latin typeface="Calibri" panose="020F0502020204030204" pitchFamily="34" charset="0"/>
+                <a:latin typeface="+mn-lt"/>
                 <a:ea typeface="Calibri" panose="020F0502020204030204" pitchFamily="34" charset="0"/>
                 <a:cs typeface="Times New Roman" panose="02020603050405020304" pitchFamily="18" charset="0"/>
               </a:rPr>
               <a:t> </a:t>
             </a:r>
             <a:r>
-              <a:rPr lang="en-US" sz="1800" dirty="0">
+              <a:rPr lang="en-US" sz="1100" dirty="0">
                 <a:effectLst/>
-                <a:latin typeface="LMRoman10-Regular"/>
+                <a:latin typeface="+mn-lt"/>
                 <a:ea typeface="Calibri" panose="020F0502020204030204" pitchFamily="34" charset="0"/>
                 <a:cs typeface="LMRoman10-Regular"/>
               </a:rPr>
               <a:t>if you don’t use the correct terms/key words. Learning how to search for the information that you need is</a:t>
             </a:r>
             <a:r>
-              <a:rPr lang="en-US" sz="1800" dirty="0">
+              <a:rPr lang="en-US" sz="1100" dirty="0">
                 <a:effectLst/>
-                <a:latin typeface="Calibri" panose="020F0502020204030204" pitchFamily="34" charset="0"/>
+                <a:latin typeface="+mn-lt"/>
                 <a:ea typeface="Calibri" panose="020F0502020204030204" pitchFamily="34" charset="0"/>
                 <a:cs typeface="Times New Roman" panose="02020603050405020304" pitchFamily="18" charset="0"/>
               </a:rPr>
               <a:t> </a:t>
             </a:r>
             <a:r>
-              <a:rPr lang="en-US" sz="1800" dirty="0">
+              <a:rPr lang="en-US" sz="1100" dirty="0">
                 <a:effectLst/>
-                <a:latin typeface="LMRoman10-Regular"/>
+                <a:latin typeface="+mn-lt"/>
                 <a:ea typeface="Calibri" panose="020F0502020204030204" pitchFamily="34" charset="0"/>
                 <a:cs typeface="LMRoman10-Regular"/>
               </a:rPr>
               <a:t>a skill that also takes practice. “</a:t>
             </a:r>
             <a:r>
-              <a:rPr lang="en-US" sz="1800" dirty="0" err="1">
+              <a:rPr lang="en-US" sz="1100" dirty="0" err="1">
                 <a:effectLst/>
-                <a:latin typeface="LMRoman10-Regular"/>
+                <a:latin typeface="+mn-lt"/>
                 <a:ea typeface="Calibri" panose="020F0502020204030204" pitchFamily="34" charset="0"/>
                 <a:cs typeface="LMRoman10-Regular"/>
               </a:rPr>
               <a:t>Stackoverflow</a:t>
             </a:r>
             <a:r>
-              <a:rPr lang="en-US" sz="1800" dirty="0">
+              <a:rPr lang="en-US" sz="1100" dirty="0">
                 <a:effectLst/>
-                <a:latin typeface="LMRoman10-Regular"/>
+                <a:latin typeface="+mn-lt"/>
                 <a:ea typeface="Calibri" panose="020F0502020204030204" pitchFamily="34" charset="0"/>
                 <a:cs typeface="LMRoman10-Regular"/>
               </a:rPr>
               <a:t>” and existing </a:t>
             </a:r>
             <a:r>
-              <a:rPr lang="en-US" sz="1800" dirty="0" err="1">
+              <a:rPr lang="en-US" sz="1100" dirty="0" err="1">
                 <a:effectLst/>
-                <a:latin typeface="LMRoman10-Regular"/>
+                <a:latin typeface="+mn-lt"/>
                 <a:ea typeface="Calibri" panose="020F0502020204030204" pitchFamily="34" charset="0"/>
                 <a:cs typeface="LMRoman10-Regular"/>
               </a:rPr>
               <a:t>cheatsheets</a:t>
             </a:r>
             <a:r>
-              <a:rPr lang="en-US" sz="1800" dirty="0">
+              <a:rPr lang="en-US" sz="1100" dirty="0">
                 <a:effectLst/>
-                <a:latin typeface="LMRoman10-Regular"/>
+                <a:latin typeface="+mn-lt"/>
                 <a:ea typeface="Calibri" panose="020F0502020204030204" pitchFamily="34" charset="0"/>
                 <a:cs typeface="LMRoman10-Regular"/>
               </a:rPr>
@@ -3040,9 +3007,9 @@
               <a:defRPr/>
             </a:pPr>
             <a:r>
-              <a:rPr lang="en-US" sz="1800" b="1" dirty="0">
+              <a:rPr lang="en-US" sz="1100" b="1" dirty="0">
                 <a:effectLst/>
-                <a:latin typeface="LMRoman10-Regular"/>
+                <a:latin typeface="+mn-lt"/>
                 <a:ea typeface="Calibri" panose="020F0502020204030204" pitchFamily="34" charset="0"/>
                 <a:cs typeface="LMRoman10-Regular"/>
               </a:rPr>
@@ -3068,9 +3035,9 @@
               <a:defRPr/>
             </a:pPr>
             <a:r>
-              <a:rPr lang="en-US" sz="1800" b="0" dirty="0">
+              <a:rPr lang="en-US" sz="1100" b="0" dirty="0">
                 <a:effectLst/>
-                <a:latin typeface="LMRoman10-Regular"/>
+                <a:latin typeface="+mn-lt"/>
                 <a:ea typeface="Calibri" panose="020F0502020204030204" pitchFamily="34" charset="0"/>
                 <a:cs typeface="LMRoman10-Regular"/>
               </a:rPr>
@@ -3096,20 +3063,14 @@
               <a:defRPr/>
             </a:pPr>
             <a:r>
-              <a:rPr lang="en-US" sz="1800" b="1" dirty="0">
+              <a:rPr lang="en-US" sz="1100" b="1" dirty="0">
                 <a:effectLst/>
-                <a:latin typeface="LMRoman12-Bold"/>
+                <a:latin typeface="+mn-lt"/>
                 <a:ea typeface="Calibri" panose="020F0502020204030204" pitchFamily="34" charset="0"/>
                 <a:cs typeface="LMRoman12-Bold"/>
               </a:rPr>
               <a:t>Take your time</a:t>
             </a:r>
-            <a:endParaRPr lang="en-US" sz="1800" b="1" dirty="0">
-              <a:effectLst/>
-              <a:latin typeface="LMRoman10-Regular"/>
-              <a:ea typeface="Calibri" panose="020F0502020204030204" pitchFamily="34" charset="0"/>
-              <a:cs typeface="LMRoman12-Bold"/>
-            </a:endParaRPr>
           </a:p>
           <a:p>
             <a:pPr marL="800100" marR="0" lvl="1" indent="-342900" algn="l" defTabSz="914400" rtl="0" eaLnBrk="1" fontAlgn="auto" latinLnBrk="0" hangingPunct="1">
@@ -3130,71 +3091,71 @@
               <a:defRPr/>
             </a:pPr>
             <a:r>
-              <a:rPr lang="en-US" sz="1800" dirty="0">
+              <a:rPr lang="en-US" sz="1100" dirty="0">
                 <a:effectLst/>
-                <a:latin typeface="LMRoman10-Regular"/>
+                <a:latin typeface="+mn-lt"/>
                 <a:ea typeface="Calibri" panose="020F0502020204030204" pitchFamily="34" charset="0"/>
                 <a:cs typeface="LMRoman10-Regular"/>
               </a:rPr>
               <a:t>It is important to realize that it takes time to learn AI. What this implies is that you should not</a:t>
             </a:r>
             <a:r>
-              <a:rPr lang="en-US" sz="1800" dirty="0">
+              <a:rPr lang="en-US" sz="1100" dirty="0">
                 <a:effectLst/>
-                <a:latin typeface="Calibri" panose="020F0502020204030204" pitchFamily="34" charset="0"/>
+                <a:latin typeface="+mn-lt"/>
                 <a:ea typeface="Calibri" panose="020F0502020204030204" pitchFamily="34" charset="0"/>
                 <a:cs typeface="Times New Roman" panose="02020603050405020304" pitchFamily="18" charset="0"/>
               </a:rPr>
               <a:t> </a:t>
             </a:r>
             <a:r>
-              <a:rPr lang="en-US" sz="1800" dirty="0">
+              <a:rPr lang="en-US" sz="1100" dirty="0">
                 <a:effectLst/>
-                <a:latin typeface="LMRoman10-Regular"/>
+                <a:latin typeface="+mn-lt"/>
                 <a:ea typeface="Calibri" panose="020F0502020204030204" pitchFamily="34" charset="0"/>
                 <a:cs typeface="LMRoman10-Regular"/>
               </a:rPr>
               <a:t>rush to get things done if you want to master this skill. In particular, everybody goes through some level of</a:t>
             </a:r>
             <a:r>
-              <a:rPr lang="en-US" sz="1800" dirty="0">
+              <a:rPr lang="en-US" sz="1100" dirty="0">
                 <a:effectLst/>
-                <a:latin typeface="Calibri" panose="020F0502020204030204" pitchFamily="34" charset="0"/>
+                <a:latin typeface="+mn-lt"/>
                 <a:ea typeface="Calibri" panose="020F0502020204030204" pitchFamily="34" charset="0"/>
                 <a:cs typeface="Times New Roman" panose="02020603050405020304" pitchFamily="18" charset="0"/>
               </a:rPr>
               <a:t> </a:t>
             </a:r>
             <a:r>
-              <a:rPr lang="en-US" sz="1800" dirty="0">
+              <a:rPr lang="en-US" sz="1100" dirty="0">
                 <a:effectLst/>
-                <a:latin typeface="LMRoman10-Regular"/>
+                <a:latin typeface="+mn-lt"/>
                 <a:ea typeface="Calibri" panose="020F0502020204030204" pitchFamily="34" charset="0"/>
                 <a:cs typeface="LMRoman10-Regular"/>
               </a:rPr>
               <a:t>struggle and frustration when learning AI. However, once you have mastered it, you will be amazed</a:t>
             </a:r>
             <a:r>
-              <a:rPr lang="en-US" sz="1800" dirty="0">
+              <a:rPr lang="en-US" sz="1100" dirty="0">
                 <a:effectLst/>
-                <a:latin typeface="Calibri" panose="020F0502020204030204" pitchFamily="34" charset="0"/>
+                <a:latin typeface="+mn-lt"/>
                 <a:ea typeface="Calibri" panose="020F0502020204030204" pitchFamily="34" charset="0"/>
                 <a:cs typeface="Times New Roman" panose="02020603050405020304" pitchFamily="18" charset="0"/>
               </a:rPr>
               <a:t> </a:t>
             </a:r>
             <a:r>
-              <a:rPr lang="en-US" sz="1800" dirty="0">
+              <a:rPr lang="en-US" sz="1100" dirty="0">
                 <a:effectLst/>
-                <a:latin typeface="LMRoman10-Regular"/>
+                <a:latin typeface="+mn-lt"/>
                 <a:ea typeface="Calibri" panose="020F0502020204030204" pitchFamily="34" charset="0"/>
                 <a:cs typeface="LMRoman10-Regular"/>
               </a:rPr>
               <a:t>by what this skill can do for you.</a:t>
             </a:r>
-            <a:endParaRPr lang="en-US" sz="1800" dirty="0">
+            <a:endParaRPr lang="en-US" sz="1100" dirty="0">
               <a:effectLst/>
-              <a:latin typeface="Calibri" panose="020F0502020204030204" pitchFamily="34" charset="0"/>
+              <a:latin typeface="+mn-lt"/>
               <a:ea typeface="Calibri" panose="020F0502020204030204" pitchFamily="34" charset="0"/>
               <a:cs typeface="Times New Roman" panose="02020603050405020304" pitchFamily="18" charset="0"/>
             </a:endParaRPr>
@@ -3904,7 +3865,7 @@
           <a:p>
             <a:fld id="{C3F78080-8D0A-4BE8-A5B4-CB115102D524}" type="datetimeFigureOut">
               <a:rPr lang="en-US" smtClean="0"/>
-              <a:t>9/16/2021</a:t>
+              <a:t>9/20/2021</a:t>
             </a:fld>
             <a:endParaRPr lang="en-US"/>
           </a:p>
@@ -4102,7 +4063,7 @@
           <a:p>
             <a:fld id="{C3F78080-8D0A-4BE8-A5B4-CB115102D524}" type="datetimeFigureOut">
               <a:rPr lang="en-US" smtClean="0"/>
-              <a:t>9/16/2021</a:t>
+              <a:t>9/20/2021</a:t>
             </a:fld>
             <a:endParaRPr lang="en-US"/>
           </a:p>
@@ -4310,7 +4271,7 @@
           <a:p>
             <a:fld id="{C3F78080-8D0A-4BE8-A5B4-CB115102D524}" type="datetimeFigureOut">
               <a:rPr lang="en-US" smtClean="0"/>
-              <a:t>9/16/2021</a:t>
+              <a:t>9/20/2021</a:t>
             </a:fld>
             <a:endParaRPr lang="en-US"/>
           </a:p>
@@ -4508,7 +4469,7 @@
           <a:p>
             <a:fld id="{C3F78080-8D0A-4BE8-A5B4-CB115102D524}" type="datetimeFigureOut">
               <a:rPr lang="en-US" smtClean="0"/>
-              <a:t>9/16/2021</a:t>
+              <a:t>9/20/2021</a:t>
             </a:fld>
             <a:endParaRPr lang="en-US"/>
           </a:p>
@@ -4783,7 +4744,7 @@
           <a:p>
             <a:fld id="{C3F78080-8D0A-4BE8-A5B4-CB115102D524}" type="datetimeFigureOut">
               <a:rPr lang="en-US" smtClean="0"/>
-              <a:t>9/16/2021</a:t>
+              <a:t>9/20/2021</a:t>
             </a:fld>
             <a:endParaRPr lang="en-US"/>
           </a:p>
@@ -5048,7 +5009,7 @@
           <a:p>
             <a:fld id="{C3F78080-8D0A-4BE8-A5B4-CB115102D524}" type="datetimeFigureOut">
               <a:rPr lang="en-US" smtClean="0"/>
-              <a:t>9/16/2021</a:t>
+              <a:t>9/20/2021</a:t>
             </a:fld>
             <a:endParaRPr lang="en-US"/>
           </a:p>
@@ -5460,7 +5421,7 @@
           <a:p>
             <a:fld id="{C3F78080-8D0A-4BE8-A5B4-CB115102D524}" type="datetimeFigureOut">
               <a:rPr lang="en-US" smtClean="0"/>
-              <a:t>9/16/2021</a:t>
+              <a:t>9/20/2021</a:t>
             </a:fld>
             <a:endParaRPr lang="en-US"/>
           </a:p>
@@ -5601,7 +5562,7 @@
           <a:p>
             <a:fld id="{C3F78080-8D0A-4BE8-A5B4-CB115102D524}" type="datetimeFigureOut">
               <a:rPr lang="en-US" smtClean="0"/>
-              <a:t>9/16/2021</a:t>
+              <a:t>9/20/2021</a:t>
             </a:fld>
             <a:endParaRPr lang="en-US"/>
           </a:p>
@@ -5714,7 +5675,7 @@
           <a:p>
             <a:fld id="{C3F78080-8D0A-4BE8-A5B4-CB115102D524}" type="datetimeFigureOut">
               <a:rPr lang="en-US" smtClean="0"/>
-              <a:t>9/16/2021</a:t>
+              <a:t>9/20/2021</a:t>
             </a:fld>
             <a:endParaRPr lang="en-US"/>
           </a:p>
@@ -6025,7 +5986,7 @@
           <a:p>
             <a:fld id="{C3F78080-8D0A-4BE8-A5B4-CB115102D524}" type="datetimeFigureOut">
               <a:rPr lang="en-US" smtClean="0"/>
-              <a:t>9/16/2021</a:t>
+              <a:t>9/20/2021</a:t>
             </a:fld>
             <a:endParaRPr lang="en-US"/>
           </a:p>
@@ -6313,7 +6274,7 @@
           <a:p>
             <a:fld id="{C3F78080-8D0A-4BE8-A5B4-CB115102D524}" type="datetimeFigureOut">
               <a:rPr lang="en-US" smtClean="0"/>
-              <a:t>9/16/2021</a:t>
+              <a:t>9/20/2021</a:t>
             </a:fld>
             <a:endParaRPr lang="en-US"/>
           </a:p>
@@ -6554,7 +6515,7 @@
           <a:p>
             <a:fld id="{C3F78080-8D0A-4BE8-A5B4-CB115102D524}" type="datetimeFigureOut">
               <a:rPr lang="en-US" smtClean="0"/>
-              <a:t>9/16/2021</a:t>
+              <a:t>9/20/2021</a:t>
             </a:fld>
             <a:endParaRPr lang="en-US"/>
           </a:p>

--- a/dl_getting_started.pptx
+++ b/dl_getting_started.pptx
@@ -5,27 +5,22 @@
     <p:sldMasterId id="2147483648" r:id="rId1"/>
   </p:sldMasterIdLst>
   <p:notesMasterIdLst>
-    <p:notesMasterId r:id="rId20"/>
+    <p:notesMasterId r:id="rId15"/>
   </p:notesMasterIdLst>
   <p:sldIdLst>
-    <p:sldId id="322" r:id="rId2"/>
-    <p:sldId id="294" r:id="rId3"/>
+    <p:sldId id="326" r:id="rId2"/>
+    <p:sldId id="257" r:id="rId3"/>
     <p:sldId id="303" r:id="rId4"/>
     <p:sldId id="323" r:id="rId5"/>
-    <p:sldId id="304" r:id="rId6"/>
-    <p:sldId id="274" r:id="rId7"/>
-    <p:sldId id="302" r:id="rId8"/>
-    <p:sldId id="325" r:id="rId9"/>
-    <p:sldId id="301" r:id="rId10"/>
-    <p:sldId id="290" r:id="rId11"/>
-    <p:sldId id="295" r:id="rId12"/>
-    <p:sldId id="296" r:id="rId13"/>
-    <p:sldId id="297" r:id="rId14"/>
-    <p:sldId id="305" r:id="rId15"/>
-    <p:sldId id="324" r:id="rId16"/>
-    <p:sldId id="289" r:id="rId17"/>
-    <p:sldId id="257" r:id="rId18"/>
-    <p:sldId id="309" r:id="rId19"/>
+    <p:sldId id="274" r:id="rId6"/>
+    <p:sldId id="302" r:id="rId7"/>
+    <p:sldId id="325" r:id="rId8"/>
+    <p:sldId id="301" r:id="rId9"/>
+    <p:sldId id="290" r:id="rId10"/>
+    <p:sldId id="295" r:id="rId11"/>
+    <p:sldId id="296" r:id="rId12"/>
+    <p:sldId id="297" r:id="rId13"/>
+    <p:sldId id="305" r:id="rId14"/>
   </p:sldIdLst>
   <p:sldSz cx="12192000" cy="6858000"/>
   <p:notesSz cx="7023100" cy="9309100"/>
@@ -225,7 +220,7 @@
           <a:p>
             <a:fld id="{FD93C9B2-20F6-4DB1-B471-224337D0AC79}" type="datetimeFigureOut">
               <a:rPr lang="en-US" smtClean="0"/>
-              <a:t>9/20/2021</a:t>
+              <a:t>10/20/2021</a:t>
             </a:fld>
             <a:endParaRPr lang="en-US"/>
           </a:p>
@@ -536,6 +531,39 @@
           <a:bodyPr/>
           <a:lstStyle/>
           <a:p>
+            <a:r>
+              <a:rPr lang="en-US" dirty="0">
+                <a:latin typeface="Palatino Linotype" panose="02040502050505030304" pitchFamily="18" charset="0"/>
+              </a:rPr>
+              <a:t>Hello and welcome to this first presentation in the Practicum AI </a:t>
+            </a:r>
+            <a:r>
+              <a:rPr lang="en-US" i="1" dirty="0">
+                <a:latin typeface="Palatino Linotype" panose="02040502050505030304" pitchFamily="18" charset="0"/>
+              </a:rPr>
+              <a:t>Deep Learning Foundations </a:t>
+            </a:r>
+            <a:r>
+              <a:rPr lang="en-US" dirty="0">
+                <a:latin typeface="Palatino Linotype" panose="02040502050505030304" pitchFamily="18" charset="0"/>
+              </a:rPr>
+              <a:t>workshop series.  I’m Dan Maxwell, and I will act as your guide and mentor for this learning experience.  I currently work as an AI Trainer / Consultant in the Research Computing Department at the University of Florida.</a:t>
+            </a:r>
+          </a:p>
+          <a:p>
+            <a:endParaRPr lang="en-US" dirty="0">
+              <a:latin typeface="Palatino Linotype" panose="02040502050505030304" pitchFamily="18" charset="0"/>
+            </a:endParaRPr>
+          </a:p>
+          <a:p>
+            <a:r>
+              <a:rPr lang="en-US" dirty="0">
+                <a:latin typeface="Palatino Linotype" panose="02040502050505030304" pitchFamily="18" charset="0"/>
+              </a:rPr>
+              <a:t>Let’s get started…</a:t>
+            </a:r>
+          </a:p>
+          <a:p>
             <a:endParaRPr lang="en-US" dirty="0">
               <a:latin typeface="Palatino Linotype" panose="02040502050505030304" pitchFamily="18" charset="0"/>
             </a:endParaRPr>
@@ -633,9 +661,10 @@
                   <a:srgbClr val="3C3C3B"/>
                 </a:solidFill>
                 <a:effectLst/>
-                <a:latin typeface="+mn-lt"/>
+                <a:latin typeface="Calibri" panose="020F0502020204030204" pitchFamily="34" charset="0"/>
+                <a:cs typeface="Calibri" panose="020F0502020204030204" pitchFamily="34" charset="0"/>
               </a:rPr>
-              <a:t>The </a:t>
+              <a:t>A </a:t>
             </a:r>
             <a:r>
               <a:rPr lang="en-US" sz="1100" b="1" i="0" dirty="0">
@@ -643,9 +672,10 @@
                   <a:srgbClr val="3C3C3B"/>
                 </a:solidFill>
                 <a:effectLst/>
-                <a:latin typeface="+mn-lt"/>
+                <a:latin typeface="Calibri" panose="020F0502020204030204" pitchFamily="34" charset="0"/>
+                <a:cs typeface="Calibri" panose="020F0502020204030204" pitchFamily="34" charset="0"/>
               </a:rPr>
-              <a:t>multi-layer perceptron</a:t>
+              <a:t>convolutional neural network (CNN) </a:t>
             </a:r>
             <a:r>
               <a:rPr lang="en-US" sz="1100" b="0" i="0" dirty="0">
@@ -653,29 +683,10 @@
                   <a:srgbClr val="3C3C3B"/>
                 </a:solidFill>
                 <a:effectLst/>
-                <a:latin typeface="+mn-lt"/>
+                <a:latin typeface="Calibri" panose="020F0502020204030204" pitchFamily="34" charset="0"/>
+                <a:cs typeface="Calibri" panose="020F0502020204030204" pitchFamily="34" charset="0"/>
               </a:rPr>
-              <a:t> (</a:t>
-            </a:r>
-            <a:r>
-              <a:rPr lang="en-US" sz="1100" b="1" i="0" dirty="0">
-                <a:solidFill>
-                  <a:srgbClr val="3C3C3B"/>
-                </a:solidFill>
-                <a:effectLst/>
-                <a:latin typeface="+mn-lt"/>
-              </a:rPr>
-              <a:t>MLP</a:t>
-            </a:r>
-            <a:r>
-              <a:rPr lang="en-US" sz="1100" b="0" i="0" dirty="0">
-                <a:solidFill>
-                  <a:srgbClr val="3C3C3B"/>
-                </a:solidFill>
-                <a:effectLst/>
-                <a:latin typeface="+mn-lt"/>
-              </a:rPr>
-              <a:t>) is a basic type of neural network. An MLP is also known as a feed-forward network.  Applications of the multi-layer perceptron include:</a:t>
+              <a:t>is a class of AI models that are predominantly used for image recognition.  In a fully connected neural network, each neuron in a layer is connected to every other neuron in the next layer.  CNNs, however, adopt a different strategy and do not employ a fully connected architecture. Instead, CNNs extract local features from images, which are then fed to the subsequent layers.  Some application of CNNs include:</a:t>
             </a:r>
           </a:p>
           <a:p>
@@ -684,7 +695,8 @@
                 <a:srgbClr val="3C3C3B"/>
               </a:solidFill>
               <a:effectLst/>
-              <a:latin typeface="+mn-lt"/>
+              <a:latin typeface="Calibri" panose="020F0502020204030204" pitchFamily="34" charset="0"/>
+              <a:cs typeface="Calibri" panose="020F0502020204030204" pitchFamily="34" charset="0"/>
             </a:endParaRPr>
           </a:p>
           <a:p>
@@ -699,9 +711,10 @@
                   <a:srgbClr val="000000"/>
                 </a:solidFill>
                 <a:effectLst/>
-                <a:latin typeface="+mn-lt"/>
+                <a:latin typeface="Calibri" panose="020F0502020204030204" pitchFamily="34" charset="0"/>
+                <a:cs typeface="Calibri" panose="020F0502020204030204" pitchFamily="34" charset="0"/>
               </a:rPr>
-              <a:t>Complex Classification</a:t>
+              <a:t>Image processing</a:t>
             </a:r>
           </a:p>
           <a:p>
@@ -716,13 +729,34 @@
                   <a:srgbClr val="000000"/>
                 </a:solidFill>
                 <a:effectLst/>
-                <a:latin typeface="+mn-lt"/>
+                <a:latin typeface="Calibri" panose="020F0502020204030204" pitchFamily="34" charset="0"/>
+                <a:cs typeface="Calibri" panose="020F0502020204030204" pitchFamily="34" charset="0"/>
               </a:rPr>
-              <a:t>Machine Translation</a:t>
-            </a:r>
-          </a:p>
-          <a:p>
-            <a:pPr defTabSz="933237">
+              <a:t>Computer Vision</a:t>
+            </a:r>
+          </a:p>
+          <a:p>
+            <a:pPr marL="233309" indent="-233309" defTabSz="933237">
+              <a:buFontTx/>
+              <a:buAutoNum type="arabicPeriod"/>
+              <a:defRPr/>
+            </a:pPr>
+            <a:r>
+              <a:rPr lang="en-US" sz="1100" b="0" i="0" dirty="0">
+                <a:solidFill>
+                  <a:srgbClr val="000000"/>
+                </a:solidFill>
+                <a:effectLst/>
+                <a:latin typeface="Calibri" panose="020F0502020204030204" pitchFamily="34" charset="0"/>
+                <a:cs typeface="Calibri" panose="020F0502020204030204" pitchFamily="34" charset="0"/>
+              </a:rPr>
+              <a:t>Speech Recognition</a:t>
+            </a:r>
+          </a:p>
+          <a:p>
+            <a:pPr marL="233309" indent="-233309" defTabSz="933237">
+              <a:buFontTx/>
+              <a:buAutoNum type="arabicPeriod"/>
               <a:defRPr/>
             </a:pPr>
             <a:endParaRPr lang="en-US" b="0" i="0" dirty="0">
@@ -764,7 +798,7 @@
     </p:spTree>
     <p:extLst>
       <p:ext uri="{BB962C8B-B14F-4D97-AF65-F5344CB8AC3E}">
-        <p14:creationId xmlns:p14="http://schemas.microsoft.com/office/powerpoint/2010/main" val="473801370"/>
+        <p14:creationId xmlns:p14="http://schemas.microsoft.com/office/powerpoint/2010/main" val="345247314"/>
       </p:ext>
     </p:extLst>
   </p:cSld>
@@ -819,7 +853,7 @@
           <a:lstStyle/>
           <a:p>
             <a:r>
-              <a:rPr lang="en-US" sz="1100" b="0" i="0" dirty="0">
+              <a:rPr lang="en-US" sz="1100" b="1" i="0" dirty="0">
                 <a:solidFill>
                   <a:srgbClr val="3C3C3B"/>
                 </a:solidFill>
@@ -827,10 +861,10 @@
                 <a:latin typeface="Calibri" panose="020F0502020204030204" pitchFamily="34" charset="0"/>
                 <a:cs typeface="Calibri" panose="020F0502020204030204" pitchFamily="34" charset="0"/>
               </a:rPr>
-              <a:t>A </a:t>
-            </a:r>
-            <a:r>
-              <a:rPr lang="en-US" sz="1100" b="1" i="0" dirty="0">
+              <a:t>Recurrent neural networks (RNNs) </a:t>
+            </a:r>
+            <a:r>
+              <a:rPr lang="en-US" sz="1100" b="0" i="0" dirty="0">
                 <a:solidFill>
                   <a:srgbClr val="3C3C3B"/>
                 </a:solidFill>
@@ -838,18 +872,7 @@
                 <a:latin typeface="Calibri" panose="020F0502020204030204" pitchFamily="34" charset="0"/>
                 <a:cs typeface="Calibri" panose="020F0502020204030204" pitchFamily="34" charset="0"/>
               </a:rPr>
-              <a:t>convolutional neural network (CNN) </a:t>
-            </a:r>
-            <a:r>
-              <a:rPr lang="en-US" sz="1100" b="0" i="0" dirty="0">
-                <a:solidFill>
-                  <a:srgbClr val="3C3C3B"/>
-                </a:solidFill>
-                <a:effectLst/>
-                <a:latin typeface="Calibri" panose="020F0502020204030204" pitchFamily="34" charset="0"/>
-                <a:cs typeface="Calibri" panose="020F0502020204030204" pitchFamily="34" charset="0"/>
-              </a:rPr>
-              <a:t>is a class of deep learning model that is predominantly used for image recognition.  With a multi-layer perceptron, each neuron in a layer is connected to every other neuron in the next layer.  That is, it is a fully connected network.  CNNs, however, adopt a different approach and do not employ a fully connected architecture. Instead, CNNs extract local features from images, which are then fed to the subsequent layers. Some application of CNNs include:</a:t>
+              <a:t>propagate data forward, but also backwards.  As pictured here, the red arrow indicates that the hidden layer connects back to itself, thereby allowing the network to remember what it has already done. </a:t>
             </a:r>
           </a:p>
           <a:p>
@@ -863,28 +886,32 @@
             </a:endParaRPr>
           </a:p>
           <a:p>
-            <a:pPr marL="233309" indent="-233309" defTabSz="933237">
-              <a:buFontTx/>
-              <a:buAutoNum type="arabicPeriod"/>
-              <a:defRPr/>
-            </a:pPr>
             <a:r>
               <a:rPr lang="en-US" sz="1100" b="0" i="0" dirty="0">
                 <a:solidFill>
-                  <a:srgbClr val="000000"/>
+                  <a:srgbClr val="3C3C3B"/>
                 </a:solidFill>
                 <a:effectLst/>
                 <a:latin typeface="Calibri" panose="020F0502020204030204" pitchFamily="34" charset="0"/>
                 <a:cs typeface="Calibri" panose="020F0502020204030204" pitchFamily="34" charset="0"/>
               </a:rPr>
-              <a:t>Image processing</a:t>
-            </a:r>
-          </a:p>
-          <a:p>
-            <a:pPr marL="233309" indent="-233309" defTabSz="933237">
-              <a:buFontTx/>
+              <a:t>Some application of RNNs include:</a:t>
+            </a:r>
+          </a:p>
+          <a:p>
+            <a:endParaRPr lang="en-US" sz="1100" b="0" i="0" dirty="0">
+              <a:solidFill>
+                <a:srgbClr val="3C3C3B"/>
+              </a:solidFill>
+              <a:effectLst/>
+              <a:latin typeface="Calibri" panose="020F0502020204030204" pitchFamily="34" charset="0"/>
+              <a:cs typeface="Calibri" panose="020F0502020204030204" pitchFamily="34" charset="0"/>
+            </a:endParaRPr>
+          </a:p>
+          <a:p>
+            <a:pPr marL="233309" indent="-233309">
+              <a:buFont typeface="Arial" panose="020B0604020202020204" pitchFamily="34" charset="0"/>
               <a:buAutoNum type="arabicPeriod"/>
-              <a:defRPr/>
             </a:pPr>
             <a:r>
               <a:rPr lang="en-US" sz="1100" b="0" i="0" dirty="0">
@@ -895,12 +922,12 @@
                 <a:latin typeface="Calibri" panose="020F0502020204030204" pitchFamily="34" charset="0"/>
                 <a:cs typeface="Calibri" panose="020F0502020204030204" pitchFamily="34" charset="0"/>
               </a:rPr>
-              <a:t>Computer Vision</a:t>
+              <a:t>Text processing like auto suggest, grammar checks, etc.</a:t>
             </a:r>
           </a:p>
           <a:p>
             <a:pPr marL="233309" indent="-233309" defTabSz="933237">
-              <a:buFontTx/>
+              <a:buFont typeface="Arial" panose="020B0604020202020204" pitchFamily="34" charset="0"/>
               <a:buAutoNum type="arabicPeriod"/>
               <a:defRPr/>
             </a:pPr>
@@ -913,25 +940,62 @@
                 <a:latin typeface="Calibri" panose="020F0502020204030204" pitchFamily="34" charset="0"/>
                 <a:cs typeface="Calibri" panose="020F0502020204030204" pitchFamily="34" charset="0"/>
               </a:rPr>
-              <a:t>Speech Recognition</a:t>
+              <a:t>Text to speech processing</a:t>
             </a:r>
           </a:p>
           <a:p>
             <a:pPr marL="233309" indent="-233309" defTabSz="933237">
-              <a:buFontTx/>
+              <a:buFont typeface="Arial" panose="020B0604020202020204" pitchFamily="34" charset="0"/>
               <a:buAutoNum type="arabicPeriod"/>
               <a:defRPr/>
             </a:pPr>
-            <a:endParaRPr lang="en-US" b="0" i="0" dirty="0">
-              <a:solidFill>
-                <a:srgbClr val="000000"/>
-              </a:solidFill>
-              <a:effectLst/>
-              <a:latin typeface="Lato"/>
-            </a:endParaRPr>
-          </a:p>
-          <a:p>
-            <a:endParaRPr lang="en-US" dirty="0"/>
+            <a:r>
+              <a:rPr lang="en-US" sz="1100" b="0" i="0" dirty="0">
+                <a:solidFill>
+                  <a:srgbClr val="000000"/>
+                </a:solidFill>
+                <a:effectLst/>
+                <a:latin typeface="Calibri" panose="020F0502020204030204" pitchFamily="34" charset="0"/>
+                <a:cs typeface="Calibri" panose="020F0502020204030204" pitchFamily="34" charset="0"/>
+              </a:rPr>
+              <a:t>Sentiment Analysis</a:t>
+            </a:r>
+          </a:p>
+          <a:p>
+            <a:pPr marL="233309" indent="-233309" defTabSz="933237">
+              <a:buFont typeface="Arial" panose="020B0604020202020204" pitchFamily="34" charset="0"/>
+              <a:buAutoNum type="arabicPeriod"/>
+              <a:defRPr/>
+            </a:pPr>
+            <a:r>
+              <a:rPr lang="en-US" sz="1100" b="0" i="0" dirty="0">
+                <a:solidFill>
+                  <a:srgbClr val="000000"/>
+                </a:solidFill>
+                <a:effectLst/>
+                <a:latin typeface="Calibri" panose="020F0502020204030204" pitchFamily="34" charset="0"/>
+                <a:cs typeface="Calibri" panose="020F0502020204030204" pitchFamily="34" charset="0"/>
+              </a:rPr>
+              <a:t>Time sequence projections</a:t>
+            </a:r>
+          </a:p>
+          <a:p>
+            <a:pPr marL="233309" indent="-233309" defTabSz="933237">
+              <a:buFont typeface="Arial" panose="020B0604020202020204" pitchFamily="34" charset="0"/>
+              <a:buAutoNum type="arabicPeriod"/>
+              <a:defRPr/>
+            </a:pPr>
+            <a:r>
+              <a:rPr lang="en-US" sz="1100" b="0" i="0" dirty="0">
+                <a:solidFill>
+                  <a:srgbClr val="000000"/>
+                </a:solidFill>
+                <a:effectLst/>
+                <a:latin typeface="Calibri" panose="020F0502020204030204" pitchFamily="34" charset="0"/>
+                <a:cs typeface="Calibri" panose="020F0502020204030204" pitchFamily="34" charset="0"/>
+              </a:rPr>
+              <a:t>Translation</a:t>
+            </a:r>
           </a:p>
         </p:txBody>
       </p:sp>
@@ -961,7 +1025,7 @@
     </p:spTree>
     <p:extLst>
       <p:ext uri="{BB962C8B-B14F-4D97-AF65-F5344CB8AC3E}">
-        <p14:creationId xmlns:p14="http://schemas.microsoft.com/office/powerpoint/2010/main" val="345247314"/>
+        <p14:creationId xmlns:p14="http://schemas.microsoft.com/office/powerpoint/2010/main" val="4149381120"/>
       </p:ext>
     </p:extLst>
   </p:cSld>
@@ -1015,150 +1079,107 @@
           <a:bodyPr/>
           <a:lstStyle/>
           <a:p>
-            <a:r>
-              <a:rPr lang="en-US" sz="1100" b="1" i="0" dirty="0">
-                <a:solidFill>
-                  <a:srgbClr val="3C3C3B"/>
-                </a:solidFill>
-                <a:effectLst/>
-                <a:latin typeface="Calibri" panose="020F0502020204030204" pitchFamily="34" charset="0"/>
-                <a:cs typeface="Calibri" panose="020F0502020204030204" pitchFamily="34" charset="0"/>
+            <a:pPr marL="0" marR="0" lvl="0" indent="0" algn="l" defTabSz="914400" rtl="0" eaLnBrk="1" fontAlgn="auto" latinLnBrk="0" hangingPunct="1">
+              <a:lnSpc>
+                <a:spcPct val="100000"/>
+              </a:lnSpc>
+              <a:spcBef>
+                <a:spcPts val="0"/>
+              </a:spcBef>
+              <a:spcAft>
+                <a:spcPts val="0"/>
+              </a:spcAft>
+              <a:buClrTx/>
+              <a:buSzTx/>
+              <a:buFontTx/>
+              <a:buNone/>
+              <a:tabLst/>
+              <a:defRPr/>
+            </a:pPr>
+            <a:r>
+              <a:rPr lang="en-US" sz="1100" dirty="0">
+                <a:latin typeface="+mn-lt"/>
               </a:rPr>
-              <a:t>Recurrent neural networks (RNNs) </a:t>
-            </a:r>
-            <a:r>
-              <a:rPr lang="en-US" sz="1100" b="0" i="0" dirty="0">
-                <a:solidFill>
-                  <a:srgbClr val="3C3C3B"/>
-                </a:solidFill>
-                <a:effectLst/>
-                <a:latin typeface="Calibri" panose="020F0502020204030204" pitchFamily="34" charset="0"/>
-                <a:cs typeface="Calibri" panose="020F0502020204030204" pitchFamily="34" charset="0"/>
+              <a:t>A </a:t>
+            </a:r>
+            <a:r>
+              <a:rPr lang="en-US" sz="1100" b="1" dirty="0">
+                <a:latin typeface="+mn-lt"/>
               </a:rPr>
-              <a:t>propagate data forward, but also backwards, from later processing stages to earlier stages.  As pictured here, the red arrow indicates that the hidden layer connects back to itself, thereby allowing the network to remember what it has already done.  Transformers are quickly becoming a popular and preferred alternative to RNN’s.</a:t>
-            </a:r>
-          </a:p>
-          <a:p>
-            <a:endParaRPr lang="en-US" sz="1100" b="0" i="0" dirty="0">
+              <a:t>generative adversarial network (GAN) </a:t>
+            </a:r>
+            <a:r>
+              <a:rPr lang="en-US" sz="1100" dirty="0">
+                <a:latin typeface="+mn-lt"/>
+              </a:rPr>
+              <a:t>is a model in which two neural networks compete with each other to become more accurate in their predictions.  The two neural networks that make up a GAN are referred to as the generator and the discriminator. The goal of the generator is to artificially manufacture outputs that could easily be mistaken for real data. The goal of the discriminator is to identify which outputs it receives have been artificially created.</a:t>
+            </a:r>
+          </a:p>
+          <a:p>
+            <a:endParaRPr lang="en-US" sz="1100" b="1" i="0" dirty="0">
               <a:solidFill>
                 <a:srgbClr val="3C3C3B"/>
               </a:solidFill>
               <a:effectLst/>
-              <a:latin typeface="Calibri" panose="020F0502020204030204" pitchFamily="34" charset="0"/>
-              <a:cs typeface="Calibri" panose="020F0502020204030204" pitchFamily="34" charset="0"/>
+              <a:latin typeface="+mn-lt"/>
             </a:endParaRPr>
           </a:p>
           <a:p>
-            <a:r>
-              <a:rPr lang="en-US" sz="1100" b="0" i="0" dirty="0">
-                <a:solidFill>
-                  <a:srgbClr val="3C3C3B"/>
-                </a:solidFill>
-                <a:effectLst/>
-                <a:latin typeface="Calibri" panose="020F0502020204030204" pitchFamily="34" charset="0"/>
-                <a:cs typeface="Calibri" panose="020F0502020204030204" pitchFamily="34" charset="0"/>
+            <a:pPr algn="l"/>
+            <a:r>
+              <a:rPr lang="en-US" sz="1800" b="0" i="0" u="none" strike="noStrike" baseline="0" dirty="0">
+                <a:latin typeface="OpenSans"/>
               </a:rPr>
-              <a:t>Some application of RNNs include:</a:t>
-            </a:r>
-          </a:p>
-          <a:p>
-            <a:endParaRPr lang="en-US" sz="1100" b="0" i="0" dirty="0">
-              <a:solidFill>
-                <a:srgbClr val="3C3C3B"/>
-              </a:solidFill>
-              <a:effectLst/>
-              <a:latin typeface="Calibri" panose="020F0502020204030204" pitchFamily="34" charset="0"/>
-              <a:cs typeface="Calibri" panose="020F0502020204030204" pitchFamily="34" charset="0"/>
+              <a:t>GANs are a big area of research, and there are many use cases for them. Some of the useful applications of GANs are as follows:</a:t>
+            </a:r>
+          </a:p>
+          <a:p>
+            <a:pPr algn="l"/>
+            <a:endParaRPr lang="en-US" sz="1800" b="0" i="0" u="none" strike="noStrike" baseline="0" dirty="0">
+              <a:latin typeface="OpenSans"/>
             </a:endParaRPr>
           </a:p>
           <a:p>
-            <a:pPr marL="233309" indent="-233309">
-              <a:buFont typeface="Arial" panose="020B0604020202020204" pitchFamily="34" charset="0"/>
-              <a:buAutoNum type="arabicPeriod"/>
-            </a:pPr>
-            <a:r>
-              <a:rPr lang="en-US" sz="1100" b="0" i="0" dirty="0">
-                <a:solidFill>
-                  <a:srgbClr val="000000"/>
-                </a:solidFill>
-                <a:effectLst/>
-                <a:latin typeface="Calibri" panose="020F0502020204030204" pitchFamily="34" charset="0"/>
-                <a:cs typeface="Calibri" panose="020F0502020204030204" pitchFamily="34" charset="0"/>
+            <a:pPr algn="l"/>
+            <a:r>
+              <a:rPr lang="en-US" sz="1800" b="0" i="0" u="none" strike="noStrike" baseline="0" dirty="0">
+                <a:latin typeface="OpenSans"/>
               </a:rPr>
-              <a:t>Text processing like auto suggest, grammar checks, etc.</a:t>
-            </a:r>
-          </a:p>
-          <a:p>
-            <a:pPr marL="233309" indent="-233309" defTabSz="933237">
-              <a:buFont typeface="Arial" panose="020B0604020202020204" pitchFamily="34" charset="0"/>
-              <a:buAutoNum type="arabicPeriod"/>
-              <a:defRPr/>
-            </a:pPr>
-            <a:r>
-              <a:rPr lang="en-US" sz="1100" b="0" i="0" dirty="0">
-                <a:solidFill>
-                  <a:srgbClr val="000000"/>
-                </a:solidFill>
-                <a:effectLst/>
-                <a:latin typeface="Calibri" panose="020F0502020204030204" pitchFamily="34" charset="0"/>
-                <a:cs typeface="Calibri" panose="020F0502020204030204" pitchFamily="34" charset="0"/>
+              <a:t>• Image translation</a:t>
+            </a:r>
+          </a:p>
+          <a:p>
+            <a:pPr algn="l"/>
+            <a:r>
+              <a:rPr lang="en-US" sz="1800" b="0" i="0" u="none" strike="noStrike" baseline="0" dirty="0">
+                <a:latin typeface="OpenSans"/>
               </a:rPr>
-              <a:t>Text to speech processing</a:t>
-            </a:r>
-          </a:p>
-          <a:p>
-            <a:pPr marL="233309" indent="-233309" defTabSz="933237">
-              <a:buFont typeface="Arial" panose="020B0604020202020204" pitchFamily="34" charset="0"/>
-              <a:buAutoNum type="arabicPeriod"/>
-              <a:defRPr/>
-            </a:pPr>
-            <a:r>
-              <a:rPr lang="en-US" sz="1100" b="0" i="0" dirty="0">
-                <a:solidFill>
-                  <a:srgbClr val="000000"/>
-                </a:solidFill>
-                <a:effectLst/>
-                <a:latin typeface="Calibri" panose="020F0502020204030204" pitchFamily="34" charset="0"/>
-                <a:cs typeface="Calibri" panose="020F0502020204030204" pitchFamily="34" charset="0"/>
+              <a:t>• Text to image synthesis</a:t>
+            </a:r>
+          </a:p>
+          <a:p>
+            <a:pPr algn="l"/>
+            <a:r>
+              <a:rPr lang="en-US" sz="1800" b="0" i="0" u="none" strike="noStrike" baseline="0" dirty="0">
+                <a:latin typeface="OpenSans"/>
               </a:rPr>
-              <a:t>Sentiment Analysis</a:t>
-            </a:r>
-          </a:p>
-          <a:p>
-            <a:pPr marL="233309" indent="-233309" defTabSz="933237">
-              <a:buFont typeface="Arial" panose="020B0604020202020204" pitchFamily="34" charset="0"/>
-              <a:buAutoNum type="arabicPeriod"/>
-              <a:defRPr/>
-            </a:pPr>
-            <a:r>
-              <a:rPr lang="en-US" sz="1100" b="0" i="0" dirty="0">
-                <a:solidFill>
-                  <a:srgbClr val="000000"/>
-                </a:solidFill>
-                <a:effectLst/>
-                <a:latin typeface="Calibri" panose="020F0502020204030204" pitchFamily="34" charset="0"/>
-                <a:cs typeface="Calibri" panose="020F0502020204030204" pitchFamily="34" charset="0"/>
+              <a:t>• Generating videos</a:t>
+            </a:r>
+          </a:p>
+          <a:p>
+            <a:pPr algn="l"/>
+            <a:r>
+              <a:rPr lang="en-US" sz="1800" b="0" i="0" u="none" strike="noStrike" baseline="0" dirty="0">
+                <a:latin typeface="OpenSans"/>
               </a:rPr>
-              <a:t>Time sequence projections</a:t>
-            </a:r>
-          </a:p>
-          <a:p>
-            <a:pPr marL="233309" indent="-233309" defTabSz="933237">
-              <a:buFont typeface="Arial" panose="020B0604020202020204" pitchFamily="34" charset="0"/>
-              <a:buAutoNum type="arabicPeriod"/>
-              <a:defRPr/>
-            </a:pPr>
-            <a:r>
-              <a:rPr lang="en-US" sz="1100" b="0" i="0" dirty="0">
-                <a:solidFill>
-                  <a:srgbClr val="000000"/>
-                </a:solidFill>
-                <a:effectLst/>
-                <a:latin typeface="Calibri" panose="020F0502020204030204" pitchFamily="34" charset="0"/>
-                <a:cs typeface="Calibri" panose="020F0502020204030204" pitchFamily="34" charset="0"/>
-              </a:rPr>
-              <a:t>Translation</a:t>
-            </a:r>
+              <a:t>• The restoration of art</a:t>
+            </a:r>
+          </a:p>
+          <a:p>
+            <a:pPr algn="l"/>
+            <a:endParaRPr lang="en-US" sz="1800" b="0" i="0" u="none" strike="noStrike" baseline="0" dirty="0">
+              <a:latin typeface="OpenSans"/>
+            </a:endParaRPr>
           </a:p>
         </p:txBody>
       </p:sp>
@@ -1188,7 +1209,7 @@
     </p:spTree>
     <p:extLst>
       <p:ext uri="{BB962C8B-B14F-4D97-AF65-F5344CB8AC3E}">
-        <p14:creationId xmlns:p14="http://schemas.microsoft.com/office/powerpoint/2010/main" val="4149381120"/>
+        <p14:creationId xmlns:p14="http://schemas.microsoft.com/office/powerpoint/2010/main" val="2474625203"/>
       </p:ext>
     </p:extLst>
   </p:cSld>
@@ -1243,69 +1264,25 @@
           <a:lstStyle/>
           <a:p>
             <a:r>
-              <a:rPr lang="en-US" sz="1100" b="1" i="0" dirty="0">
-                <a:solidFill>
-                  <a:srgbClr val="3C3C3B"/>
-                </a:solidFill>
-                <a:effectLst/>
-                <a:latin typeface="+mn-lt"/>
-              </a:rPr>
-              <a:t>Generative adversarial networks</a:t>
-            </a:r>
-            <a:r>
-              <a:rPr lang="en-US" sz="1100" b="0" i="0" dirty="0">
-                <a:solidFill>
-                  <a:srgbClr val="3C3C3B"/>
-                </a:solidFill>
-                <a:effectLst/>
-                <a:latin typeface="+mn-lt"/>
-              </a:rPr>
-              <a:t> (</a:t>
-            </a:r>
-            <a:r>
-              <a:rPr lang="en-US" sz="1100" b="1" i="0" dirty="0">
-                <a:solidFill>
-                  <a:srgbClr val="3C3C3B"/>
-                </a:solidFill>
-                <a:effectLst/>
-                <a:latin typeface="+mn-lt"/>
-              </a:rPr>
-              <a:t>GANs</a:t>
-            </a:r>
-            <a:r>
-              <a:rPr lang="en-US" sz="1100" b="0" i="0" dirty="0">
-                <a:solidFill>
-                  <a:srgbClr val="3C3C3B"/>
-                </a:solidFill>
-                <a:effectLst/>
-                <a:latin typeface="+mn-lt"/>
-              </a:rPr>
-              <a:t>) are networks capable of generating data distributions comparable to any real data distributions. </a:t>
-            </a:r>
-          </a:p>
-          <a:p>
-            <a:endParaRPr lang="en-US" sz="1100" b="0" i="0" dirty="0">
-              <a:solidFill>
-                <a:srgbClr val="3C3C3B"/>
-              </a:solidFill>
-              <a:effectLst/>
-              <a:latin typeface="+mn-lt"/>
-            </a:endParaRPr>
-          </a:p>
-          <a:p>
-            <a:r>
-              <a:rPr lang="en-US" sz="1100" b="0" i="0" dirty="0">
-                <a:solidFill>
-                  <a:srgbClr val="3C3C3B"/>
-                </a:solidFill>
-                <a:effectLst/>
-                <a:latin typeface="+mn-lt"/>
-              </a:rPr>
-              <a:t>For example, suppose we want to generate images of dogs from random noise data. For this, we train a GAN network with real images of dogs and the noisy data until we generate data that looks like the real images of dogs. </a:t>
-            </a:r>
-            <a:endParaRPr lang="en-US" sz="1100" dirty="0">
-              <a:latin typeface="+mn-lt"/>
-            </a:endParaRPr>
+              <a:rPr lang="en-US" dirty="0"/>
+              <a:t>For additional practice, I recommend that you read the </a:t>
+            </a:r>
+            <a:r>
+              <a:rPr lang="en-US" i="1" dirty="0"/>
+              <a:t>Introduction to Tensorflow </a:t>
+            </a:r>
+            <a:r>
+              <a:rPr lang="en-US" dirty="0"/>
+              <a:t>as well as the </a:t>
+            </a:r>
+            <a:r>
+              <a:rPr lang="en-US" i="1" dirty="0"/>
+              <a:t>Linear Algebra with Tensorflow </a:t>
+            </a:r>
+            <a:r>
+              <a:rPr lang="en-US" dirty="0"/>
+              <a:t>sections, found in the latter half of chapter 1 of our textbook.  The exercises listed in this slide review the basic operations of linear algebra – matrix multiplication, etc…  The matrix multiplication video embedded in the exercise-1.03 Jupyter Notebook is also worth watching.</a:t>
+            </a:r>
           </a:p>
         </p:txBody>
       </p:sp>
@@ -1335,567 +1312,7 @@
     </p:spTree>
     <p:extLst>
       <p:ext uri="{BB962C8B-B14F-4D97-AF65-F5344CB8AC3E}">
-        <p14:creationId xmlns:p14="http://schemas.microsoft.com/office/powerpoint/2010/main" val="2474625203"/>
-      </p:ext>
-    </p:extLst>
-  </p:cSld>
-  <p:clrMapOvr>
-    <a:masterClrMapping/>
-  </p:clrMapOvr>
-</p:notes>
-</file>
-
-<file path=ppt/notesSlides/notesSlide14.xml><?xml version="1.0" encoding="utf-8"?>
-<p:notes xmlns:a="http://schemas.openxmlformats.org/drawingml/2006/main" xmlns:r="http://schemas.openxmlformats.org/officeDocument/2006/relationships" xmlns:p="http://schemas.openxmlformats.org/presentationml/2006/main">
-  <p:cSld>
-    <p:spTree>
-      <p:nvGrpSpPr>
-        <p:cNvPr id="1" name=""/>
-        <p:cNvGrpSpPr/>
-        <p:nvPr/>
-      </p:nvGrpSpPr>
-      <p:grpSpPr>
-        <a:xfrm>
-          <a:off x="0" y="0"/>
-          <a:ext cx="0" cy="0"/>
-          <a:chOff x="0" y="0"/>
-          <a:chExt cx="0" cy="0"/>
-        </a:xfrm>
-      </p:grpSpPr>
-      <p:sp>
-        <p:nvSpPr>
-          <p:cNvPr id="2" name="Slide Image Placeholder 1"/>
-          <p:cNvSpPr>
-            <a:spLocks noGrp="1" noRot="1" noChangeAspect="1"/>
-          </p:cNvSpPr>
-          <p:nvPr>
-            <p:ph type="sldImg"/>
-          </p:nvPr>
-        </p:nvSpPr>
-        <p:spPr/>
-      </p:sp>
-      <p:sp>
-        <p:nvSpPr>
-          <p:cNvPr id="3" name="Notes Placeholder 2"/>
-          <p:cNvSpPr>
-            <a:spLocks noGrp="1"/>
-          </p:cNvSpPr>
-          <p:nvPr>
-            <p:ph type="body" idx="1"/>
-          </p:nvPr>
-        </p:nvSpPr>
-        <p:spPr/>
-        <p:txBody>
-          <a:bodyPr/>
-          <a:lstStyle/>
-          <a:p>
-            <a:endParaRPr lang="en-US" dirty="0"/>
-          </a:p>
-        </p:txBody>
-      </p:sp>
-      <p:sp>
-        <p:nvSpPr>
-          <p:cNvPr id="4" name="Slide Number Placeholder 3"/>
-          <p:cNvSpPr>
-            <a:spLocks noGrp="1"/>
-          </p:cNvSpPr>
-          <p:nvPr>
-            <p:ph type="sldNum" sz="quarter" idx="5"/>
-          </p:nvPr>
-        </p:nvSpPr>
-        <p:spPr/>
-        <p:txBody>
-          <a:bodyPr/>
-          <a:lstStyle/>
-          <a:p>
-            <a:fld id="{3148858F-F1DB-4027-9C85-CCA6849540DD}" type="slidenum">
-              <a:rPr lang="en-US" smtClean="0"/>
-              <a:t>14</a:t>
-            </a:fld>
-            <a:endParaRPr lang="en-US"/>
-          </a:p>
-        </p:txBody>
-      </p:sp>
-    </p:spTree>
-    <p:extLst>
-      <p:ext uri="{BB962C8B-B14F-4D97-AF65-F5344CB8AC3E}">
         <p14:creationId xmlns:p14="http://schemas.microsoft.com/office/powerpoint/2010/main" val="1974960137"/>
-      </p:ext>
-    </p:extLst>
-  </p:cSld>
-  <p:clrMapOvr>
-    <a:masterClrMapping/>
-  </p:clrMapOvr>
-</p:notes>
-</file>
-
-<file path=ppt/notesSlides/notesSlide15.xml><?xml version="1.0" encoding="utf-8"?>
-<p:notes xmlns:a="http://schemas.openxmlformats.org/drawingml/2006/main" xmlns:r="http://schemas.openxmlformats.org/officeDocument/2006/relationships" xmlns:p="http://schemas.openxmlformats.org/presentationml/2006/main">
-  <p:cSld>
-    <p:spTree>
-      <p:nvGrpSpPr>
-        <p:cNvPr id="1" name=""/>
-        <p:cNvGrpSpPr/>
-        <p:nvPr/>
-      </p:nvGrpSpPr>
-      <p:grpSpPr>
-        <a:xfrm>
-          <a:off x="0" y="0"/>
-          <a:ext cx="0" cy="0"/>
-          <a:chOff x="0" y="0"/>
-          <a:chExt cx="0" cy="0"/>
-        </a:xfrm>
-      </p:grpSpPr>
-      <p:sp>
-        <p:nvSpPr>
-          <p:cNvPr id="2" name="Slide Image Placeholder 1"/>
-          <p:cNvSpPr>
-            <a:spLocks noGrp="1" noRot="1" noChangeAspect="1"/>
-          </p:cNvSpPr>
-          <p:nvPr>
-            <p:ph type="sldImg"/>
-          </p:nvPr>
-        </p:nvSpPr>
-        <p:spPr/>
-      </p:sp>
-      <p:sp>
-        <p:nvSpPr>
-          <p:cNvPr id="3" name="Notes Placeholder 2"/>
-          <p:cNvSpPr>
-            <a:spLocks noGrp="1"/>
-          </p:cNvSpPr>
-          <p:nvPr>
-            <p:ph type="body" idx="1"/>
-          </p:nvPr>
-        </p:nvSpPr>
-        <p:spPr/>
-        <p:txBody>
-          <a:bodyPr/>
-          <a:lstStyle/>
-          <a:p>
-            <a:endParaRPr lang="en-US" dirty="0"/>
-          </a:p>
-        </p:txBody>
-      </p:sp>
-      <p:sp>
-        <p:nvSpPr>
-          <p:cNvPr id="4" name="Slide Number Placeholder 3"/>
-          <p:cNvSpPr>
-            <a:spLocks noGrp="1"/>
-          </p:cNvSpPr>
-          <p:nvPr>
-            <p:ph type="sldNum" sz="quarter" idx="5"/>
-          </p:nvPr>
-        </p:nvSpPr>
-        <p:spPr/>
-        <p:txBody>
-          <a:bodyPr/>
-          <a:lstStyle/>
-          <a:p>
-            <a:fld id="{3148858F-F1DB-4027-9C85-CCA6849540DD}" type="slidenum">
-              <a:rPr lang="en-US" smtClean="0"/>
-              <a:t>15</a:t>
-            </a:fld>
-            <a:endParaRPr lang="en-US"/>
-          </a:p>
-        </p:txBody>
-      </p:sp>
-    </p:spTree>
-    <p:extLst>
-      <p:ext uri="{BB962C8B-B14F-4D97-AF65-F5344CB8AC3E}">
-        <p14:creationId xmlns:p14="http://schemas.microsoft.com/office/powerpoint/2010/main" val="1479016271"/>
-      </p:ext>
-    </p:extLst>
-  </p:cSld>
-  <p:clrMapOvr>
-    <a:masterClrMapping/>
-  </p:clrMapOvr>
-</p:notes>
-</file>
-
-<file path=ppt/notesSlides/notesSlide16.xml><?xml version="1.0" encoding="utf-8"?>
-<p:notes xmlns:a="http://schemas.openxmlformats.org/drawingml/2006/main" xmlns:r="http://schemas.openxmlformats.org/officeDocument/2006/relationships" xmlns:p="http://schemas.openxmlformats.org/presentationml/2006/main">
-  <p:cSld>
-    <p:spTree>
-      <p:nvGrpSpPr>
-        <p:cNvPr id="1" name=""/>
-        <p:cNvGrpSpPr/>
-        <p:nvPr/>
-      </p:nvGrpSpPr>
-      <p:grpSpPr>
-        <a:xfrm>
-          <a:off x="0" y="0"/>
-          <a:ext cx="0" cy="0"/>
-          <a:chOff x="0" y="0"/>
-          <a:chExt cx="0" cy="0"/>
-        </a:xfrm>
-      </p:grpSpPr>
-      <p:sp>
-        <p:nvSpPr>
-          <p:cNvPr id="2" name="Slide Image Placeholder 1"/>
-          <p:cNvSpPr>
-            <a:spLocks noGrp="1" noRot="1" noChangeAspect="1"/>
-          </p:cNvSpPr>
-          <p:nvPr>
-            <p:ph type="sldImg"/>
-          </p:nvPr>
-        </p:nvSpPr>
-        <p:spPr/>
-      </p:sp>
-      <p:sp>
-        <p:nvSpPr>
-          <p:cNvPr id="3" name="Notes Placeholder 2"/>
-          <p:cNvSpPr>
-            <a:spLocks noGrp="1"/>
-          </p:cNvSpPr>
-          <p:nvPr>
-            <p:ph type="body" idx="1"/>
-          </p:nvPr>
-        </p:nvSpPr>
-        <p:spPr/>
-        <p:txBody>
-          <a:bodyPr/>
-          <a:lstStyle/>
-          <a:p>
-            <a:pPr>
-              <a:lnSpc>
-                <a:spcPct val="107000"/>
-              </a:lnSpc>
-              <a:spcAft>
-                <a:spcPts val="816"/>
-              </a:spcAft>
-            </a:pPr>
-            <a:r>
-              <a:rPr lang="en-US" sz="1100" dirty="0">
-                <a:latin typeface="+mn-lt"/>
-                <a:ea typeface="Calibri" panose="020F0502020204030204" pitchFamily="34" charset="0"/>
-                <a:cs typeface="Times New Roman" panose="02020603050405020304" pitchFamily="18" charset="0"/>
-              </a:rPr>
-              <a:t>Provide an accurate definition of AI and its two primary sub-domains</a:t>
-            </a:r>
-          </a:p>
-          <a:p>
-            <a:pPr>
-              <a:lnSpc>
-                <a:spcPct val="107000"/>
-              </a:lnSpc>
-              <a:spcAft>
-                <a:spcPts val="816"/>
-              </a:spcAft>
-            </a:pPr>
-            <a:r>
-              <a:rPr lang="en-US" sz="1100" dirty="0">
-                <a:latin typeface="+mn-lt"/>
-                <a:ea typeface="Calibri" panose="020F0502020204030204" pitchFamily="34" charset="0"/>
-                <a:cs typeface="Times New Roman" panose="02020603050405020304" pitchFamily="18" charset="0"/>
-              </a:rPr>
-              <a:t>Create a Jupyter notebook using the JupyterLab IDE with Python and Markdown blocks</a:t>
-            </a:r>
-          </a:p>
-          <a:p>
-            <a:pPr>
-              <a:lnSpc>
-                <a:spcPct val="107000"/>
-              </a:lnSpc>
-              <a:spcAft>
-                <a:spcPts val="816"/>
-              </a:spcAft>
-            </a:pPr>
-            <a:r>
-              <a:rPr lang="en-US" sz="1100" dirty="0">
-                <a:latin typeface="+mn-lt"/>
-                <a:ea typeface="Calibri" panose="020F0502020204030204" pitchFamily="34" charset="0"/>
-                <a:cs typeface="Times New Roman" panose="02020603050405020304" pitchFamily="18" charset="0"/>
-              </a:rPr>
-              <a:t>Write the Python code to create and then execute the resnet50 pre-trained model</a:t>
-            </a:r>
-          </a:p>
-          <a:p>
-            <a:pPr>
-              <a:lnSpc>
-                <a:spcPct val="107000"/>
-              </a:lnSpc>
-              <a:spcAft>
-                <a:spcPts val="816"/>
-              </a:spcAft>
-            </a:pPr>
-            <a:r>
-              <a:rPr lang="en-US" sz="1100" dirty="0">
-                <a:latin typeface="+mn-lt"/>
-                <a:ea typeface="Calibri" panose="020F0502020204030204" pitchFamily="34" charset="0"/>
-                <a:cs typeface="Times New Roman" panose="02020603050405020304" pitchFamily="18" charset="0"/>
-              </a:rPr>
-              <a:t>Name the three basic types of neural network and common applications for each</a:t>
-            </a:r>
-          </a:p>
-          <a:p>
-            <a:endParaRPr lang="en-US" dirty="0"/>
-          </a:p>
-        </p:txBody>
-      </p:sp>
-      <p:sp>
-        <p:nvSpPr>
-          <p:cNvPr id="4" name="Slide Number Placeholder 3"/>
-          <p:cNvSpPr>
-            <a:spLocks noGrp="1"/>
-          </p:cNvSpPr>
-          <p:nvPr>
-            <p:ph type="sldNum" sz="quarter" idx="5"/>
-          </p:nvPr>
-        </p:nvSpPr>
-        <p:spPr/>
-        <p:txBody>
-          <a:bodyPr/>
-          <a:lstStyle/>
-          <a:p>
-            <a:fld id="{3148858F-F1DB-4027-9C85-CCA6849540DD}" type="slidenum">
-              <a:rPr lang="en-US" smtClean="0"/>
-              <a:t>16</a:t>
-            </a:fld>
-            <a:endParaRPr lang="en-US"/>
-          </a:p>
-        </p:txBody>
-      </p:sp>
-    </p:spTree>
-    <p:extLst>
-      <p:ext uri="{BB962C8B-B14F-4D97-AF65-F5344CB8AC3E}">
-        <p14:creationId xmlns:p14="http://schemas.microsoft.com/office/powerpoint/2010/main" val="1690277211"/>
-      </p:ext>
-    </p:extLst>
-  </p:cSld>
-  <p:clrMapOvr>
-    <a:masterClrMapping/>
-  </p:clrMapOvr>
-</p:notes>
-</file>
-
-<file path=ppt/notesSlides/notesSlide17.xml><?xml version="1.0" encoding="utf-8"?>
-<p:notes xmlns:a="http://schemas.openxmlformats.org/drawingml/2006/main" xmlns:r="http://schemas.openxmlformats.org/officeDocument/2006/relationships" xmlns:p="http://schemas.openxmlformats.org/presentationml/2006/main">
-  <p:cSld>
-    <p:spTree>
-      <p:nvGrpSpPr>
-        <p:cNvPr id="1" name=""/>
-        <p:cNvGrpSpPr/>
-        <p:nvPr/>
-      </p:nvGrpSpPr>
-      <p:grpSpPr>
-        <a:xfrm>
-          <a:off x="0" y="0"/>
-          <a:ext cx="0" cy="0"/>
-          <a:chOff x="0" y="0"/>
-          <a:chExt cx="0" cy="0"/>
-        </a:xfrm>
-      </p:grpSpPr>
-      <p:sp>
-        <p:nvSpPr>
-          <p:cNvPr id="2" name="Slide Image Placeholder 1"/>
-          <p:cNvSpPr>
-            <a:spLocks noGrp="1" noRot="1" noChangeAspect="1"/>
-          </p:cNvSpPr>
-          <p:nvPr>
-            <p:ph type="sldImg"/>
-          </p:nvPr>
-        </p:nvSpPr>
-        <p:spPr/>
-      </p:sp>
-      <p:sp>
-        <p:nvSpPr>
-          <p:cNvPr id="3" name="Notes Placeholder 2"/>
-          <p:cNvSpPr>
-            <a:spLocks noGrp="1"/>
-          </p:cNvSpPr>
-          <p:nvPr>
-            <p:ph type="body" idx="1"/>
-          </p:nvPr>
-        </p:nvSpPr>
-        <p:spPr/>
-        <p:txBody>
-          <a:bodyPr/>
-          <a:lstStyle/>
-          <a:p>
-            <a:pPr defTabSz="933237">
-              <a:defRPr/>
-            </a:pPr>
-            <a:r>
-              <a:rPr lang="en-US" sz="1100" b="0" i="0" dirty="0">
-                <a:solidFill>
-                  <a:srgbClr val="2D3B45"/>
-                </a:solidFill>
-                <a:effectLst/>
-                <a:latin typeface="+mn-lt"/>
-              </a:rPr>
-              <a:t>Our textbook for this seminar is </a:t>
-            </a:r>
-            <a:r>
-              <a:rPr lang="en-US" sz="1100" b="0" i="1" dirty="0">
-                <a:solidFill>
-                  <a:srgbClr val="2D3B45"/>
-                </a:solidFill>
-                <a:effectLst/>
-                <a:latin typeface="+mn-lt"/>
-              </a:rPr>
-              <a:t>The Deep Learning Workshop </a:t>
-            </a:r>
-            <a:r>
-              <a:rPr lang="en-US" sz="1100" b="0" i="0" dirty="0">
-                <a:solidFill>
-                  <a:srgbClr val="2D3B45"/>
-                </a:solidFill>
-                <a:effectLst/>
-                <a:latin typeface="+mn-lt"/>
-              </a:rPr>
-              <a:t>from Packt Publishing.  We will provide you with an electronic copy of this book which contains the exercises you will be working on in class as well as out-of-class.</a:t>
-            </a:r>
-            <a:endParaRPr lang="en-US" dirty="0"/>
-          </a:p>
-        </p:txBody>
-      </p:sp>
-      <p:sp>
-        <p:nvSpPr>
-          <p:cNvPr id="4" name="Slide Number Placeholder 3"/>
-          <p:cNvSpPr>
-            <a:spLocks noGrp="1"/>
-          </p:cNvSpPr>
-          <p:nvPr>
-            <p:ph type="sldNum" sz="quarter" idx="5"/>
-          </p:nvPr>
-        </p:nvSpPr>
-        <p:spPr/>
-        <p:txBody>
-          <a:bodyPr/>
-          <a:lstStyle/>
-          <a:p>
-            <a:fld id="{3148858F-F1DB-4027-9C85-CCA6849540DD}" type="slidenum">
-              <a:rPr lang="en-US" smtClean="0"/>
-              <a:t>17</a:t>
-            </a:fld>
-            <a:endParaRPr lang="en-US"/>
-          </a:p>
-        </p:txBody>
-      </p:sp>
-    </p:spTree>
-    <p:extLst>
-      <p:ext uri="{BB962C8B-B14F-4D97-AF65-F5344CB8AC3E}">
-        <p14:creationId xmlns:p14="http://schemas.microsoft.com/office/powerpoint/2010/main" val="3755491919"/>
-      </p:ext>
-    </p:extLst>
-  </p:cSld>
-  <p:clrMapOvr>
-    <a:masterClrMapping/>
-  </p:clrMapOvr>
-</p:notes>
-</file>
-
-<file path=ppt/notesSlides/notesSlide18.xml><?xml version="1.0" encoding="utf-8"?>
-<p:notes xmlns:a="http://schemas.openxmlformats.org/drawingml/2006/main" xmlns:r="http://schemas.openxmlformats.org/officeDocument/2006/relationships" xmlns:p="http://schemas.openxmlformats.org/presentationml/2006/main">
-  <p:cSld>
-    <p:spTree>
-      <p:nvGrpSpPr>
-        <p:cNvPr id="1" name=""/>
-        <p:cNvGrpSpPr/>
-        <p:nvPr/>
-      </p:nvGrpSpPr>
-      <p:grpSpPr>
-        <a:xfrm>
-          <a:off x="0" y="0"/>
-          <a:ext cx="0" cy="0"/>
-          <a:chOff x="0" y="0"/>
-          <a:chExt cx="0" cy="0"/>
-        </a:xfrm>
-      </p:grpSpPr>
-      <p:sp>
-        <p:nvSpPr>
-          <p:cNvPr id="2" name="Slide Image Placeholder 1"/>
-          <p:cNvSpPr>
-            <a:spLocks noGrp="1" noRot="1" noChangeAspect="1"/>
-          </p:cNvSpPr>
-          <p:nvPr>
-            <p:ph type="sldImg"/>
-          </p:nvPr>
-        </p:nvSpPr>
-        <p:spPr/>
-      </p:sp>
-      <p:sp>
-        <p:nvSpPr>
-          <p:cNvPr id="3" name="Notes Placeholder 2"/>
-          <p:cNvSpPr>
-            <a:spLocks noGrp="1"/>
-          </p:cNvSpPr>
-          <p:nvPr>
-            <p:ph type="body" idx="1"/>
-          </p:nvPr>
-        </p:nvSpPr>
-        <p:spPr/>
-        <p:txBody>
-          <a:bodyPr/>
-          <a:lstStyle/>
-          <a:p>
-            <a:r>
-              <a:rPr lang="en-US" dirty="0"/>
-              <a:t>Take a minute and consider this image.  Can you appreciate the ingenuity and resourcefulness of whoever created the contraption pictured here?  How does one develop a similar kind of ability in AI?  Part of the answer lies in developing a willingness to “color outside the lines.”  And to do that, you need to acquire a playful approach to your learning.</a:t>
-            </a:r>
-          </a:p>
-          <a:p>
-            <a:endParaRPr lang="en-US" dirty="0"/>
-          </a:p>
-          <a:p>
-            <a:r>
-              <a:rPr lang="en-US" dirty="0"/>
-              <a:t>The anthropologist Levi Straus had a name for these kinds of people, calling them </a:t>
-            </a:r>
-            <a:r>
-              <a:rPr lang="en-US" b="1" dirty="0"/>
-              <a:t>Bricoleurs</a:t>
-            </a:r>
-            <a:r>
-              <a:rPr lang="en-US" dirty="0"/>
-              <a:t>.  A bricoleur is a playful tinkerer who uses whatever is at hand to solve an immediate problem.  A bricoleur enjoys mashing things up, taking ideas from one domain and using them in another.  And most importantly, a bricoleur is not boxed in by disciplinary norms.  Or, as we used to say on the farm, “I’m a jack of all trades, master of none.”</a:t>
-            </a:r>
-          </a:p>
-          <a:p>
-            <a:endParaRPr lang="en-US" dirty="0"/>
-          </a:p>
-          <a:p>
-            <a:r>
-              <a:rPr lang="en-US" dirty="0"/>
-              <a:t>Let’s consider</a:t>
-            </a:r>
-          </a:p>
-          <a:p>
-            <a:endParaRPr lang="en-US" dirty="0"/>
-          </a:p>
-          <a:p>
-            <a:endParaRPr lang="en-US" dirty="0"/>
-          </a:p>
-        </p:txBody>
-      </p:sp>
-      <p:sp>
-        <p:nvSpPr>
-          <p:cNvPr id="4" name="Slide Number Placeholder 3"/>
-          <p:cNvSpPr>
-            <a:spLocks noGrp="1"/>
-          </p:cNvSpPr>
-          <p:nvPr>
-            <p:ph type="sldNum" sz="quarter" idx="5"/>
-          </p:nvPr>
-        </p:nvSpPr>
-        <p:spPr/>
-        <p:txBody>
-          <a:bodyPr/>
-          <a:lstStyle/>
-          <a:p>
-            <a:fld id="{3148858F-F1DB-4027-9C85-CCA6849540DD}" type="slidenum">
-              <a:rPr lang="en-US" smtClean="0"/>
-              <a:t>18</a:t>
-            </a:fld>
-            <a:endParaRPr lang="en-US"/>
-          </a:p>
-        </p:txBody>
-      </p:sp>
-    </p:spTree>
-    <p:extLst>
-      <p:ext uri="{BB962C8B-B14F-4D97-AF65-F5344CB8AC3E}">
-        <p14:creationId xmlns:p14="http://schemas.microsoft.com/office/powerpoint/2010/main" val="1960499872"/>
       </p:ext>
     </p:extLst>
   </p:cSld>
@@ -1949,10 +1366,40 @@
           <a:bodyPr/>
           <a:lstStyle/>
           <a:p>
-            <a:r>
-              <a:rPr lang="en-US" dirty="0"/>
-              <a:t>This is the entire Practicum AI program, with the DL Foundations series enclosed in a blue box.  Last week, we covered AI Ethics.  Now – in this workshop series – we begin to get our hands dirty writing code.</a:t>
-            </a:r>
+            <a:pPr defTabSz="933237">
+              <a:defRPr/>
+            </a:pPr>
+            <a:r>
+              <a:rPr lang="en-US" sz="1100" b="0" i="0" dirty="0">
+                <a:solidFill>
+                  <a:srgbClr val="2D3B45"/>
+                </a:solidFill>
+                <a:effectLst/>
+                <a:latin typeface="+mn-lt"/>
+              </a:rPr>
+              <a:t>Our textbook for this seminar is </a:t>
+            </a:r>
+            <a:r>
+              <a:rPr lang="en-US" sz="1100" b="0" i="1" dirty="0">
+                <a:solidFill>
+                  <a:srgbClr val="2D3B45"/>
+                </a:solidFill>
+                <a:effectLst/>
+                <a:latin typeface="+mn-lt"/>
+              </a:rPr>
+              <a:t>The Deep Learning Workshop </a:t>
+            </a:r>
+            <a:r>
+              <a:rPr lang="en-US" sz="1100" b="0" i="0" dirty="0">
+                <a:solidFill>
+                  <a:srgbClr val="2D3B45"/>
+                </a:solidFill>
+                <a:effectLst/>
+                <a:latin typeface="+mn-lt"/>
+              </a:rPr>
+              <a:t>from Packt Publishing.  We will provide you with an electronic copy of this book which contains the exercises you will be working on in class as well as out-of-class.  If you are not a UF student or employee, we encourage you to purchase an electronic or paper copy of this text.</a:t>
+            </a:r>
+            <a:endParaRPr lang="en-US" dirty="0"/>
           </a:p>
         </p:txBody>
       </p:sp>
@@ -1982,7 +1429,7 @@
     </p:spTree>
     <p:extLst>
       <p:ext uri="{BB962C8B-B14F-4D97-AF65-F5344CB8AC3E}">
-        <p14:creationId xmlns:p14="http://schemas.microsoft.com/office/powerpoint/2010/main" val="2820707112"/>
+        <p14:creationId xmlns:p14="http://schemas.microsoft.com/office/powerpoint/2010/main" val="3755491919"/>
       </p:ext>
     </p:extLst>
   </p:cSld>
@@ -2045,7 +1492,7 @@
                   </a:schemeClr>
                 </a:solidFill>
               </a:rPr>
-              <a:t>Our Deep Learning Foundations series comprise 3 workshops.  In this session and the next two which follow, we cover the basics.  </a:t>
+              <a:t>Our Deep Learning Foundations series comprise 3 workshops.  In this session and the next two which follow, we cover the basics of deep learning.  In other words, this series provides a foundation for our intermediate and advanced workshops.</a:t>
             </a:r>
           </a:p>
         </p:txBody>
@@ -2139,7 +1586,7 @@
                   </a:schemeClr>
                 </a:solidFill>
               </a:rPr>
-              <a:t>This workshop series is guided by two essential questions:  How does it – a particular AI algorithm or technique work – work?  And where can I use it? </a:t>
+              <a:t>This workshop series is guided by two essential questions:  How does it – a particular AI algorithm – work?  And where can I use it? </a:t>
             </a:r>
           </a:p>
           <a:p>
@@ -2162,7 +1609,7 @@
                   </a:schemeClr>
                 </a:solidFill>
               </a:rPr>
-              <a:t>Now – with respect to the first question – let me assure you that you can understand how a specific algorithm works without having to know all the mathematical details behind its operation.  Just as you can drive a car without understanding the laws of thermodynamics, so too can you drive the various AI algorithms without having to master the calculus, statistics, and algebra which power them.  However, you do need to know how they work and what the various dials and gauges mean as well as the various ways in which you can control an algorithm’s behavior.  The way you do that is by adjusting a model’s </a:t>
+              <a:t>With respect to the first question, let me assure you that you can do interesting work in AI without having to master the mathematical details.  Just as you can drive a car without understanding the laws of thermodynamics, likewise you can drive the various types of neural network without having to master the calculus, statistics, and algebra which power them.  Of course, you need to know how they work at a higher level – what the various dials and gauges mean (called </a:t>
             </a:r>
             <a:r>
               <a:rPr lang="en-US" sz="1100" b="1" dirty="0">
@@ -2184,7 +1631,7 @@
                   </a:schemeClr>
                 </a:solidFill>
               </a:rPr>
-              <a:t>.  </a:t>
+              <a:t>) – and the various ways you can manage the learning process.  But you do not need a year of calculus to achieve that kind of understanding.</a:t>
             </a:r>
           </a:p>
           <a:p>
@@ -2207,37 +1654,8 @@
                   </a:schemeClr>
                 </a:solidFill>
               </a:rPr>
-              <a:t>The second question is also important.  In fact, it is the primary focus of today’s learning experience.  It is not a question that we can fully answer for you as it requires a certain level of knowledge and imagination on your part, though we can prime your thinking by demonstrating a specific application.  That’s what you will be doing today.  You are going to write some code to build and then test a neural network capable of classifying images. </a:t>
-            </a:r>
-          </a:p>
-          <a:p>
-            <a:endParaRPr lang="en-US" sz="1100" dirty="0">
-              <a:solidFill>
-                <a:schemeClr val="tx1">
-                  <a:lumMod val="75000"/>
-                  <a:lumOff val="25000"/>
-                </a:schemeClr>
-              </a:solidFill>
-            </a:endParaRPr>
-          </a:p>
-          <a:p>
-            <a:r>
-              <a:rPr lang="en-US" sz="1100" dirty="0">
-                <a:solidFill>
-                  <a:schemeClr val="tx1">
-                    <a:lumMod val="75000"/>
-                    <a:lumOff val="25000"/>
-                  </a:schemeClr>
-                </a:solidFill>
-              </a:rPr>
-              <a:t>But before we do that, let’s first take a quick look at the two essential questions which inform each learning experience in Practicum AI.</a:t>
-            </a:r>
-          </a:p>
-          <a:p>
-            <a:endParaRPr lang="en-US" dirty="0"/>
-          </a:p>
-          <a:p>
-            <a:endParaRPr lang="en-US" dirty="0"/>
+              <a:t>The second question is also important.  In fact, it is the primary focus of this learning experience.  It is not a question that we can fully answer for you as it requires a certain level of knowledge and imagination on your part, though we can prime your thinking by demonstrating a specific application.  That’s what you will be doing today.  You are going to write some code to build and then test a neural network capable of classifying images. </a:t>
+            </a:r>
           </a:p>
         </p:txBody>
       </p:sp>
@@ -2321,946 +1739,89 @@
           <a:bodyPr/>
           <a:lstStyle/>
           <a:p>
-            <a:pPr marL="342900" marR="0" lvl="0" indent="-342900" algn="l" defTabSz="914400" rtl="0" eaLnBrk="1" fontAlgn="auto" latinLnBrk="0" hangingPunct="1">
-              <a:lnSpc>
-                <a:spcPct val="100000"/>
-              </a:lnSpc>
-              <a:spcBef>
-                <a:spcPts val="0"/>
-              </a:spcBef>
-              <a:spcAft>
-                <a:spcPts val="0"/>
-              </a:spcAft>
-              <a:buClrTx/>
-              <a:buSzTx/>
-              <a:buFontTx/>
-              <a:buAutoNum type="arabicPeriod"/>
-              <a:tabLst/>
-              <a:defRPr/>
-            </a:pPr>
-            <a:r>
-              <a:rPr lang="en-US" sz="1100" b="1" dirty="0">
-                <a:solidFill>
-                  <a:srgbClr val="24292F"/>
-                </a:solidFill>
-                <a:effectLst>
-                  <a:outerShdw blurRad="38100" dist="38100" dir="2700000" algn="tl">
-                    <a:srgbClr val="000000">
-                      <a:alpha val="43137"/>
-                    </a:srgbClr>
-                  </a:outerShdw>
-                </a:effectLst>
-                <a:latin typeface="+mn-lt"/>
-                <a:ea typeface="Times New Roman" panose="02020603050405020304" pitchFamily="18" charset="0"/>
+            <a:r>
+              <a:rPr lang="en-US" sz="1100" b="0" i="0" dirty="0">
+                <a:solidFill>
+                  <a:schemeClr val="tx1">
+                    <a:lumMod val="65000"/>
+                    <a:lumOff val="35000"/>
+                  </a:schemeClr>
+                </a:solidFill>
+                <a:effectLst/>
+                <a:latin typeface="Calibri" panose="020F0502020204030204" pitchFamily="34" charset="0"/>
+                <a:cs typeface="Calibri" panose="020F0502020204030204" pitchFamily="34" charset="0"/>
               </a:rPr>
-              <a:t>Focus</a:t>
-            </a:r>
-          </a:p>
-          <a:p>
-            <a:pPr marL="800100" marR="0" lvl="1" indent="-342900" algn="l" defTabSz="914400" rtl="0" eaLnBrk="1" fontAlgn="auto" latinLnBrk="0" hangingPunct="1">
-              <a:lnSpc>
-                <a:spcPct val="100000"/>
-              </a:lnSpc>
-              <a:spcBef>
-                <a:spcPts val="0"/>
-              </a:spcBef>
-              <a:spcAft>
-                <a:spcPts val="0"/>
-              </a:spcAft>
-              <a:buClrTx/>
-              <a:buSzTx/>
-              <a:buFont typeface="Courier New" panose="02070309020205020404" pitchFamily="49" charset="0"/>
-              <a:buChar char="o"/>
-              <a:tabLst/>
-              <a:defRPr/>
-            </a:pPr>
+              <a:t>Artificial intelligence is the branch of computer science aimed at developing machines that can simulate human intelligence.  And human intelligence is dependent on our five senses – sight, hearing, touch, smell, and taste.  AI is an established field and has been in existence since the 1950s.</a:t>
+            </a:r>
+          </a:p>
+          <a:p>
+            <a:endParaRPr lang="en-US" sz="1100" dirty="0">
+              <a:solidFill>
+                <a:schemeClr val="tx1">
+                  <a:lumMod val="65000"/>
+                  <a:lumOff val="35000"/>
+                </a:schemeClr>
+              </a:solidFill>
+              <a:latin typeface="Calibri" panose="020F0502020204030204" pitchFamily="34" charset="0"/>
+              <a:cs typeface="Calibri" panose="020F0502020204030204" pitchFamily="34" charset="0"/>
+            </a:endParaRPr>
+          </a:p>
+          <a:p>
+            <a:r>
+              <a:rPr lang="en-US" sz="1100" b="0" i="0" dirty="0">
+                <a:solidFill>
+                  <a:schemeClr val="tx1">
+                    <a:lumMod val="65000"/>
+                    <a:lumOff val="35000"/>
+                  </a:schemeClr>
+                </a:solidFill>
+                <a:effectLst/>
+                <a:latin typeface="Calibri" panose="020F0502020204030204" pitchFamily="34" charset="0"/>
+                <a:cs typeface="Calibri" panose="020F0502020204030204" pitchFamily="34" charset="0"/>
+              </a:rPr>
+              <a:t>Machine learning is the subset of AI that performs specific tasks by identifying patterns within data and extracting inferences. The inferences derived from data are then used to predict outcomes on unseen data.  In machine learning, unlike traditional computer programming, the rules and heuristics are not explicitly written.  Rather, they are learned from the dataset.</a:t>
+            </a:r>
+          </a:p>
+          <a:p>
+            <a:endParaRPr lang="en-US" sz="1100" dirty="0">
+              <a:solidFill>
+                <a:schemeClr val="tx1">
+                  <a:lumMod val="65000"/>
+                  <a:lumOff val="35000"/>
+                </a:schemeClr>
+              </a:solidFill>
+              <a:latin typeface="Calibri" panose="020F0502020204030204" pitchFamily="34" charset="0"/>
+              <a:cs typeface="Calibri" panose="020F0502020204030204" pitchFamily="34" charset="0"/>
+            </a:endParaRPr>
+          </a:p>
+          <a:p>
+            <a:r>
+              <a:rPr lang="en-US" sz="1100" b="0" i="0" dirty="0">
+                <a:solidFill>
+                  <a:schemeClr val="tx1">
+                    <a:lumMod val="65000"/>
+                    <a:lumOff val="35000"/>
+                  </a:schemeClr>
+                </a:solidFill>
+                <a:effectLst/>
+                <a:latin typeface="Calibri" panose="020F0502020204030204" pitchFamily="34" charset="0"/>
+                <a:cs typeface="Calibri" panose="020F0502020204030204" pitchFamily="34" charset="0"/>
+              </a:rPr>
+              <a:t>Deep learning is a subset of machine learning and an extension of a certain kind of algorithm called Artificial Neural Networks (ANNs). Neural networks are not a new phenomenon. Neural networks were created in the first half of the 1940s.</a:t>
+            </a:r>
             <a:r>
               <a:rPr lang="en-US" sz="1100" dirty="0">
                 <a:solidFill>
-                  <a:srgbClr val="24292F"/>
-                </a:solidFill>
-                <a:effectLst/>
-                <a:latin typeface="+mn-lt"/>
-                <a:ea typeface="Times New Roman" panose="02020603050405020304" pitchFamily="18" charset="0"/>
+                  <a:schemeClr val="tx1">
+                    <a:lumMod val="65000"/>
+                    <a:lumOff val="35000"/>
+                  </a:schemeClr>
+                </a:solidFill>
+                <a:latin typeface="Calibri" panose="020F0502020204030204" pitchFamily="34" charset="0"/>
+                <a:cs typeface="Calibri" panose="020F0502020204030204" pitchFamily="34" charset="0"/>
               </a:rPr>
-              <a:t>So often, students think they can learn AI programming while multi-tasking on Facebook or texting friends on their cell phone. After programming for 30 years, I've learned one thing. You'll learn AI much faster if you can devote focused, uninterrupted time to practice.</a:t>
-            </a:r>
-          </a:p>
-          <a:p>
-            <a:pPr marL="342900" marR="0" lvl="0" indent="-342900" algn="l" defTabSz="914400" rtl="0" eaLnBrk="1" fontAlgn="auto" latinLnBrk="0" hangingPunct="1">
-              <a:lnSpc>
-                <a:spcPct val="100000"/>
-              </a:lnSpc>
-              <a:spcBef>
-                <a:spcPts val="0"/>
-              </a:spcBef>
-              <a:spcAft>
-                <a:spcPts val="0"/>
-              </a:spcAft>
-              <a:buClrTx/>
-              <a:buSzTx/>
-              <a:buFontTx/>
-              <a:buAutoNum type="arabicPeriod"/>
-              <a:tabLst/>
-              <a:defRPr/>
-            </a:pPr>
-            <a:r>
-              <a:rPr lang="en-US" sz="1100" b="1" dirty="0">
-                <a:effectLst/>
-                <a:latin typeface="+mn-lt"/>
-                <a:ea typeface="Calibri" panose="020F0502020204030204" pitchFamily="34" charset="0"/>
-                <a:cs typeface="LMRoman12-Bold"/>
-              </a:rPr>
-              <a:t>Avoid the “copy and paste” approach to writing code</a:t>
-            </a:r>
-          </a:p>
-          <a:p>
-            <a:pPr marL="800100" marR="0" lvl="1" indent="-342900" algn="l" defTabSz="914400" rtl="0" eaLnBrk="1" fontAlgn="auto" latinLnBrk="0" hangingPunct="1">
-              <a:lnSpc>
-                <a:spcPct val="100000"/>
-              </a:lnSpc>
-              <a:spcBef>
-                <a:spcPts val="0"/>
-              </a:spcBef>
-              <a:spcAft>
-                <a:spcPts val="0"/>
-              </a:spcAft>
-              <a:buClrTx/>
-              <a:buSzTx/>
-              <a:buFont typeface="Courier New" panose="02070309020205020404" pitchFamily="49" charset="0"/>
-              <a:buChar char="o"/>
-              <a:tabLst/>
-              <a:defRPr/>
-            </a:pPr>
-            <a:r>
-              <a:rPr lang="en-US" sz="1100" dirty="0">
-                <a:effectLst/>
-                <a:latin typeface="+mn-lt"/>
-                <a:ea typeface="Calibri" panose="020F0502020204030204" pitchFamily="34" charset="0"/>
-                <a:cs typeface="LMRoman10-Regular"/>
-              </a:rPr>
-              <a:t>Although copying and pasting may help you to avoid typing errors, it can also interfere with your learning</a:t>
-            </a:r>
-            <a:r>
-              <a:rPr lang="en-US" sz="1100" dirty="0">
-                <a:effectLst/>
-                <a:latin typeface="+mn-lt"/>
-                <a:ea typeface="Calibri" panose="020F0502020204030204" pitchFamily="34" charset="0"/>
-                <a:cs typeface="Times New Roman" panose="02020603050405020304" pitchFamily="18" charset="0"/>
-              </a:rPr>
-              <a:t> </a:t>
-            </a:r>
-            <a:r>
-              <a:rPr lang="en-US" sz="1100" dirty="0">
-                <a:effectLst/>
-                <a:latin typeface="+mn-lt"/>
-                <a:ea typeface="Calibri" panose="020F0502020204030204" pitchFamily="34" charset="0"/>
-                <a:cs typeface="LMRoman10-Regular"/>
-              </a:rPr>
-              <a:t>process for two reasons:</a:t>
-            </a:r>
-          </a:p>
-          <a:p>
-            <a:pPr marL="1257300" marR="0" lvl="2" indent="-342900" algn="l" defTabSz="914400" rtl="0" eaLnBrk="1" fontAlgn="auto" latinLnBrk="0" hangingPunct="1">
-              <a:lnSpc>
-                <a:spcPct val="100000"/>
-              </a:lnSpc>
-              <a:spcBef>
-                <a:spcPts val="0"/>
-              </a:spcBef>
-              <a:spcAft>
-                <a:spcPts val="0"/>
-              </a:spcAft>
-              <a:buClrTx/>
-              <a:buSzTx/>
-              <a:buFont typeface="Courier New" panose="02070309020205020404" pitchFamily="49" charset="0"/>
-              <a:buChar char="o"/>
-              <a:tabLst/>
-              <a:defRPr/>
-            </a:pPr>
-            <a:r>
-              <a:rPr lang="en-US" sz="1100" dirty="0">
-                <a:effectLst/>
-                <a:latin typeface="+mn-lt"/>
-                <a:ea typeface="Calibri" panose="020F0502020204030204" pitchFamily="34" charset="0"/>
-                <a:cs typeface="Times New Roman" panose="02020603050405020304" pitchFamily="18" charset="0"/>
-              </a:rPr>
-              <a:t>Typing </a:t>
-            </a:r>
-            <a:r>
-              <a:rPr lang="en-US" sz="1100" dirty="0">
-                <a:effectLst/>
-                <a:latin typeface="+mn-lt"/>
-                <a:ea typeface="Calibri" panose="020F0502020204030204" pitchFamily="34" charset="0"/>
-                <a:cs typeface="LMRoman10-Regular"/>
-              </a:rPr>
-              <a:t>errors can help you gain experience in writing code it provides informative feedback when you</a:t>
-            </a:r>
-            <a:r>
-              <a:rPr lang="en-US" sz="1100" dirty="0">
-                <a:effectLst/>
-                <a:latin typeface="+mn-lt"/>
-                <a:ea typeface="Calibri" panose="020F0502020204030204" pitchFamily="34" charset="0"/>
-                <a:cs typeface="Times New Roman" panose="02020603050405020304" pitchFamily="18" charset="0"/>
-              </a:rPr>
-              <a:t> </a:t>
-            </a:r>
-            <a:r>
-              <a:rPr lang="en-US" sz="1100" dirty="0">
-                <a:effectLst/>
-                <a:latin typeface="+mn-lt"/>
-                <a:ea typeface="Calibri" panose="020F0502020204030204" pitchFamily="34" charset="0"/>
-                <a:cs typeface="LMRoman10-Regular"/>
-              </a:rPr>
-              <a:t>make mistakes. Making and correcting typing errors is an important skill to develop, particularly</a:t>
-            </a:r>
-            <a:r>
-              <a:rPr lang="en-US" sz="1100" dirty="0">
-                <a:effectLst/>
-                <a:latin typeface="+mn-lt"/>
-                <a:ea typeface="Calibri" panose="020F0502020204030204" pitchFamily="34" charset="0"/>
-                <a:cs typeface="Times New Roman" panose="02020603050405020304" pitchFamily="18" charset="0"/>
-              </a:rPr>
-              <a:t> </a:t>
-            </a:r>
-            <a:r>
-              <a:rPr lang="en-US" sz="1100" dirty="0">
-                <a:effectLst/>
-                <a:latin typeface="+mn-lt"/>
-                <a:ea typeface="Calibri" panose="020F0502020204030204" pitchFamily="34" charset="0"/>
-                <a:cs typeface="LMRoman10-Regular"/>
-              </a:rPr>
-              <a:t>when you are typing a lot of code for your own data analysis.</a:t>
-            </a:r>
-          </a:p>
-          <a:p>
-            <a:pPr marL="1257300" marR="0" lvl="2" indent="-342900" algn="l" defTabSz="914400" rtl="0" eaLnBrk="1" fontAlgn="auto" latinLnBrk="0" hangingPunct="1">
-              <a:lnSpc>
-                <a:spcPct val="100000"/>
-              </a:lnSpc>
-              <a:spcBef>
-                <a:spcPts val="0"/>
-              </a:spcBef>
-              <a:spcAft>
-                <a:spcPts val="0"/>
-              </a:spcAft>
-              <a:buClrTx/>
-              <a:buSzTx/>
-              <a:buFont typeface="Courier New" panose="02070309020205020404" pitchFamily="49" charset="0"/>
-              <a:buChar char="o"/>
-              <a:tabLst/>
-              <a:defRPr/>
-            </a:pPr>
-            <a:r>
-              <a:rPr lang="en-US" sz="1100" dirty="0">
-                <a:effectLst/>
-                <a:latin typeface="+mn-lt"/>
-                <a:ea typeface="Calibri" panose="020F0502020204030204" pitchFamily="34" charset="0"/>
-                <a:cs typeface="Times New Roman" panose="02020603050405020304" pitchFamily="18" charset="0"/>
-              </a:rPr>
-              <a:t>Copying </a:t>
-            </a:r>
-            <a:r>
-              <a:rPr lang="en-US" sz="1100" dirty="0">
-                <a:effectLst/>
-                <a:latin typeface="+mn-lt"/>
-                <a:ea typeface="Calibri" panose="020F0502020204030204" pitchFamily="34" charset="0"/>
-                <a:cs typeface="LMRoman10-Regular"/>
-              </a:rPr>
-              <a:t>and pasting code may give you the impression that you know what you are doing when – in reality – you probably do not fully understand what the individual blocks of code are actually doing.</a:t>
-            </a:r>
-            <a:r>
-              <a:rPr lang="en-US" sz="1100" dirty="0">
-                <a:effectLst/>
-                <a:latin typeface="+mn-lt"/>
-                <a:ea typeface="Calibri" panose="020F0502020204030204" pitchFamily="34" charset="0"/>
-                <a:cs typeface="Times New Roman" panose="02020603050405020304" pitchFamily="18" charset="0"/>
-              </a:rPr>
-              <a:t> </a:t>
-            </a:r>
-            <a:r>
-              <a:rPr lang="en-US" sz="1100" dirty="0">
-                <a:effectLst/>
-                <a:latin typeface="+mn-lt"/>
-                <a:ea typeface="Calibri" panose="020F0502020204030204" pitchFamily="34" charset="0"/>
-                <a:cs typeface="LMRoman10-Regular"/>
-              </a:rPr>
-              <a:t>Furthermore, this problem will just get worse as you deal with increasingly longer and more complicated</a:t>
-            </a:r>
-            <a:r>
-              <a:rPr lang="en-US" sz="1100" dirty="0">
-                <a:effectLst/>
-                <a:latin typeface="+mn-lt"/>
-                <a:ea typeface="Calibri" panose="020F0502020204030204" pitchFamily="34" charset="0"/>
-                <a:cs typeface="Times New Roman" panose="02020603050405020304" pitchFamily="18" charset="0"/>
-              </a:rPr>
-              <a:t> s</a:t>
-            </a:r>
-            <a:r>
-              <a:rPr lang="en-US" sz="1100" dirty="0">
-                <a:effectLst/>
-                <a:latin typeface="+mn-lt"/>
-                <a:ea typeface="Calibri" panose="020F0502020204030204" pitchFamily="34" charset="0"/>
-                <a:cs typeface="LMRoman10-Regular"/>
-              </a:rPr>
-              <a:t>cripts.</a:t>
-            </a:r>
-          </a:p>
-          <a:p>
-            <a:pPr marL="342900" marR="0" lvl="0" indent="-342900" algn="l" defTabSz="914400" rtl="0" eaLnBrk="1" fontAlgn="auto" latinLnBrk="0" hangingPunct="1">
-              <a:lnSpc>
-                <a:spcPct val="100000"/>
-              </a:lnSpc>
-              <a:spcBef>
-                <a:spcPts val="0"/>
-              </a:spcBef>
-              <a:spcAft>
-                <a:spcPts val="0"/>
-              </a:spcAft>
-              <a:buClrTx/>
-              <a:buSzTx/>
-              <a:buFont typeface="+mj-lt"/>
-              <a:buAutoNum type="arabicPeriod"/>
-              <a:tabLst/>
-              <a:defRPr/>
-            </a:pPr>
-            <a:r>
-              <a:rPr lang="en-US" sz="1100" b="1" dirty="0">
-                <a:effectLst/>
-                <a:latin typeface="+mn-lt"/>
-                <a:ea typeface="Calibri" panose="020F0502020204030204" pitchFamily="34" charset="0"/>
-                <a:cs typeface="LMRoman12-Bold"/>
-              </a:rPr>
-              <a:t>Study code block-by-block, line-by-line</a:t>
-            </a:r>
-          </a:p>
-          <a:p>
-            <a:pPr marL="800100" marR="0" lvl="1" indent="-342900" algn="l" defTabSz="914400" rtl="0" eaLnBrk="1" fontAlgn="auto" latinLnBrk="0" hangingPunct="1">
-              <a:lnSpc>
-                <a:spcPct val="100000"/>
-              </a:lnSpc>
-              <a:spcBef>
-                <a:spcPts val="0"/>
-              </a:spcBef>
-              <a:spcAft>
-                <a:spcPts val="0"/>
-              </a:spcAft>
-              <a:buClrTx/>
-              <a:buSzTx/>
-              <a:buFont typeface="Courier New" panose="02070309020205020404" pitchFamily="49" charset="0"/>
-              <a:buChar char="o"/>
-              <a:tabLst/>
-              <a:defRPr/>
-            </a:pPr>
-            <a:r>
-              <a:rPr lang="en-US" sz="1100" dirty="0">
-                <a:effectLst/>
-                <a:latin typeface="+mn-lt"/>
-                <a:ea typeface="Calibri" panose="020F0502020204030204" pitchFamily="34" charset="0"/>
-                <a:cs typeface="LMRoman10-Regular"/>
-              </a:rPr>
-              <a:t>This means running one block of code at a time and making sure that you understand why the output is what</a:t>
-            </a:r>
-            <a:r>
-              <a:rPr lang="en-US" sz="1100" dirty="0">
-                <a:effectLst/>
-                <a:latin typeface="+mn-lt"/>
-                <a:ea typeface="Calibri" panose="020F0502020204030204" pitchFamily="34" charset="0"/>
-                <a:cs typeface="Times New Roman" panose="02020603050405020304" pitchFamily="18" charset="0"/>
-              </a:rPr>
-              <a:t> </a:t>
-            </a:r>
-            <a:r>
-              <a:rPr lang="en-US" sz="1100" dirty="0">
-                <a:effectLst/>
-                <a:latin typeface="+mn-lt"/>
-                <a:ea typeface="Calibri" panose="020F0502020204030204" pitchFamily="34" charset="0"/>
-                <a:cs typeface="LMRoman10-Regular"/>
-              </a:rPr>
-              <a:t>it is. If things are not clear, it is important to spend more time with that piece of the code. Here are some</a:t>
-            </a:r>
-            <a:r>
-              <a:rPr lang="en-US" sz="1100" dirty="0">
-                <a:effectLst/>
-                <a:latin typeface="+mn-lt"/>
-                <a:ea typeface="Calibri" panose="020F0502020204030204" pitchFamily="34" charset="0"/>
-                <a:cs typeface="Times New Roman" panose="02020603050405020304" pitchFamily="18" charset="0"/>
-              </a:rPr>
-              <a:t> </a:t>
-            </a:r>
-            <a:r>
-              <a:rPr lang="en-US" sz="1100" dirty="0">
-                <a:effectLst/>
-                <a:latin typeface="+mn-lt"/>
-                <a:ea typeface="Calibri" panose="020F0502020204030204" pitchFamily="34" charset="0"/>
-                <a:cs typeface="LMRoman10-Regular"/>
-              </a:rPr>
-              <a:t>tricks that are often helpful to understand a particular piece of code:</a:t>
-            </a:r>
-          </a:p>
-          <a:p>
-            <a:pPr marL="1257300" marR="0" lvl="2" indent="-342900" algn="l" defTabSz="914400" rtl="0" eaLnBrk="1" fontAlgn="auto" latinLnBrk="0" hangingPunct="1">
-              <a:lnSpc>
-                <a:spcPct val="100000"/>
-              </a:lnSpc>
-              <a:spcBef>
-                <a:spcPts val="0"/>
-              </a:spcBef>
-              <a:spcAft>
-                <a:spcPts val="0"/>
-              </a:spcAft>
-              <a:buClrTx/>
-              <a:buSzTx/>
-              <a:buFont typeface="Courier New" panose="02070309020205020404" pitchFamily="49" charset="0"/>
-              <a:buChar char="o"/>
-              <a:tabLst/>
-              <a:defRPr/>
-            </a:pPr>
-            <a:r>
-              <a:rPr lang="en-US" sz="1100" dirty="0">
-                <a:effectLst/>
-                <a:latin typeface="+mn-lt"/>
-                <a:ea typeface="Calibri" panose="020F0502020204030204" pitchFamily="34" charset="0"/>
-                <a:cs typeface="LMRoman10-Regular"/>
-              </a:rPr>
-              <a:t>Break a line of code into its components and try to understand the individual pieces.  Sometimes functions are nested within functions.</a:t>
-            </a:r>
-            <a:endParaRPr lang="en-US" sz="1100" dirty="0">
-              <a:effectLst/>
-              <a:latin typeface="+mn-lt"/>
-              <a:ea typeface="Calibri" panose="020F0502020204030204" pitchFamily="34" charset="0"/>
-              <a:cs typeface="Times New Roman" panose="02020603050405020304" pitchFamily="18" charset="0"/>
-            </a:endParaRPr>
-          </a:p>
-          <a:p>
-            <a:pPr marL="1257300" marR="0" lvl="2" indent="-342900" algn="l" defTabSz="914400" rtl="0" eaLnBrk="1" fontAlgn="auto" latinLnBrk="0" hangingPunct="1">
-              <a:lnSpc>
-                <a:spcPct val="100000"/>
-              </a:lnSpc>
-              <a:spcBef>
-                <a:spcPts val="0"/>
-              </a:spcBef>
-              <a:spcAft>
-                <a:spcPts val="0"/>
-              </a:spcAft>
-              <a:buClrTx/>
-              <a:buSzTx/>
-              <a:buFont typeface="Courier New" panose="02070309020205020404" pitchFamily="49" charset="0"/>
-              <a:buChar char="o"/>
-              <a:tabLst/>
-              <a:defRPr/>
-            </a:pPr>
-            <a:r>
-              <a:rPr lang="en-US" sz="1100" dirty="0">
-                <a:effectLst/>
-                <a:latin typeface="+mn-lt"/>
-                <a:ea typeface="Calibri" panose="020F0502020204030204" pitchFamily="34" charset="0"/>
-                <a:cs typeface="LMRoman10-Regular"/>
-              </a:rPr>
-              <a:t>Document what each block is doing. Clear documentation is critical as you may not remember what you did when you come back to a piece of code at some point in the future. As a wise programmer once said, “Write code for the future you.” Documentation is also useful when you want to adapt or reuse code in some other way. In situations like this, you will immediately know what a specific chunk of code does because it has been clearly documented.  </a:t>
-            </a:r>
-            <a:r>
-              <a:rPr lang="en-US" sz="1100" b="1" dirty="0">
-                <a:solidFill>
-                  <a:schemeClr val="tx1">
-                    <a:lumMod val="75000"/>
-                    <a:lumOff val="25000"/>
-                  </a:schemeClr>
-                </a:solidFill>
-                <a:effectLst/>
-                <a:latin typeface="+mn-lt"/>
-                <a:ea typeface="Calibri" panose="020F0502020204030204" pitchFamily="34" charset="0"/>
-                <a:cs typeface="LMRoman10-Regular"/>
-              </a:rPr>
-              <a:t>Donald Knuth </a:t>
-            </a:r>
-            <a:r>
-              <a:rPr lang="en-US" sz="1100" dirty="0">
-                <a:effectLst/>
-                <a:latin typeface="+mn-lt"/>
-                <a:ea typeface="Calibri" panose="020F0502020204030204" pitchFamily="34" charset="0"/>
-                <a:cs typeface="LMRoman10-Regular"/>
-              </a:rPr>
-              <a:t>– Literate Programming</a:t>
-            </a:r>
-            <a:endParaRPr lang="en-US" sz="1100" dirty="0">
-              <a:effectLst/>
-              <a:latin typeface="+mn-lt"/>
-              <a:ea typeface="Calibri" panose="020F0502020204030204" pitchFamily="34" charset="0"/>
-              <a:cs typeface="Times New Roman" panose="02020603050405020304" pitchFamily="18" charset="0"/>
-            </a:endParaRPr>
-          </a:p>
-          <a:p>
-            <a:pPr marL="1257300" marR="0" lvl="2" indent="-342900" algn="l" defTabSz="914400" rtl="0" eaLnBrk="1" fontAlgn="auto" latinLnBrk="0" hangingPunct="1">
-              <a:lnSpc>
-                <a:spcPct val="100000"/>
-              </a:lnSpc>
-              <a:spcBef>
-                <a:spcPts val="0"/>
-              </a:spcBef>
-              <a:spcAft>
-                <a:spcPts val="0"/>
-              </a:spcAft>
-              <a:buClrTx/>
-              <a:buSzTx/>
-              <a:buFont typeface="Courier New" panose="02070309020205020404" pitchFamily="49" charset="0"/>
-              <a:buChar char="o"/>
-              <a:tabLst/>
-              <a:defRPr/>
-            </a:pPr>
-            <a:r>
-              <a:rPr lang="en-US" sz="1100" dirty="0">
-                <a:effectLst/>
-                <a:latin typeface="+mn-lt"/>
-                <a:ea typeface="Calibri" panose="020F0502020204030204" pitchFamily="34" charset="0"/>
-                <a:cs typeface="LMRoman10-Regular"/>
-              </a:rPr>
-              <a:t>Perform mini experiments: create a simpler example in which you can tinker with the code and see what happens to the output.</a:t>
-            </a:r>
-            <a:endParaRPr lang="en-US" sz="1100" dirty="0">
-              <a:effectLst/>
-              <a:latin typeface="+mn-lt"/>
-              <a:ea typeface="Calibri" panose="020F0502020204030204" pitchFamily="34" charset="0"/>
-              <a:cs typeface="Times New Roman" panose="02020603050405020304" pitchFamily="18" charset="0"/>
-            </a:endParaRPr>
-          </a:p>
-          <a:p>
-            <a:pPr marL="342900" marR="0" lvl="0" indent="-342900" algn="l" defTabSz="914400" rtl="0" eaLnBrk="1" fontAlgn="auto" latinLnBrk="0" hangingPunct="1">
-              <a:lnSpc>
-                <a:spcPct val="100000"/>
-              </a:lnSpc>
-              <a:spcBef>
-                <a:spcPts val="0"/>
-              </a:spcBef>
-              <a:spcAft>
-                <a:spcPts val="0"/>
-              </a:spcAft>
-              <a:buClrTx/>
-              <a:buSzTx/>
-              <a:buFont typeface="+mj-lt"/>
-              <a:buAutoNum type="arabicPeriod"/>
-              <a:tabLst/>
-              <a:defRPr/>
-            </a:pPr>
-            <a:r>
-              <a:rPr lang="en-US" sz="1100" b="1" dirty="0">
-                <a:effectLst/>
-                <a:latin typeface="+mn-lt"/>
-                <a:ea typeface="Calibri" panose="020F0502020204030204" pitchFamily="34" charset="0"/>
-                <a:cs typeface="LMRoman12-Bold"/>
-              </a:rPr>
-              <a:t>Use the internet to find answers</a:t>
-            </a:r>
-          </a:p>
-          <a:p>
-            <a:pPr marL="800100" marR="0" lvl="1" indent="-342900" algn="l" defTabSz="914400" rtl="0" eaLnBrk="1" fontAlgn="auto" latinLnBrk="0" hangingPunct="1">
-              <a:lnSpc>
-                <a:spcPct val="100000"/>
-              </a:lnSpc>
-              <a:spcBef>
-                <a:spcPts val="0"/>
-              </a:spcBef>
-              <a:spcAft>
-                <a:spcPts val="0"/>
-              </a:spcAft>
-              <a:buClrTx/>
-              <a:buSzTx/>
-              <a:buFont typeface="Courier New" panose="02070309020205020404" pitchFamily="49" charset="0"/>
-              <a:buChar char="o"/>
-              <a:tabLst/>
-              <a:defRPr/>
-            </a:pPr>
-            <a:r>
-              <a:rPr lang="en-US" sz="1100" dirty="0">
-                <a:effectLst/>
-                <a:latin typeface="+mn-lt"/>
-                <a:ea typeface="Calibri" panose="020F0502020204030204" pitchFamily="34" charset="0"/>
-                <a:cs typeface="LMRoman10-Regular"/>
-              </a:rPr>
-              <a:t>Everybody (from novice to more experienced users) relies on the internet when they don’t understand</a:t>
-            </a:r>
-            <a:r>
-              <a:rPr lang="en-US" sz="1100" dirty="0">
-                <a:effectLst/>
-                <a:latin typeface="+mn-lt"/>
-                <a:ea typeface="Calibri" panose="020F0502020204030204" pitchFamily="34" charset="0"/>
-                <a:cs typeface="Times New Roman" panose="02020603050405020304" pitchFamily="18" charset="0"/>
-              </a:rPr>
-              <a:t> </a:t>
-            </a:r>
-            <a:r>
-              <a:rPr lang="en-US" sz="1100" dirty="0">
-                <a:effectLst/>
-                <a:latin typeface="+mn-lt"/>
-                <a:ea typeface="Calibri" panose="020F0502020204030204" pitchFamily="34" charset="0"/>
-                <a:cs typeface="LMRoman10-Regular"/>
-              </a:rPr>
-              <a:t>something. It is likely that other people have already asked (and received useful answers) for the problem</a:t>
-            </a:r>
-            <a:r>
-              <a:rPr lang="en-US" sz="1100" dirty="0">
-                <a:effectLst/>
-                <a:latin typeface="+mn-lt"/>
-                <a:ea typeface="Calibri" panose="020F0502020204030204" pitchFamily="34" charset="0"/>
-                <a:cs typeface="Times New Roman" panose="02020603050405020304" pitchFamily="18" charset="0"/>
-              </a:rPr>
-              <a:t> </a:t>
-            </a:r>
-            <a:r>
-              <a:rPr lang="en-US" sz="1100" dirty="0">
-                <a:effectLst/>
-                <a:latin typeface="+mn-lt"/>
-                <a:ea typeface="Calibri" panose="020F0502020204030204" pitchFamily="34" charset="0"/>
-                <a:cs typeface="LMRoman10-Regular"/>
-              </a:rPr>
-              <a:t>that you are facing. However, finding the exact piece of information that you need might be hard, especially</a:t>
-            </a:r>
-            <a:r>
-              <a:rPr lang="en-US" sz="1100" dirty="0">
-                <a:effectLst/>
-                <a:latin typeface="+mn-lt"/>
-                <a:ea typeface="Calibri" panose="020F0502020204030204" pitchFamily="34" charset="0"/>
-                <a:cs typeface="Times New Roman" panose="02020603050405020304" pitchFamily="18" charset="0"/>
-              </a:rPr>
-              <a:t> </a:t>
-            </a:r>
-            <a:r>
-              <a:rPr lang="en-US" sz="1100" dirty="0">
-                <a:effectLst/>
-                <a:latin typeface="+mn-lt"/>
-                <a:ea typeface="Calibri" panose="020F0502020204030204" pitchFamily="34" charset="0"/>
-                <a:cs typeface="LMRoman10-Regular"/>
-              </a:rPr>
-              <a:t>if you don’t use the correct terms/key words. Learning how to search for the information that you need is</a:t>
-            </a:r>
-            <a:r>
-              <a:rPr lang="en-US" sz="1100" dirty="0">
-                <a:effectLst/>
-                <a:latin typeface="+mn-lt"/>
-                <a:ea typeface="Calibri" panose="020F0502020204030204" pitchFamily="34" charset="0"/>
-                <a:cs typeface="Times New Roman" panose="02020603050405020304" pitchFamily="18" charset="0"/>
-              </a:rPr>
-              <a:t> </a:t>
-            </a:r>
-            <a:r>
-              <a:rPr lang="en-US" sz="1100" dirty="0">
-                <a:effectLst/>
-                <a:latin typeface="+mn-lt"/>
-                <a:ea typeface="Calibri" panose="020F0502020204030204" pitchFamily="34" charset="0"/>
-                <a:cs typeface="LMRoman10-Regular"/>
-              </a:rPr>
-              <a:t>a skill that also takes practice. “</a:t>
-            </a:r>
-            <a:r>
-              <a:rPr lang="en-US" sz="1100" dirty="0" err="1">
-                <a:effectLst/>
-                <a:latin typeface="+mn-lt"/>
-                <a:ea typeface="Calibri" panose="020F0502020204030204" pitchFamily="34" charset="0"/>
-                <a:cs typeface="LMRoman10-Regular"/>
-              </a:rPr>
-              <a:t>Stackoverflow</a:t>
-            </a:r>
-            <a:r>
-              <a:rPr lang="en-US" sz="1100" dirty="0">
-                <a:effectLst/>
-                <a:latin typeface="+mn-lt"/>
-                <a:ea typeface="Calibri" panose="020F0502020204030204" pitchFamily="34" charset="0"/>
-                <a:cs typeface="LMRoman10-Regular"/>
-              </a:rPr>
-              <a:t>” and existing </a:t>
-            </a:r>
-            <a:r>
-              <a:rPr lang="en-US" sz="1100" dirty="0" err="1">
-                <a:effectLst/>
-                <a:latin typeface="+mn-lt"/>
-                <a:ea typeface="Calibri" panose="020F0502020204030204" pitchFamily="34" charset="0"/>
-                <a:cs typeface="LMRoman10-Regular"/>
-              </a:rPr>
-              <a:t>cheatsheets</a:t>
-            </a:r>
-            <a:r>
-              <a:rPr lang="en-US" sz="1100" dirty="0">
-                <a:effectLst/>
-                <a:latin typeface="+mn-lt"/>
-                <a:ea typeface="Calibri" panose="020F0502020204030204" pitchFamily="34" charset="0"/>
-                <a:cs typeface="LMRoman10-Regular"/>
-              </a:rPr>
-              <a:t> can be very helpful.</a:t>
-            </a:r>
-          </a:p>
-          <a:p>
-            <a:pPr marL="342900" marR="0" lvl="0" indent="-342900" algn="l" defTabSz="914400" rtl="0" eaLnBrk="1" fontAlgn="auto" latinLnBrk="0" hangingPunct="1">
-              <a:lnSpc>
-                <a:spcPct val="100000"/>
-              </a:lnSpc>
-              <a:spcBef>
-                <a:spcPts val="0"/>
-              </a:spcBef>
-              <a:spcAft>
-                <a:spcPts val="0"/>
-              </a:spcAft>
-              <a:buClrTx/>
-              <a:buSzTx/>
-              <a:buFont typeface="+mj-lt"/>
-              <a:buAutoNum type="arabicPeriod"/>
-              <a:tabLst/>
-              <a:defRPr/>
-            </a:pPr>
-            <a:r>
-              <a:rPr lang="en-US" sz="1100" b="1" dirty="0">
-                <a:effectLst/>
-                <a:latin typeface="+mn-lt"/>
-                <a:ea typeface="Calibri" panose="020F0502020204030204" pitchFamily="34" charset="0"/>
-                <a:cs typeface="LMRoman10-Regular"/>
-              </a:rPr>
-              <a:t>Ask for Help</a:t>
-            </a:r>
-          </a:p>
-          <a:p>
-            <a:pPr marL="800100" marR="0" lvl="1" indent="-342900" algn="l" defTabSz="914400" rtl="0" eaLnBrk="1" fontAlgn="auto" latinLnBrk="0" hangingPunct="1">
-              <a:lnSpc>
-                <a:spcPct val="100000"/>
-              </a:lnSpc>
-              <a:spcBef>
-                <a:spcPts val="0"/>
-              </a:spcBef>
-              <a:spcAft>
-                <a:spcPts val="0"/>
-              </a:spcAft>
-              <a:buClrTx/>
-              <a:buSzTx/>
-              <a:buFont typeface="Courier New" panose="02070309020205020404" pitchFamily="49" charset="0"/>
-              <a:buChar char="o"/>
-              <a:tabLst/>
-              <a:defRPr/>
-            </a:pPr>
-            <a:r>
-              <a:rPr lang="en-US" sz="1100" b="0" dirty="0">
-                <a:effectLst/>
-                <a:latin typeface="+mn-lt"/>
-                <a:ea typeface="Calibri" panose="020F0502020204030204" pitchFamily="34" charset="0"/>
-                <a:cs typeface="LMRoman10-Regular"/>
-              </a:rPr>
-              <a:t>We’re all learning.  And some days, I feel like I’m the one who has the most to learn.  Alcoa story.</a:t>
-            </a:r>
-          </a:p>
-          <a:p>
-            <a:pPr marL="342900" marR="0" lvl="0" indent="-342900" algn="l" defTabSz="914400" rtl="0" eaLnBrk="1" fontAlgn="auto" latinLnBrk="0" hangingPunct="1">
-              <a:lnSpc>
-                <a:spcPct val="100000"/>
-              </a:lnSpc>
-              <a:spcBef>
-                <a:spcPts val="0"/>
-              </a:spcBef>
-              <a:spcAft>
-                <a:spcPts val="0"/>
-              </a:spcAft>
-              <a:buClrTx/>
-              <a:buSzTx/>
-              <a:buFont typeface="+mj-lt"/>
-              <a:buAutoNum type="arabicPeriod"/>
-              <a:tabLst/>
-              <a:defRPr/>
-            </a:pPr>
-            <a:r>
-              <a:rPr lang="en-US" sz="1100" b="1" dirty="0">
-                <a:effectLst/>
-                <a:latin typeface="+mn-lt"/>
-                <a:ea typeface="Calibri" panose="020F0502020204030204" pitchFamily="34" charset="0"/>
-                <a:cs typeface="LMRoman12-Bold"/>
-              </a:rPr>
-              <a:t>Take your time</a:t>
-            </a:r>
-          </a:p>
-          <a:p>
-            <a:pPr marL="800100" marR="0" lvl="1" indent="-342900" algn="l" defTabSz="914400" rtl="0" eaLnBrk="1" fontAlgn="auto" latinLnBrk="0" hangingPunct="1">
-              <a:lnSpc>
-                <a:spcPct val="100000"/>
-              </a:lnSpc>
-              <a:spcBef>
-                <a:spcPts val="0"/>
-              </a:spcBef>
-              <a:spcAft>
-                <a:spcPts val="0"/>
-              </a:spcAft>
-              <a:buClrTx/>
-              <a:buSzTx/>
-              <a:buFont typeface="Courier New" panose="02070309020205020404" pitchFamily="49" charset="0"/>
-              <a:buChar char="o"/>
-              <a:tabLst/>
-              <a:defRPr/>
-            </a:pPr>
-            <a:r>
-              <a:rPr lang="en-US" sz="1100" dirty="0">
-                <a:effectLst/>
-                <a:latin typeface="+mn-lt"/>
-                <a:ea typeface="Calibri" panose="020F0502020204030204" pitchFamily="34" charset="0"/>
-                <a:cs typeface="LMRoman10-Regular"/>
-              </a:rPr>
-              <a:t>It is important to realize that it takes time to learn AI. What this implies is that you should not</a:t>
-            </a:r>
-            <a:r>
-              <a:rPr lang="en-US" sz="1100" dirty="0">
-                <a:effectLst/>
-                <a:latin typeface="+mn-lt"/>
-                <a:ea typeface="Calibri" panose="020F0502020204030204" pitchFamily="34" charset="0"/>
-                <a:cs typeface="Times New Roman" panose="02020603050405020304" pitchFamily="18" charset="0"/>
-              </a:rPr>
-              <a:t> </a:t>
-            </a:r>
-            <a:r>
-              <a:rPr lang="en-US" sz="1100" dirty="0">
-                <a:effectLst/>
-                <a:latin typeface="+mn-lt"/>
-                <a:ea typeface="Calibri" panose="020F0502020204030204" pitchFamily="34" charset="0"/>
-                <a:cs typeface="LMRoman10-Regular"/>
-              </a:rPr>
-              <a:t>rush to get things done if you want to master this skill. In particular, everybody goes through some level of</a:t>
-            </a:r>
-            <a:r>
-              <a:rPr lang="en-US" sz="1100" dirty="0">
-                <a:effectLst/>
-                <a:latin typeface="+mn-lt"/>
-                <a:ea typeface="Calibri" panose="020F0502020204030204" pitchFamily="34" charset="0"/>
-                <a:cs typeface="Times New Roman" panose="02020603050405020304" pitchFamily="18" charset="0"/>
-              </a:rPr>
-              <a:t> </a:t>
-            </a:r>
-            <a:r>
-              <a:rPr lang="en-US" sz="1100" dirty="0">
-                <a:effectLst/>
-                <a:latin typeface="+mn-lt"/>
-                <a:ea typeface="Calibri" panose="020F0502020204030204" pitchFamily="34" charset="0"/>
-                <a:cs typeface="LMRoman10-Regular"/>
-              </a:rPr>
-              <a:t>struggle and frustration when learning AI. However, once you have mastered it, you will be amazed</a:t>
-            </a:r>
-            <a:r>
-              <a:rPr lang="en-US" sz="1100" dirty="0">
-                <a:effectLst/>
-                <a:latin typeface="+mn-lt"/>
-                <a:ea typeface="Calibri" panose="020F0502020204030204" pitchFamily="34" charset="0"/>
-                <a:cs typeface="Times New Roman" panose="02020603050405020304" pitchFamily="18" charset="0"/>
-              </a:rPr>
-              <a:t> </a:t>
-            </a:r>
-            <a:r>
-              <a:rPr lang="en-US" sz="1100" dirty="0">
-                <a:effectLst/>
-                <a:latin typeface="+mn-lt"/>
-                <a:ea typeface="Calibri" panose="020F0502020204030204" pitchFamily="34" charset="0"/>
-                <a:cs typeface="LMRoman10-Regular"/>
-              </a:rPr>
-              <a:t>by what this skill can do for you.</a:t>
-            </a:r>
-            <a:endParaRPr lang="en-US" sz="1100" dirty="0">
-              <a:effectLst/>
-              <a:latin typeface="+mn-lt"/>
-              <a:ea typeface="Calibri" panose="020F0502020204030204" pitchFamily="34" charset="0"/>
-              <a:cs typeface="Times New Roman" panose="02020603050405020304" pitchFamily="18" charset="0"/>
-            </a:endParaRPr>
-          </a:p>
-          <a:p>
-            <a:pPr marL="342900" marR="0" lvl="0" indent="-342900" algn="l" defTabSz="914400" rtl="0" eaLnBrk="1" fontAlgn="auto" latinLnBrk="0" hangingPunct="1">
-              <a:lnSpc>
-                <a:spcPct val="100000"/>
-              </a:lnSpc>
-              <a:spcBef>
-                <a:spcPts val="0"/>
-              </a:spcBef>
-              <a:spcAft>
-                <a:spcPts val="0"/>
-              </a:spcAft>
-              <a:buClrTx/>
-              <a:buSzTx/>
-              <a:buFont typeface="+mj-lt"/>
-              <a:buAutoNum type="arabicPeriod"/>
-              <a:tabLst/>
-              <a:defRPr/>
-            </a:pPr>
-            <a:endParaRPr lang="en-US" sz="1800" dirty="0">
-              <a:effectLst/>
-              <a:latin typeface="Calibri" panose="020F0502020204030204" pitchFamily="34" charset="0"/>
-              <a:ea typeface="Calibri" panose="020F0502020204030204" pitchFamily="34" charset="0"/>
-              <a:cs typeface="Times New Roman" panose="02020603050405020304" pitchFamily="18" charset="0"/>
-            </a:endParaRPr>
-          </a:p>
-          <a:p>
-            <a:pPr marL="800100" marR="0" lvl="1" indent="-342900" algn="l" defTabSz="914400" rtl="0" eaLnBrk="1" fontAlgn="auto" latinLnBrk="0" hangingPunct="1">
-              <a:lnSpc>
-                <a:spcPct val="100000"/>
-              </a:lnSpc>
-              <a:spcBef>
-                <a:spcPts val="0"/>
-              </a:spcBef>
-              <a:spcAft>
-                <a:spcPts val="0"/>
-              </a:spcAft>
-              <a:buClrTx/>
-              <a:buSzTx/>
-              <a:buFont typeface="Courier New" panose="02070309020205020404" pitchFamily="49" charset="0"/>
-              <a:buChar char="o"/>
-              <a:tabLst/>
-              <a:defRPr/>
-            </a:pPr>
-            <a:endParaRPr lang="en-US" sz="1800" dirty="0">
-              <a:effectLst/>
-              <a:latin typeface="Calibri" panose="020F0502020204030204" pitchFamily="34" charset="0"/>
-              <a:ea typeface="Calibri" panose="020F0502020204030204" pitchFamily="34" charset="0"/>
-              <a:cs typeface="Times New Roman" panose="02020603050405020304" pitchFamily="18" charset="0"/>
-            </a:endParaRPr>
-          </a:p>
-          <a:p>
-            <a:pPr marL="800100" marR="0" lvl="1" indent="-342900" algn="l" defTabSz="914400" rtl="0" eaLnBrk="1" fontAlgn="auto" latinLnBrk="0" hangingPunct="1">
-              <a:lnSpc>
-                <a:spcPct val="100000"/>
-              </a:lnSpc>
-              <a:spcBef>
-                <a:spcPts val="0"/>
-              </a:spcBef>
-              <a:spcAft>
-                <a:spcPts val="0"/>
-              </a:spcAft>
-              <a:buClrTx/>
-              <a:buSzTx/>
-              <a:buFont typeface="+mj-lt"/>
-              <a:buAutoNum type="arabicPeriod"/>
-              <a:tabLst/>
-              <a:defRPr/>
-            </a:pPr>
-            <a:endParaRPr lang="en-US" sz="1800" dirty="0">
-              <a:effectLst/>
-              <a:latin typeface="Calibri" panose="020F0502020204030204" pitchFamily="34" charset="0"/>
-              <a:ea typeface="Calibri" panose="020F0502020204030204" pitchFamily="34" charset="0"/>
-              <a:cs typeface="Times New Roman" panose="02020603050405020304" pitchFamily="18" charset="0"/>
-            </a:endParaRPr>
-          </a:p>
-          <a:p>
-            <a:pPr marL="800100" marR="0" lvl="1" indent="-342900" algn="l" defTabSz="914400" rtl="0" eaLnBrk="1" fontAlgn="auto" latinLnBrk="0" hangingPunct="1">
-              <a:lnSpc>
-                <a:spcPct val="100000"/>
-              </a:lnSpc>
-              <a:spcBef>
-                <a:spcPts val="0"/>
-              </a:spcBef>
-              <a:spcAft>
-                <a:spcPts val="0"/>
-              </a:spcAft>
-              <a:buClrTx/>
-              <a:buSzTx/>
-              <a:buFont typeface="Courier New" panose="02070309020205020404" pitchFamily="49" charset="0"/>
-              <a:buChar char="o"/>
-              <a:tabLst/>
-              <a:defRPr/>
-            </a:pPr>
-            <a:endParaRPr lang="en-US" sz="1800" dirty="0">
-              <a:effectLst/>
-              <a:latin typeface="Times New Roman" panose="02020603050405020304" pitchFamily="18" charset="0"/>
-              <a:ea typeface="Times New Roman" panose="02020603050405020304" pitchFamily="18" charset="0"/>
-            </a:endParaRPr>
-          </a:p>
-          <a:p>
-            <a:endParaRPr lang="en-US" dirty="0"/>
+              <a:t>  Two factors have led to the exponential rise of deep learning in the past ten years.  The first is Big Data.  The second is enhanced hardware – graphical processing units or GPUs made by companies like Nvidia.  And the third is open-source deep learning software like TensorFlow from Google.</a:t>
+            </a:r>
           </a:p>
         </p:txBody>
       </p:sp>
@@ -3290,7 +1851,7 @@
     </p:spTree>
     <p:extLst>
       <p:ext uri="{BB962C8B-B14F-4D97-AF65-F5344CB8AC3E}">
-        <p14:creationId xmlns:p14="http://schemas.microsoft.com/office/powerpoint/2010/main" val="1955762856"/>
+        <p14:creationId xmlns:p14="http://schemas.microsoft.com/office/powerpoint/2010/main" val="3219308966"/>
       </p:ext>
     </p:extLst>
   </p:cSld>
@@ -3345,87 +1906,8 @@
           <a:lstStyle/>
           <a:p>
             <a:r>
-              <a:rPr lang="en-US" sz="1100" b="0" i="0" dirty="0">
-                <a:solidFill>
-                  <a:schemeClr val="tx1">
-                    <a:lumMod val="65000"/>
-                    <a:lumOff val="35000"/>
-                  </a:schemeClr>
-                </a:solidFill>
-                <a:effectLst/>
-                <a:latin typeface="Calibri" panose="020F0502020204030204" pitchFamily="34" charset="0"/>
-                <a:cs typeface="Calibri" panose="020F0502020204030204" pitchFamily="34" charset="0"/>
-              </a:rPr>
-              <a:t>Artificial intelligence is the branch of computer science aimed at developing machines that can simulate human intelligence.  And human intelligence is dependent on our five senses – sight, hearing, touch, smell, and taste.  AI is an established field and has been in existence since the 1950s.</a:t>
-            </a:r>
-          </a:p>
-          <a:p>
-            <a:endParaRPr lang="en-US" sz="1100" dirty="0">
-              <a:solidFill>
-                <a:schemeClr val="tx1">
-                  <a:lumMod val="65000"/>
-                  <a:lumOff val="35000"/>
-                </a:schemeClr>
-              </a:solidFill>
-              <a:latin typeface="Calibri" panose="020F0502020204030204" pitchFamily="34" charset="0"/>
-              <a:cs typeface="Calibri" panose="020F0502020204030204" pitchFamily="34" charset="0"/>
-            </a:endParaRPr>
-          </a:p>
-          <a:p>
-            <a:r>
-              <a:rPr lang="en-US" sz="1100" b="0" i="0" dirty="0">
-                <a:solidFill>
-                  <a:schemeClr val="tx1">
-                    <a:lumMod val="65000"/>
-                    <a:lumOff val="35000"/>
-                  </a:schemeClr>
-                </a:solidFill>
-                <a:effectLst/>
-                <a:latin typeface="Calibri" panose="020F0502020204030204" pitchFamily="34" charset="0"/>
-                <a:cs typeface="Calibri" panose="020F0502020204030204" pitchFamily="34" charset="0"/>
-              </a:rPr>
-              <a:t>Machine learning is the subset of AI that performs specific tasks by identifying patterns within data and extracting inferences. The inferences derived from data are then used to predict outcomes on unseen data.  In machine learning, unlike traditional computer programming, the rules and heuristics are not explicitly written.  Rather, they are learned from the dataset.</a:t>
-            </a:r>
-          </a:p>
-          <a:p>
-            <a:endParaRPr lang="en-US" sz="1100" dirty="0">
-              <a:solidFill>
-                <a:schemeClr val="tx1">
-                  <a:lumMod val="65000"/>
-                  <a:lumOff val="35000"/>
-                </a:schemeClr>
-              </a:solidFill>
-              <a:latin typeface="Calibri" panose="020F0502020204030204" pitchFamily="34" charset="0"/>
-              <a:cs typeface="Calibri" panose="020F0502020204030204" pitchFamily="34" charset="0"/>
-            </a:endParaRPr>
-          </a:p>
-          <a:p>
-            <a:r>
-              <a:rPr lang="en-US" sz="1100" b="0" i="0" dirty="0">
-                <a:solidFill>
-                  <a:schemeClr val="tx1">
-                    <a:lumMod val="65000"/>
-                    <a:lumOff val="35000"/>
-                  </a:schemeClr>
-                </a:solidFill>
-                <a:effectLst/>
-                <a:latin typeface="Calibri" panose="020F0502020204030204" pitchFamily="34" charset="0"/>
-                <a:cs typeface="Calibri" panose="020F0502020204030204" pitchFamily="34" charset="0"/>
-              </a:rPr>
-              <a:t>Deep learning is a subset of machine learning and an extension of a certain kind of algorithm called Artificial Neural Networks (ANNs). Neural networks are not a new phenomenon. Neural networks were created in the first half of the 1940s.</a:t>
-            </a:r>
-            <a:r>
-              <a:rPr lang="en-US" sz="1100" dirty="0">
-                <a:solidFill>
-                  <a:schemeClr val="tx1">
-                    <a:lumMod val="65000"/>
-                    <a:lumOff val="35000"/>
-                  </a:schemeClr>
-                </a:solidFill>
-                <a:latin typeface="Calibri" panose="020F0502020204030204" pitchFamily="34" charset="0"/>
-                <a:cs typeface="Calibri" panose="020F0502020204030204" pitchFamily="34" charset="0"/>
-              </a:rPr>
-              <a:t>  Two factors have led to the exponential rise of deep learning in the past ten years.  The first is Big Data.  The second is enhanced hardware – graphical processing units or GPUs made by companies like Nvidia.  And the third is open-source deep learning software like TensorFlow from Google.</a:t>
+              <a:rPr lang="en-US" dirty="0"/>
+              <a:t>Now for those of you who have not worked in a JupyterLab environment, we encourage you to watch our Introduction to JupyterLab video.</a:t>
             </a:r>
           </a:p>
         </p:txBody>
@@ -3456,7 +1938,7 @@
     </p:spTree>
     <p:extLst>
       <p:ext uri="{BB962C8B-B14F-4D97-AF65-F5344CB8AC3E}">
-        <p14:creationId xmlns:p14="http://schemas.microsoft.com/office/powerpoint/2010/main" val="3219308966"/>
+        <p14:creationId xmlns:p14="http://schemas.microsoft.com/office/powerpoint/2010/main" val="1328824333"/>
       </p:ext>
     </p:extLst>
   </p:cSld>
@@ -3510,7 +1992,18 @@
           <a:bodyPr/>
           <a:lstStyle/>
           <a:p>
-            <a:endParaRPr lang="en-US" dirty="0"/>
+            <a:r>
+              <a:rPr lang="en-US" dirty="0"/>
+              <a:t>The exercise for this </a:t>
+            </a:r>
+            <a:r>
+              <a:rPr lang="en-US"/>
+              <a:t>learning experience </a:t>
+            </a:r>
+            <a:r>
+              <a:rPr lang="en-US" dirty="0"/>
+              <a:t>starts on page 7 of the textbook.  For additional information, please watch the exercise 1.01 orientation video.</a:t>
+            </a:r>
           </a:p>
         </p:txBody>
       </p:sp>
@@ -3540,7 +2033,7 @@
     </p:spTree>
     <p:extLst>
       <p:ext uri="{BB962C8B-B14F-4D97-AF65-F5344CB8AC3E}">
-        <p14:creationId xmlns:p14="http://schemas.microsoft.com/office/powerpoint/2010/main" val="1328824333"/>
+        <p14:creationId xmlns:p14="http://schemas.microsoft.com/office/powerpoint/2010/main" val="2279087846"/>
       </p:ext>
     </p:extLst>
   </p:cSld>
@@ -3594,7 +2087,10 @@
           <a:bodyPr/>
           <a:lstStyle/>
           <a:p>
-            <a:endParaRPr lang="en-US" dirty="0"/>
+            <a:r>
+              <a:rPr lang="en-US" dirty="0"/>
+              <a:t>There are a variety of neural network types and innovation is ongoing in this area.  So, I’d like to conclude this presentation with a brief overview of some of the more popular architectures, including their various applications.</a:t>
+            </a:r>
           </a:p>
         </p:txBody>
       </p:sp>
@@ -3624,7 +2120,7 @@
     </p:spTree>
     <p:extLst>
       <p:ext uri="{BB962C8B-B14F-4D97-AF65-F5344CB8AC3E}">
-        <p14:creationId xmlns:p14="http://schemas.microsoft.com/office/powerpoint/2010/main" val="2279087846"/>
+        <p14:creationId xmlns:p14="http://schemas.microsoft.com/office/powerpoint/2010/main" val="3873866018"/>
       </p:ext>
     </p:extLst>
   </p:cSld>
@@ -3678,6 +2174,113 @@
           <a:bodyPr/>
           <a:lstStyle/>
           <a:p>
+            <a:r>
+              <a:rPr lang="en-US" sz="1100" b="0" i="0" dirty="0">
+                <a:solidFill>
+                  <a:srgbClr val="3C3C3B"/>
+                </a:solidFill>
+                <a:effectLst/>
+                <a:latin typeface="+mn-lt"/>
+              </a:rPr>
+              <a:t>The </a:t>
+            </a:r>
+            <a:r>
+              <a:rPr lang="en-US" sz="1100" b="1" i="0" dirty="0">
+                <a:solidFill>
+                  <a:srgbClr val="3C3C3B"/>
+                </a:solidFill>
+                <a:effectLst/>
+                <a:latin typeface="+mn-lt"/>
+              </a:rPr>
+              <a:t>multi-layer perceptron</a:t>
+            </a:r>
+            <a:r>
+              <a:rPr lang="en-US" sz="1100" b="0" i="0" dirty="0">
+                <a:solidFill>
+                  <a:srgbClr val="3C3C3B"/>
+                </a:solidFill>
+                <a:effectLst/>
+                <a:latin typeface="+mn-lt"/>
+              </a:rPr>
+              <a:t> (</a:t>
+            </a:r>
+            <a:r>
+              <a:rPr lang="en-US" sz="1100" b="1" i="0" dirty="0">
+                <a:solidFill>
+                  <a:srgbClr val="3C3C3B"/>
+                </a:solidFill>
+                <a:effectLst/>
+                <a:latin typeface="+mn-lt"/>
+              </a:rPr>
+              <a:t>MLP</a:t>
+            </a:r>
+            <a:r>
+              <a:rPr lang="en-US" sz="1100" b="0" i="0" dirty="0">
+                <a:solidFill>
+                  <a:srgbClr val="3C3C3B"/>
+                </a:solidFill>
+                <a:effectLst/>
+                <a:latin typeface="+mn-lt"/>
+              </a:rPr>
+              <a:t>) is a basic type of neural network. An MLP is also known as a feed-forward network.  Applications of the multi-layer perceptron include:</a:t>
+            </a:r>
+          </a:p>
+          <a:p>
+            <a:endParaRPr lang="en-US" sz="1100" b="0" i="0" dirty="0">
+              <a:solidFill>
+                <a:srgbClr val="3C3C3B"/>
+              </a:solidFill>
+              <a:effectLst/>
+              <a:latin typeface="+mn-lt"/>
+            </a:endParaRPr>
+          </a:p>
+          <a:p>
+            <a:pPr marL="233309" indent="-233309" defTabSz="933237">
+              <a:buFontTx/>
+              <a:buAutoNum type="arabicPeriod"/>
+              <a:defRPr/>
+            </a:pPr>
+            <a:r>
+              <a:rPr lang="en-US" sz="1100" b="0" i="0" dirty="0">
+                <a:solidFill>
+                  <a:srgbClr val="000000"/>
+                </a:solidFill>
+                <a:effectLst/>
+                <a:latin typeface="+mn-lt"/>
+              </a:rPr>
+              <a:t>Complex Classification</a:t>
+            </a:r>
+          </a:p>
+          <a:p>
+            <a:pPr marL="233309" indent="-233309" defTabSz="933237">
+              <a:buFontTx/>
+              <a:buAutoNum type="arabicPeriod"/>
+              <a:defRPr/>
+            </a:pPr>
+            <a:r>
+              <a:rPr lang="en-US" sz="1100" b="0" i="0" dirty="0">
+                <a:solidFill>
+                  <a:srgbClr val="000000"/>
+                </a:solidFill>
+                <a:effectLst/>
+                <a:latin typeface="+mn-lt"/>
+              </a:rPr>
+              <a:t>Machine Translation</a:t>
+            </a:r>
+          </a:p>
+          <a:p>
+            <a:pPr defTabSz="933237">
+              <a:defRPr/>
+            </a:pPr>
+            <a:endParaRPr lang="en-US" b="0" i="0" dirty="0">
+              <a:solidFill>
+                <a:srgbClr val="000000"/>
+              </a:solidFill>
+              <a:effectLst/>
+              <a:latin typeface="Lato"/>
+            </a:endParaRPr>
+          </a:p>
+          <a:p>
             <a:endParaRPr lang="en-US" dirty="0"/>
           </a:p>
         </p:txBody>
@@ -3708,7 +2311,7 @@
     </p:spTree>
     <p:extLst>
       <p:ext uri="{BB962C8B-B14F-4D97-AF65-F5344CB8AC3E}">
-        <p14:creationId xmlns:p14="http://schemas.microsoft.com/office/powerpoint/2010/main" val="3873866018"/>
+        <p14:creationId xmlns:p14="http://schemas.microsoft.com/office/powerpoint/2010/main" val="473801370"/>
       </p:ext>
     </p:extLst>
   </p:cSld>
@@ -3865,7 +2468,7 @@
           <a:p>
             <a:fld id="{C3F78080-8D0A-4BE8-A5B4-CB115102D524}" type="datetimeFigureOut">
               <a:rPr lang="en-US" smtClean="0"/>
-              <a:t>9/20/2021</a:t>
+              <a:t>10/20/2021</a:t>
             </a:fld>
             <a:endParaRPr lang="en-US"/>
           </a:p>
@@ -4063,7 +2666,7 @@
           <a:p>
             <a:fld id="{C3F78080-8D0A-4BE8-A5B4-CB115102D524}" type="datetimeFigureOut">
               <a:rPr lang="en-US" smtClean="0"/>
-              <a:t>9/20/2021</a:t>
+              <a:t>10/20/2021</a:t>
             </a:fld>
             <a:endParaRPr lang="en-US"/>
           </a:p>
@@ -4271,7 +2874,7 @@
           <a:p>
             <a:fld id="{C3F78080-8D0A-4BE8-A5B4-CB115102D524}" type="datetimeFigureOut">
               <a:rPr lang="en-US" smtClean="0"/>
-              <a:t>9/20/2021</a:t>
+              <a:t>10/20/2021</a:t>
             </a:fld>
             <a:endParaRPr lang="en-US"/>
           </a:p>
@@ -4469,7 +3072,7 @@
           <a:p>
             <a:fld id="{C3F78080-8D0A-4BE8-A5B4-CB115102D524}" type="datetimeFigureOut">
               <a:rPr lang="en-US" smtClean="0"/>
-              <a:t>9/20/2021</a:t>
+              <a:t>10/20/2021</a:t>
             </a:fld>
             <a:endParaRPr lang="en-US"/>
           </a:p>
@@ -4744,7 +3347,7 @@
           <a:p>
             <a:fld id="{C3F78080-8D0A-4BE8-A5B4-CB115102D524}" type="datetimeFigureOut">
               <a:rPr lang="en-US" smtClean="0"/>
-              <a:t>9/20/2021</a:t>
+              <a:t>10/20/2021</a:t>
             </a:fld>
             <a:endParaRPr lang="en-US"/>
           </a:p>
@@ -5009,7 +3612,7 @@
           <a:p>
             <a:fld id="{C3F78080-8D0A-4BE8-A5B4-CB115102D524}" type="datetimeFigureOut">
               <a:rPr lang="en-US" smtClean="0"/>
-              <a:t>9/20/2021</a:t>
+              <a:t>10/20/2021</a:t>
             </a:fld>
             <a:endParaRPr lang="en-US"/>
           </a:p>
@@ -5421,7 +4024,7 @@
           <a:p>
             <a:fld id="{C3F78080-8D0A-4BE8-A5B4-CB115102D524}" type="datetimeFigureOut">
               <a:rPr lang="en-US" smtClean="0"/>
-              <a:t>9/20/2021</a:t>
+              <a:t>10/20/2021</a:t>
             </a:fld>
             <a:endParaRPr lang="en-US"/>
           </a:p>
@@ -5562,7 +4165,7 @@
           <a:p>
             <a:fld id="{C3F78080-8D0A-4BE8-A5B4-CB115102D524}" type="datetimeFigureOut">
               <a:rPr lang="en-US" smtClean="0"/>
-              <a:t>9/20/2021</a:t>
+              <a:t>10/20/2021</a:t>
             </a:fld>
             <a:endParaRPr lang="en-US"/>
           </a:p>
@@ -5675,7 +4278,7 @@
           <a:p>
             <a:fld id="{C3F78080-8D0A-4BE8-A5B4-CB115102D524}" type="datetimeFigureOut">
               <a:rPr lang="en-US" smtClean="0"/>
-              <a:t>9/20/2021</a:t>
+              <a:t>10/20/2021</a:t>
             </a:fld>
             <a:endParaRPr lang="en-US"/>
           </a:p>
@@ -5986,7 +4589,7 @@
           <a:p>
             <a:fld id="{C3F78080-8D0A-4BE8-A5B4-CB115102D524}" type="datetimeFigureOut">
               <a:rPr lang="en-US" smtClean="0"/>
-              <a:t>9/20/2021</a:t>
+              <a:t>10/20/2021</a:t>
             </a:fld>
             <a:endParaRPr lang="en-US"/>
           </a:p>
@@ -6274,7 +4877,7 @@
           <a:p>
             <a:fld id="{C3F78080-8D0A-4BE8-A5B4-CB115102D524}" type="datetimeFigureOut">
               <a:rPr lang="en-US" smtClean="0"/>
-              <a:t>9/20/2021</a:t>
+              <a:t>10/20/2021</a:t>
             </a:fld>
             <a:endParaRPr lang="en-US"/>
           </a:p>
@@ -6515,7 +5118,7 @@
           <a:p>
             <a:fld id="{C3F78080-8D0A-4BE8-A5B4-CB115102D524}" type="datetimeFigureOut">
               <a:rPr lang="en-US" smtClean="0"/>
-              <a:t>9/20/2021</a:t>
+              <a:t>10/20/2021</a:t>
             </a:fld>
             <a:endParaRPr lang="en-US"/>
           </a:p>
@@ -6970,10 +5573,10 @@
       </p:sp>
       <p:pic>
         <p:nvPicPr>
-          <p:cNvPr id="6" name="Picture 5">
-            <a:extLst>
-              <a:ext uri="{FF2B5EF4-FFF2-40B4-BE49-F238E27FC236}">
-                <a16:creationId xmlns:a16="http://schemas.microsoft.com/office/drawing/2014/main" id="{A5ADF204-79CC-4A37-97FB-FB1CE17DD6AA}"/>
+          <p:cNvPr id="7" name="Picture 6" descr="A picture containing text, clipart&#10;&#10;Description automatically generated">
+            <a:extLst>
+              <a:ext uri="{FF2B5EF4-FFF2-40B4-BE49-F238E27FC236}">
+                <a16:creationId xmlns:a16="http://schemas.microsoft.com/office/drawing/2014/main" id="{77FCCB67-39FD-4BE1-9A26-C0B1DF410887}"/>
               </a:ext>
             </a:extLst>
           </p:cNvPr>
@@ -6996,8 +5599,8 @@
         </p:blipFill>
         <p:spPr>
           <a:xfrm>
-            <a:off x="831850" y="3429000"/>
-            <a:ext cx="6387454" cy="1676707"/>
+            <a:off x="844551" y="3633112"/>
+            <a:ext cx="6154487" cy="1268482"/>
           </a:xfrm>
           <a:prstGeom prst="rect">
             <a:avLst/>
@@ -7007,7 +5610,7 @@
     </p:spTree>
     <p:extLst>
       <p:ext uri="{BB962C8B-B14F-4D97-AF65-F5344CB8AC3E}">
-        <p14:creationId xmlns:p14="http://schemas.microsoft.com/office/powerpoint/2010/main" val="888386579"/>
+        <p14:creationId xmlns:p14="http://schemas.microsoft.com/office/powerpoint/2010/main" val="4229412751"/>
       </p:ext>
     </p:extLst>
   </p:cSld>
@@ -7032,14 +5635,6 @@
 <file path=ppt/slides/slide10.xml><?xml version="1.0" encoding="utf-8"?>
 <p:sld xmlns:a="http://schemas.openxmlformats.org/drawingml/2006/main" xmlns:r="http://schemas.openxmlformats.org/officeDocument/2006/relationships" xmlns:p="http://schemas.openxmlformats.org/presentationml/2006/main">
   <p:cSld>
-    <p:bg>
-      <p:bgPr>
-        <a:solidFill>
-          <a:schemeClr val="bg1"/>
-        </a:solidFill>
-        <a:effectLst/>
-      </p:bgPr>
-    </p:bg>
     <p:spTree>
       <p:nvGrpSpPr>
         <p:cNvPr id="1" name=""/>
@@ -7056,10 +5651,10 @@
       </p:grpSpPr>
       <p:pic>
         <p:nvPicPr>
-          <p:cNvPr id="4" name="Picture 3">
-            <a:extLst>
-              <a:ext uri="{FF2B5EF4-FFF2-40B4-BE49-F238E27FC236}">
-                <a16:creationId xmlns:a16="http://schemas.microsoft.com/office/drawing/2014/main" id="{D9E8786A-DC4B-41D1-94C9-80F444DEC6FA}"/>
+          <p:cNvPr id="3" name="Picture 2">
+            <a:extLst>
+              <a:ext uri="{FF2B5EF4-FFF2-40B4-BE49-F238E27FC236}">
+                <a16:creationId xmlns:a16="http://schemas.microsoft.com/office/drawing/2014/main" id="{41B2267F-0737-40CB-ABEF-A5C6BC50BABC}"/>
               </a:ext>
             </a:extLst>
           </p:cNvPr>
@@ -7076,86 +5671,8 @@
         </p:blipFill>
         <p:spPr>
           <a:xfrm>
-            <a:off x="2806558" y="1208627"/>
-            <a:ext cx="6578883" cy="4440746"/>
-          </a:xfrm>
-          <a:prstGeom prst="rect">
-            <a:avLst/>
-          </a:prstGeom>
-        </p:spPr>
-      </p:pic>
-    </p:spTree>
-    <p:extLst>
-      <p:ext uri="{BB962C8B-B14F-4D97-AF65-F5344CB8AC3E}">
-        <p14:creationId xmlns:p14="http://schemas.microsoft.com/office/powerpoint/2010/main" val="844444607"/>
-      </p:ext>
-    </p:extLst>
-  </p:cSld>
-  <p:clrMapOvr>
-    <a:masterClrMapping/>
-  </p:clrMapOvr>
-  <mc:AlternateContent xmlns:mc="http://schemas.openxmlformats.org/markup-compatibility/2006" xmlns:p14="http://schemas.microsoft.com/office/powerpoint/2010/main">
-    <mc:Choice Requires="p14">
-      <p:transition spd="med" p14:dur="700">
-        <p:fade/>
-      </p:transition>
-    </mc:Choice>
-    <mc:Fallback xmlns="">
-      <p:transition spd="med">
-        <p:fade/>
-      </p:transition>
-    </mc:Fallback>
-  </mc:AlternateContent>
-</p:sld>
-</file>
-
-<file path=ppt/slides/slide11.xml><?xml version="1.0" encoding="utf-8"?>
-<p:sld xmlns:a="http://schemas.openxmlformats.org/drawingml/2006/main" xmlns:r="http://schemas.openxmlformats.org/officeDocument/2006/relationships" xmlns:p="http://schemas.openxmlformats.org/presentationml/2006/main">
-  <p:cSld>
-    <p:spTree>
-      <p:nvGrpSpPr>
-        <p:cNvPr id="1" name=""/>
-        <p:cNvGrpSpPr/>
-        <p:nvPr/>
-      </p:nvGrpSpPr>
-      <p:grpSpPr>
-        <a:xfrm>
-          <a:off x="0" y="0"/>
-          <a:ext cx="0" cy="0"/>
-          <a:chOff x="0" y="0"/>
-          <a:chExt cx="0" cy="0"/>
-        </a:xfrm>
-      </p:grpSpPr>
-      <p:pic>
-        <p:nvPicPr>
-          <p:cNvPr id="6" name="Picture 5" descr="Diagram&#10;&#10;Description automatically generated">
-            <a:extLst>
-              <a:ext uri="{FF2B5EF4-FFF2-40B4-BE49-F238E27FC236}">
-                <a16:creationId xmlns:a16="http://schemas.microsoft.com/office/drawing/2014/main" id="{9DF6FD6F-4674-4F14-8665-8CF23DB80946}"/>
-              </a:ext>
-            </a:extLst>
-          </p:cNvPr>
-          <p:cNvPicPr>
-            <a:picLocks noChangeAspect="1"/>
-          </p:cNvPicPr>
-          <p:nvPr/>
-        </p:nvPicPr>
-        <p:blipFill>
-          <a:blip r:embed="rId3">
-            <a:extLst>
-              <a:ext uri="{28A0092B-C50C-407E-A947-70E740481C1C}">
-                <a14:useLocalDpi xmlns:a14="http://schemas.microsoft.com/office/drawing/2010/main" val="0"/>
-              </a:ext>
-            </a:extLst>
-          </a:blip>
-          <a:stretch>
-            <a:fillRect/>
-          </a:stretch>
-        </p:blipFill>
-        <p:spPr>
-          <a:xfrm>
-            <a:off x="1168146" y="1539778"/>
-            <a:ext cx="9855707" cy="3778444"/>
+            <a:off x="819150" y="962025"/>
+            <a:ext cx="10553700" cy="4933950"/>
           </a:xfrm>
           <a:prstGeom prst="rect">
             <a:avLst/>
@@ -7187,7 +5704,7 @@
 </p:sld>
 </file>
 
-<file path=ppt/slides/slide12.xml><?xml version="1.0" encoding="utf-8"?>
+<file path=ppt/slides/slide11.xml><?xml version="1.0" encoding="utf-8"?>
 <p:sld xmlns:a="http://schemas.openxmlformats.org/drawingml/2006/main" xmlns:r="http://schemas.openxmlformats.org/officeDocument/2006/relationships" xmlns:p="http://schemas.openxmlformats.org/presentationml/2006/main">
   <p:cSld>
     <p:spTree>
@@ -7259,7 +5776,7 @@
 </p:sld>
 </file>
 
-<file path=ppt/slides/slide13.xml><?xml version="1.0" encoding="utf-8"?>
+<file path=ppt/slides/slide12.xml><?xml version="1.0" encoding="utf-8"?>
 <p:sld xmlns:a="http://schemas.openxmlformats.org/drawingml/2006/main" xmlns:r="http://schemas.openxmlformats.org/officeDocument/2006/relationships" xmlns:p="http://schemas.openxmlformats.org/presentationml/2006/main">
   <p:cSld>
     <p:spTree>
@@ -7331,7 +5848,7 @@
 </p:sld>
 </file>
 
-<file path=ppt/slides/slide14.xml><?xml version="1.0" encoding="utf-8"?>
+<file path=ppt/slides/slide13.xml><?xml version="1.0" encoding="utf-8"?>
 <p:sld xmlns:a="http://schemas.openxmlformats.org/drawingml/2006/main" xmlns:r="http://schemas.openxmlformats.org/officeDocument/2006/relationships" xmlns:p="http://schemas.openxmlformats.org/presentationml/2006/main">
   <p:cSld>
     <p:spTree>
@@ -7412,23 +5929,6 @@
                 <a:effectLst/>
                 <a:latin typeface="Palatino Linotype" panose="02040502050505030304" pitchFamily="18" charset="0"/>
               </a:rPr>
-              <a:t>Watch the Matrix Multiplication video embedded in exercise-1.03-student.ipynb.</a:t>
-            </a:r>
-            <a:br>
-              <a:rPr lang="en-US" sz="2400" dirty="0">
-                <a:latin typeface="Palatino Linotype" panose="02040502050505030304" pitchFamily="18" charset="0"/>
-              </a:rPr>
-            </a:br>
-            <a:br>
-              <a:rPr lang="en-US" sz="2400" dirty="0">
-                <a:latin typeface="Palatino Linotype" panose="02040502050505030304" pitchFamily="18" charset="0"/>
-              </a:rPr>
-            </a:br>
-            <a:r>
-              <a:rPr lang="en-US" sz="2400" b="0" i="0" dirty="0">
-                <a:effectLst/>
-                <a:latin typeface="Palatino Linotype" panose="02040502050505030304" pitchFamily="18" charset="0"/>
-              </a:rPr>
               <a:t>Complete the following exercises:</a:t>
             </a:r>
           </a:p>
@@ -7488,406 +5988,28 @@
               <a:t>	Exercise 1.06</a:t>
             </a:r>
           </a:p>
+          <a:p>
+            <a:pPr algn="l"/>
+            <a:endParaRPr lang="en-US" sz="2400" dirty="0">
+              <a:latin typeface="Palatino Linotype" panose="02040502050505030304" pitchFamily="18" charset="0"/>
+            </a:endParaRPr>
+          </a:p>
+          <a:p>
+            <a:pPr algn="l"/>
+            <a:r>
+              <a:rPr lang="en-US" sz="2000" b="0" i="0" dirty="0">
+                <a:effectLst/>
+                <a:latin typeface="Palatino Linotype" panose="02040502050505030304" pitchFamily="18" charset="0"/>
+              </a:rPr>
+              <a:t>Watch the Matrix Multiplication video embedded in exercise-1.03-student.ipynb.</a:t>
+            </a:r>
+          </a:p>
         </p:txBody>
       </p:sp>
     </p:spTree>
     <p:extLst>
       <p:ext uri="{BB962C8B-B14F-4D97-AF65-F5344CB8AC3E}">
         <p14:creationId xmlns:p14="http://schemas.microsoft.com/office/powerpoint/2010/main" val="994788979"/>
-      </p:ext>
-    </p:extLst>
-  </p:cSld>
-  <p:clrMapOvr>
-    <a:masterClrMapping/>
-  </p:clrMapOvr>
-  <mc:AlternateContent xmlns:mc="http://schemas.openxmlformats.org/markup-compatibility/2006" xmlns:p14="http://schemas.microsoft.com/office/powerpoint/2010/main">
-    <mc:Choice Requires="p14">
-      <p:transition spd="med" p14:dur="700">
-        <p:fade/>
-      </p:transition>
-    </mc:Choice>
-    <mc:Fallback xmlns="">
-      <p:transition spd="med">
-        <p:fade/>
-      </p:transition>
-    </mc:Fallback>
-  </mc:AlternateContent>
-</p:sld>
-</file>
-
-<file path=ppt/slides/slide15.xml><?xml version="1.0" encoding="utf-8"?>
-<p:sld xmlns:a="http://schemas.openxmlformats.org/drawingml/2006/main" xmlns:r="http://schemas.openxmlformats.org/officeDocument/2006/relationships" xmlns:p="http://schemas.openxmlformats.org/presentationml/2006/main">
-  <p:cSld>
-    <p:spTree>
-      <p:nvGrpSpPr>
-        <p:cNvPr id="1" name=""/>
-        <p:cNvGrpSpPr/>
-        <p:nvPr/>
-      </p:nvGrpSpPr>
-      <p:grpSpPr>
-        <a:xfrm>
-          <a:off x="0" y="0"/>
-          <a:ext cx="0" cy="0"/>
-          <a:chOff x="0" y="0"/>
-          <a:chExt cx="0" cy="0"/>
-        </a:xfrm>
-      </p:grpSpPr>
-    </p:spTree>
-    <p:extLst>
-      <p:ext uri="{BB962C8B-B14F-4D97-AF65-F5344CB8AC3E}">
-        <p14:creationId xmlns:p14="http://schemas.microsoft.com/office/powerpoint/2010/main" val="2238900920"/>
-      </p:ext>
-    </p:extLst>
-  </p:cSld>
-  <p:clrMapOvr>
-    <a:masterClrMapping/>
-  </p:clrMapOvr>
-  <mc:AlternateContent xmlns:mc="http://schemas.openxmlformats.org/markup-compatibility/2006" xmlns:p14="http://schemas.microsoft.com/office/powerpoint/2010/main">
-    <mc:Choice Requires="p14">
-      <p:transition spd="med" p14:dur="700">
-        <p:fade/>
-      </p:transition>
-    </mc:Choice>
-    <mc:Fallback xmlns="">
-      <p:transition spd="med">
-        <p:fade/>
-      </p:transition>
-    </mc:Fallback>
-  </mc:AlternateContent>
-</p:sld>
-</file>
-
-<file path=ppt/slides/slide16.xml><?xml version="1.0" encoding="utf-8"?>
-<p:sld xmlns:a="http://schemas.openxmlformats.org/drawingml/2006/main" xmlns:r="http://schemas.openxmlformats.org/officeDocument/2006/relationships" xmlns:p="http://schemas.openxmlformats.org/presentationml/2006/main">
-  <p:cSld>
-    <p:spTree>
-      <p:nvGrpSpPr>
-        <p:cNvPr id="1" name=""/>
-        <p:cNvGrpSpPr/>
-        <p:nvPr/>
-      </p:nvGrpSpPr>
-      <p:grpSpPr>
-        <a:xfrm>
-          <a:off x="0" y="0"/>
-          <a:ext cx="0" cy="0"/>
-          <a:chOff x="0" y="0"/>
-          <a:chExt cx="0" cy="0"/>
-        </a:xfrm>
-      </p:grpSpPr>
-      <p:sp>
-        <p:nvSpPr>
-          <p:cNvPr id="5" name="Content Placeholder 4">
-            <a:extLst>
-              <a:ext uri="{FF2B5EF4-FFF2-40B4-BE49-F238E27FC236}">
-                <a16:creationId xmlns:a16="http://schemas.microsoft.com/office/drawing/2014/main" id="{7C82B2FA-DB39-467C-9DC1-245874DCBCF1}"/>
-              </a:ext>
-            </a:extLst>
-          </p:cNvPr>
-          <p:cNvSpPr>
-            <a:spLocks noGrp="1"/>
-          </p:cNvSpPr>
-          <p:nvPr>
-            <p:ph idx="1"/>
-          </p:nvPr>
-        </p:nvSpPr>
-        <p:spPr>
-          <a:xfrm>
-            <a:off x="812801" y="1386840"/>
-            <a:ext cx="10540999" cy="4790124"/>
-          </a:xfrm>
-        </p:spPr>
-        <p:txBody>
-          <a:bodyPr>
-            <a:normAutofit/>
-          </a:bodyPr>
-          <a:lstStyle/>
-          <a:p>
-            <a:pPr marL="0" indent="0">
-              <a:buNone/>
-            </a:pPr>
-            <a:endParaRPr lang="en-US" dirty="0">
-              <a:latin typeface="Palatino Linotype" panose="02040502050505030304" pitchFamily="18" charset="0"/>
-            </a:endParaRPr>
-          </a:p>
-          <a:p>
-            <a:pPr marL="0" indent="0">
-              <a:buNone/>
-            </a:pPr>
-            <a:endParaRPr lang="en-US" dirty="0">
-              <a:latin typeface="Palatino Linotype" panose="02040502050505030304" pitchFamily="18" charset="0"/>
-            </a:endParaRPr>
-          </a:p>
-          <a:p>
-            <a:pPr>
-              <a:buFont typeface="Wingdings" panose="05000000000000000000" pitchFamily="2" charset="2"/>
-              <a:buChar char="Ø"/>
-            </a:pPr>
-            <a:r>
-              <a:rPr lang="en-US" sz="3200" dirty="0">
-                <a:latin typeface="Palatino Linotype" panose="02040502050505030304" pitchFamily="18" charset="0"/>
-              </a:rPr>
-              <a:t> Defined Terms (AI, ML, DL)</a:t>
-            </a:r>
-          </a:p>
-          <a:p>
-            <a:pPr>
-              <a:buFont typeface="Wingdings" panose="05000000000000000000" pitchFamily="2" charset="2"/>
-              <a:buChar char="Ø"/>
-            </a:pPr>
-            <a:r>
-              <a:rPr lang="en-US" sz="3200" dirty="0">
-                <a:latin typeface="Palatino Linotype" panose="02040502050505030304" pitchFamily="18" charset="0"/>
-              </a:rPr>
-              <a:t> Created and tested a pre-trained network (resnet50) </a:t>
-            </a:r>
-          </a:p>
-          <a:p>
-            <a:pPr>
-              <a:buFont typeface="Wingdings" panose="05000000000000000000" pitchFamily="2" charset="2"/>
-              <a:buChar char="Ø"/>
-            </a:pPr>
-            <a:r>
-              <a:rPr lang="en-US" sz="3200" dirty="0">
-                <a:latin typeface="Palatino Linotype" panose="02040502050505030304" pitchFamily="18" charset="0"/>
-              </a:rPr>
-              <a:t> Discussed 4 types of neural network</a:t>
-            </a:r>
-          </a:p>
-        </p:txBody>
-      </p:sp>
-      <p:sp>
-        <p:nvSpPr>
-          <p:cNvPr id="3" name="Title 4">
-            <a:extLst>
-              <a:ext uri="{FF2B5EF4-FFF2-40B4-BE49-F238E27FC236}">
-                <a16:creationId xmlns:a16="http://schemas.microsoft.com/office/drawing/2014/main" id="{8ADCD547-C091-45A4-9127-CC0044D81745}"/>
-              </a:ext>
-            </a:extLst>
-          </p:cNvPr>
-          <p:cNvSpPr>
-            <a:spLocks noGrp="1"/>
-          </p:cNvSpPr>
-          <p:nvPr>
-            <p:ph type="title"/>
-          </p:nvPr>
-        </p:nvSpPr>
-        <p:spPr>
-          <a:xfrm>
-            <a:off x="0" y="365126"/>
-            <a:ext cx="12192000" cy="1325563"/>
-          </a:xfrm>
-        </p:spPr>
-        <p:txBody>
-          <a:bodyPr/>
-          <a:lstStyle/>
-          <a:p>
-            <a:pPr algn="ctr"/>
-            <a:r>
-              <a:rPr lang="en-US" dirty="0">
-                <a:latin typeface="Palatino Linotype" panose="02040502050505030304" pitchFamily="18" charset="0"/>
-              </a:rPr>
-              <a:t>Summary</a:t>
-            </a:r>
-          </a:p>
-        </p:txBody>
-      </p:sp>
-    </p:spTree>
-    <p:extLst>
-      <p:ext uri="{BB962C8B-B14F-4D97-AF65-F5344CB8AC3E}">
-        <p14:creationId xmlns:p14="http://schemas.microsoft.com/office/powerpoint/2010/main" val="1397534281"/>
-      </p:ext>
-    </p:extLst>
-  </p:cSld>
-  <p:clrMapOvr>
-    <a:masterClrMapping/>
-  </p:clrMapOvr>
-  <mc:AlternateContent xmlns:mc="http://schemas.openxmlformats.org/markup-compatibility/2006" xmlns:p14="http://schemas.microsoft.com/office/powerpoint/2010/main">
-    <mc:Choice Requires="p14">
-      <p:transition spd="med" p14:dur="700">
-        <p:fade/>
-      </p:transition>
-    </mc:Choice>
-    <mc:Fallback xmlns="">
-      <p:transition spd="med">
-        <p:fade/>
-      </p:transition>
-    </mc:Fallback>
-  </mc:AlternateContent>
-</p:sld>
-</file>
-
-<file path=ppt/slides/slide17.xml><?xml version="1.0" encoding="utf-8"?>
-<p:sld xmlns:a="http://schemas.openxmlformats.org/drawingml/2006/main" xmlns:r="http://schemas.openxmlformats.org/officeDocument/2006/relationships" xmlns:p="http://schemas.openxmlformats.org/presentationml/2006/main">
-  <p:cSld>
-    <p:spTree>
-      <p:nvGrpSpPr>
-        <p:cNvPr id="1" name=""/>
-        <p:cNvGrpSpPr/>
-        <p:nvPr/>
-      </p:nvGrpSpPr>
-      <p:grpSpPr>
-        <a:xfrm>
-          <a:off x="0" y="0"/>
-          <a:ext cx="0" cy="0"/>
-          <a:chOff x="0" y="0"/>
-          <a:chExt cx="0" cy="0"/>
-        </a:xfrm>
-      </p:grpSpPr>
-      <p:pic>
-        <p:nvPicPr>
-          <p:cNvPr id="1026" name="Picture 2">
-            <a:extLst>
-              <a:ext uri="{FF2B5EF4-FFF2-40B4-BE49-F238E27FC236}">
-                <a16:creationId xmlns:a16="http://schemas.microsoft.com/office/drawing/2014/main" id="{C5654A88-5BCE-4533-8B40-338E944E9774}"/>
-              </a:ext>
-            </a:extLst>
-          </p:cNvPr>
-          <p:cNvPicPr>
-            <a:picLocks noChangeAspect="1" noChangeArrowheads="1"/>
-          </p:cNvPicPr>
-          <p:nvPr/>
-        </p:nvPicPr>
-        <p:blipFill>
-          <a:blip r:embed="rId3">
-            <a:extLst>
-              <a:ext uri="{28A0092B-C50C-407E-A947-70E740481C1C}">
-                <a14:useLocalDpi xmlns:a14="http://schemas.microsoft.com/office/drawing/2010/main" val="0"/>
-              </a:ext>
-            </a:extLst>
-          </a:blip>
-          <a:srcRect/>
-          <a:stretch>
-            <a:fillRect/>
-          </a:stretch>
-        </p:blipFill>
-        <p:spPr bwMode="auto">
-          <a:xfrm>
-            <a:off x="4756032" y="1778793"/>
-            <a:ext cx="2679935" cy="3300413"/>
-          </a:xfrm>
-          <a:prstGeom prst="rect">
-            <a:avLst/>
-          </a:prstGeom>
-          <a:noFill/>
-          <a:extLst>
-            <a:ext uri="{909E8E84-426E-40DD-AFC4-6F175D3DCCD1}">
-              <a14:hiddenFill xmlns:a14="http://schemas.microsoft.com/office/drawing/2010/main">
-                <a:solidFill>
-                  <a:srgbClr val="FFFFFF"/>
-                </a:solidFill>
-              </a14:hiddenFill>
-            </a:ext>
-          </a:extLst>
-        </p:spPr>
-      </p:pic>
-    </p:spTree>
-    <p:extLst>
-      <p:ext uri="{BB962C8B-B14F-4D97-AF65-F5344CB8AC3E}">
-        <p14:creationId xmlns:p14="http://schemas.microsoft.com/office/powerpoint/2010/main" val="954088865"/>
-      </p:ext>
-    </p:extLst>
-  </p:cSld>
-  <p:clrMapOvr>
-    <a:masterClrMapping/>
-  </p:clrMapOvr>
-  <mc:AlternateContent xmlns:mc="http://schemas.openxmlformats.org/markup-compatibility/2006" xmlns:p14="http://schemas.microsoft.com/office/powerpoint/2010/main">
-    <mc:Choice Requires="p14">
-      <p:transition spd="med" p14:dur="700">
-        <p:fade/>
-      </p:transition>
-    </mc:Choice>
-    <mc:Fallback xmlns="">
-      <p:transition spd="med">
-        <p:fade/>
-      </p:transition>
-    </mc:Fallback>
-  </mc:AlternateContent>
-</p:sld>
-</file>
-
-<file path=ppt/slides/slide18.xml><?xml version="1.0" encoding="utf-8"?>
-<p:sld xmlns:a="http://schemas.openxmlformats.org/drawingml/2006/main" xmlns:r="http://schemas.openxmlformats.org/officeDocument/2006/relationships" xmlns:p="http://schemas.openxmlformats.org/presentationml/2006/main">
-  <p:cSld>
-    <p:spTree>
-      <p:nvGrpSpPr>
-        <p:cNvPr id="1" name=""/>
-        <p:cNvGrpSpPr/>
-        <p:nvPr/>
-      </p:nvGrpSpPr>
-      <p:grpSpPr>
-        <a:xfrm>
-          <a:off x="0" y="0"/>
-          <a:ext cx="0" cy="0"/>
-          <a:chOff x="0" y="0"/>
-          <a:chExt cx="0" cy="0"/>
-        </a:xfrm>
-      </p:grpSpPr>
-      <p:pic>
-        <p:nvPicPr>
-          <p:cNvPr id="1026" name="Picture 2" descr="Bricolage, Jugaad, and Indianness Part 1 – Incorrigibly romantic …">
-            <a:extLst>
-              <a:ext uri="{FF2B5EF4-FFF2-40B4-BE49-F238E27FC236}">
-                <a16:creationId xmlns:a16="http://schemas.microsoft.com/office/drawing/2014/main" id="{279B6237-2D5A-4311-9B90-14FFF1A7F12F}"/>
-              </a:ext>
-            </a:extLst>
-          </p:cNvPr>
-          <p:cNvPicPr>
-            <a:picLocks noChangeAspect="1" noChangeArrowheads="1"/>
-          </p:cNvPicPr>
-          <p:nvPr/>
-        </p:nvPicPr>
-        <p:blipFill>
-          <a:blip r:embed="rId3">
-            <a:extLst>
-              <a:ext uri="{28A0092B-C50C-407E-A947-70E740481C1C}">
-                <a14:useLocalDpi xmlns:a14="http://schemas.microsoft.com/office/drawing/2010/main" val="0"/>
-              </a:ext>
-            </a:extLst>
-          </a:blip>
-          <a:srcRect/>
-          <a:stretch>
-            <a:fillRect/>
-          </a:stretch>
-        </p:blipFill>
-        <p:spPr bwMode="auto">
-          <a:xfrm>
-            <a:off x="2857500" y="1338262"/>
-            <a:ext cx="6477000" cy="4181475"/>
-          </a:xfrm>
-          <a:prstGeom prst="rect">
-            <a:avLst/>
-          </a:prstGeom>
-          <a:noFill/>
-          <a:ln w="6350">
-            <a:solidFill>
-              <a:schemeClr val="tx1">
-                <a:lumMod val="85000"/>
-                <a:lumOff val="15000"/>
-              </a:schemeClr>
-            </a:solidFill>
-          </a:ln>
-          <a:effectLst>
-            <a:outerShdw blurRad="50800" dist="38100" dir="2700000" algn="tl" rotWithShape="0">
-              <a:prstClr val="black">
-                <a:alpha val="40000"/>
-              </a:prstClr>
-            </a:outerShdw>
-          </a:effectLst>
-          <a:extLst>
-            <a:ext uri="{909E8E84-426E-40DD-AFC4-6F175D3DCCD1}">
-              <a14:hiddenFill xmlns:a14="http://schemas.microsoft.com/office/drawing/2010/main">
-                <a:solidFill>
-                  <a:srgbClr val="FFFFFF"/>
-                </a:solidFill>
-              </a14:hiddenFill>
-            </a:ext>
-          </a:extLst>
-        </p:spPr>
-      </p:pic>
-    </p:spTree>
-    <p:extLst>
-      <p:ext uri="{BB962C8B-B14F-4D97-AF65-F5344CB8AC3E}">
-        <p14:creationId xmlns:p14="http://schemas.microsoft.com/office/powerpoint/2010/main" val="3892509640"/>
       </p:ext>
     </p:extLst>
   </p:cSld>
@@ -7926,327 +6048,57 @@
           <a:chExt cx="0" cy="0"/>
         </a:xfrm>
       </p:grpSpPr>
-      <p:sp>
-        <p:nvSpPr>
-          <p:cNvPr id="3" name="Content Placeholder 4">
-            <a:extLst>
-              <a:ext uri="{FF2B5EF4-FFF2-40B4-BE49-F238E27FC236}">
-                <a16:creationId xmlns:a16="http://schemas.microsoft.com/office/drawing/2014/main" id="{FBFBF73E-2EDC-4C51-9339-B87AEA3DAC75}"/>
-              </a:ext>
-            </a:extLst>
-          </p:cNvPr>
-          <p:cNvSpPr txBox="1">
-            <a:spLocks/>
-          </p:cNvSpPr>
-          <p:nvPr/>
-        </p:nvSpPr>
-        <p:spPr>
-          <a:xfrm>
-            <a:off x="812801" y="1386840"/>
-            <a:ext cx="10540999" cy="4790124"/>
-          </a:xfrm>
-          <a:prstGeom prst="rect">
-            <a:avLst/>
-          </a:prstGeom>
-        </p:spPr>
-        <p:txBody>
-          <a:bodyPr vert="horz" lIns="91440" tIns="45720" rIns="91440" bIns="45720" rtlCol="0">
-            <a:normAutofit/>
-          </a:bodyPr>
-          <a:lstStyle>
-            <a:lvl1pPr marL="0" indent="0" algn="l" defTabSz="914400" rtl="0" eaLnBrk="1" latinLnBrk="0" hangingPunct="1">
-              <a:lnSpc>
-                <a:spcPct val="90000"/>
-              </a:lnSpc>
-              <a:spcBef>
-                <a:spcPts val="1000"/>
-              </a:spcBef>
-              <a:buFont typeface="Arial" panose="020B0604020202020204" pitchFamily="34" charset="0"/>
-              <a:buNone/>
-              <a:defRPr sz="2400" kern="1200">
-                <a:solidFill>
-                  <a:schemeClr val="tx1">
-                    <a:tint val="75000"/>
-                  </a:schemeClr>
-                </a:solidFill>
-                <a:latin typeface="+mn-lt"/>
-                <a:ea typeface="+mn-ea"/>
-                <a:cs typeface="+mn-cs"/>
-              </a:defRPr>
-            </a:lvl1pPr>
-            <a:lvl2pPr marL="457200" indent="0" algn="l" defTabSz="914400" rtl="0" eaLnBrk="1" latinLnBrk="0" hangingPunct="1">
-              <a:lnSpc>
-                <a:spcPct val="90000"/>
-              </a:lnSpc>
-              <a:spcBef>
-                <a:spcPts val="500"/>
-              </a:spcBef>
-              <a:buFont typeface="Arial" panose="020B0604020202020204" pitchFamily="34" charset="0"/>
-              <a:buNone/>
-              <a:defRPr sz="2000" kern="1200">
-                <a:solidFill>
-                  <a:schemeClr val="tx1">
-                    <a:tint val="75000"/>
-                  </a:schemeClr>
-                </a:solidFill>
-                <a:latin typeface="+mn-lt"/>
-                <a:ea typeface="+mn-ea"/>
-                <a:cs typeface="+mn-cs"/>
-              </a:defRPr>
-            </a:lvl2pPr>
-            <a:lvl3pPr marL="914400" indent="0" algn="l" defTabSz="914400" rtl="0" eaLnBrk="1" latinLnBrk="0" hangingPunct="1">
-              <a:lnSpc>
-                <a:spcPct val="90000"/>
-              </a:lnSpc>
-              <a:spcBef>
-                <a:spcPts val="500"/>
-              </a:spcBef>
-              <a:buFont typeface="Arial" panose="020B0604020202020204" pitchFamily="34" charset="0"/>
-              <a:buNone/>
-              <a:defRPr sz="1800" kern="1200">
-                <a:solidFill>
-                  <a:schemeClr val="tx1">
-                    <a:tint val="75000"/>
-                  </a:schemeClr>
-                </a:solidFill>
-                <a:latin typeface="+mn-lt"/>
-                <a:ea typeface="+mn-ea"/>
-                <a:cs typeface="+mn-cs"/>
-              </a:defRPr>
-            </a:lvl3pPr>
-            <a:lvl4pPr marL="1371600" indent="0" algn="l" defTabSz="914400" rtl="0" eaLnBrk="1" latinLnBrk="0" hangingPunct="1">
-              <a:lnSpc>
-                <a:spcPct val="90000"/>
-              </a:lnSpc>
-              <a:spcBef>
-                <a:spcPts val="500"/>
-              </a:spcBef>
-              <a:buFont typeface="Arial" panose="020B0604020202020204" pitchFamily="34" charset="0"/>
-              <a:buNone/>
-              <a:defRPr sz="1600" kern="1200">
-                <a:solidFill>
-                  <a:schemeClr val="tx1">
-                    <a:tint val="75000"/>
-                  </a:schemeClr>
-                </a:solidFill>
-                <a:latin typeface="+mn-lt"/>
-                <a:ea typeface="+mn-ea"/>
-                <a:cs typeface="+mn-cs"/>
-              </a:defRPr>
-            </a:lvl4pPr>
-            <a:lvl5pPr marL="1828800" indent="0" algn="l" defTabSz="914400" rtl="0" eaLnBrk="1" latinLnBrk="0" hangingPunct="1">
-              <a:lnSpc>
-                <a:spcPct val="90000"/>
-              </a:lnSpc>
-              <a:spcBef>
-                <a:spcPts val="500"/>
-              </a:spcBef>
-              <a:buFont typeface="Arial" panose="020B0604020202020204" pitchFamily="34" charset="0"/>
-              <a:buNone/>
-              <a:defRPr sz="1600" kern="1200">
-                <a:solidFill>
-                  <a:schemeClr val="tx1">
-                    <a:tint val="75000"/>
-                  </a:schemeClr>
-                </a:solidFill>
-                <a:latin typeface="+mn-lt"/>
-                <a:ea typeface="+mn-ea"/>
-                <a:cs typeface="+mn-cs"/>
-              </a:defRPr>
-            </a:lvl5pPr>
-            <a:lvl6pPr marL="2286000" indent="0" algn="l" defTabSz="914400" rtl="0" eaLnBrk="1" latinLnBrk="0" hangingPunct="1">
-              <a:lnSpc>
-                <a:spcPct val="90000"/>
-              </a:lnSpc>
-              <a:spcBef>
-                <a:spcPts val="500"/>
-              </a:spcBef>
-              <a:buFont typeface="Arial" panose="020B0604020202020204" pitchFamily="34" charset="0"/>
-              <a:buNone/>
-              <a:defRPr sz="1600" kern="1200">
-                <a:solidFill>
-                  <a:schemeClr val="tx1">
-                    <a:tint val="75000"/>
-                  </a:schemeClr>
-                </a:solidFill>
-                <a:latin typeface="+mn-lt"/>
-                <a:ea typeface="+mn-ea"/>
-                <a:cs typeface="+mn-cs"/>
-              </a:defRPr>
-            </a:lvl6pPr>
-            <a:lvl7pPr marL="2743200" indent="0" algn="l" defTabSz="914400" rtl="0" eaLnBrk="1" latinLnBrk="0" hangingPunct="1">
-              <a:lnSpc>
-                <a:spcPct val="90000"/>
-              </a:lnSpc>
-              <a:spcBef>
-                <a:spcPts val="500"/>
-              </a:spcBef>
-              <a:buFont typeface="Arial" panose="020B0604020202020204" pitchFamily="34" charset="0"/>
-              <a:buNone/>
-              <a:defRPr sz="1600" kern="1200">
-                <a:solidFill>
-                  <a:schemeClr val="tx1">
-                    <a:tint val="75000"/>
-                  </a:schemeClr>
-                </a:solidFill>
-                <a:latin typeface="+mn-lt"/>
-                <a:ea typeface="+mn-ea"/>
-                <a:cs typeface="+mn-cs"/>
-              </a:defRPr>
-            </a:lvl7pPr>
-            <a:lvl8pPr marL="3200400" indent="0" algn="l" defTabSz="914400" rtl="0" eaLnBrk="1" latinLnBrk="0" hangingPunct="1">
-              <a:lnSpc>
-                <a:spcPct val="90000"/>
-              </a:lnSpc>
-              <a:spcBef>
-                <a:spcPts val="500"/>
-              </a:spcBef>
-              <a:buFont typeface="Arial" panose="020B0604020202020204" pitchFamily="34" charset="0"/>
-              <a:buNone/>
-              <a:defRPr sz="1600" kern="1200">
-                <a:solidFill>
-                  <a:schemeClr val="tx1">
-                    <a:tint val="75000"/>
-                  </a:schemeClr>
-                </a:solidFill>
-                <a:latin typeface="+mn-lt"/>
-                <a:ea typeface="+mn-ea"/>
-                <a:cs typeface="+mn-cs"/>
-              </a:defRPr>
-            </a:lvl8pPr>
-            <a:lvl9pPr marL="3657600" indent="0" algn="l" defTabSz="914400" rtl="0" eaLnBrk="1" latinLnBrk="0" hangingPunct="1">
-              <a:lnSpc>
-                <a:spcPct val="90000"/>
-              </a:lnSpc>
-              <a:spcBef>
-                <a:spcPts val="500"/>
-              </a:spcBef>
-              <a:buFont typeface="Arial" panose="020B0604020202020204" pitchFamily="34" charset="0"/>
-              <a:buNone/>
-              <a:defRPr sz="1600" kern="1200">
-                <a:solidFill>
-                  <a:schemeClr val="tx1">
-                    <a:tint val="75000"/>
-                  </a:schemeClr>
-                </a:solidFill>
-                <a:latin typeface="+mn-lt"/>
-                <a:ea typeface="+mn-ea"/>
-                <a:cs typeface="+mn-cs"/>
-              </a:defRPr>
-            </a:lvl9pPr>
-          </a:lstStyle>
-          <a:p>
-            <a:pPr algn="ctr"/>
-            <a:endParaRPr lang="en-US" sz="4800" dirty="0">
-              <a:solidFill>
-                <a:schemeClr val="tx1">
-                  <a:lumMod val="65000"/>
-                  <a:lumOff val="35000"/>
-                </a:schemeClr>
-              </a:solidFill>
-              <a:latin typeface="Palatino Linotype" panose="02040502050505030304" pitchFamily="18" charset="0"/>
-            </a:endParaRPr>
-          </a:p>
-          <a:p>
-            <a:pPr algn="ctr"/>
-            <a:endParaRPr lang="en-US" sz="4800" dirty="0">
-              <a:solidFill>
-                <a:schemeClr val="tx1">
-                  <a:lumMod val="65000"/>
-                  <a:lumOff val="35000"/>
-                </a:schemeClr>
-              </a:solidFill>
-              <a:latin typeface="Palatino Linotype" panose="02040502050505030304" pitchFamily="18" charset="0"/>
-            </a:endParaRPr>
-          </a:p>
-        </p:txBody>
-      </p:sp>
       <p:pic>
         <p:nvPicPr>
-          <p:cNvPr id="5" name="Picture 4">
-            <a:extLst>
-              <a:ext uri="{FF2B5EF4-FFF2-40B4-BE49-F238E27FC236}">
-                <a16:creationId xmlns:a16="http://schemas.microsoft.com/office/drawing/2014/main" id="{84CDAD64-9B40-4678-AED7-10650F1037B2}"/>
+          <p:cNvPr id="1026" name="Picture 2">
+            <a:extLst>
+              <a:ext uri="{FF2B5EF4-FFF2-40B4-BE49-F238E27FC236}">
+                <a16:creationId xmlns:a16="http://schemas.microsoft.com/office/drawing/2014/main" id="{C5654A88-5BCE-4533-8B40-338E944E9774}"/>
               </a:ext>
             </a:extLst>
           </p:cNvPr>
           <p:cNvPicPr>
-            <a:picLocks noChangeAspect="1"/>
+            <a:picLocks noChangeAspect="1" noChangeArrowheads="1"/>
           </p:cNvPicPr>
           <p:nvPr/>
         </p:nvPicPr>
         <p:blipFill>
-          <a:blip r:embed="rId3"/>
+          <a:blip r:embed="rId3">
+            <a:extLst>
+              <a:ext uri="{28A0092B-C50C-407E-A947-70E740481C1C}">
+                <a14:useLocalDpi xmlns:a14="http://schemas.microsoft.com/office/drawing/2010/main" val="0"/>
+              </a:ext>
+            </a:extLst>
+          </a:blip>
+          <a:srcRect/>
           <a:stretch>
             <a:fillRect/>
           </a:stretch>
         </p:blipFill>
-        <p:spPr>
+        <p:spPr bwMode="auto">
           <a:xfrm>
-            <a:off x="1324642" y="221675"/>
-            <a:ext cx="9542716" cy="6414650"/>
-          </a:xfrm>
-          <a:prstGeom prst="rect">
-            <a:avLst/>
-          </a:prstGeom>
-        </p:spPr>
-      </p:pic>
-      <p:sp>
-        <p:nvSpPr>
-          <p:cNvPr id="7" name="Rectangle 6">
-            <a:extLst>
-              <a:ext uri="{FF2B5EF4-FFF2-40B4-BE49-F238E27FC236}">
-                <a16:creationId xmlns:a16="http://schemas.microsoft.com/office/drawing/2014/main" id="{ABDB9681-8880-4F59-BDFA-1D674DA935FE}"/>
-              </a:ext>
-            </a:extLst>
-          </p:cNvPr>
-          <p:cNvSpPr/>
-          <p:nvPr/>
-        </p:nvSpPr>
-        <p:spPr>
-          <a:xfrm>
-            <a:off x="1238491" y="3831821"/>
-            <a:ext cx="1539433" cy="555585"/>
+            <a:off x="4756032" y="1778793"/>
+            <a:ext cx="2679935" cy="3300413"/>
           </a:xfrm>
           <a:prstGeom prst="rect">
             <a:avLst/>
           </a:prstGeom>
           <a:noFill/>
-          <a:ln>
-            <a:solidFill>
-              <a:srgbClr val="6666FF"/>
-            </a:solidFill>
-          </a:ln>
+          <a:extLst>
+            <a:ext uri="{909E8E84-426E-40DD-AFC4-6F175D3DCCD1}">
+              <a14:hiddenFill xmlns:a14="http://schemas.microsoft.com/office/drawing/2010/main">
+                <a:solidFill>
+                  <a:srgbClr val="FFFFFF"/>
+                </a:solidFill>
+              </a14:hiddenFill>
+            </a:ext>
+          </a:extLst>
         </p:spPr>
-        <p:style>
-          <a:lnRef idx="2">
-            <a:schemeClr val="accent1">
-              <a:shade val="50000"/>
-            </a:schemeClr>
-          </a:lnRef>
-          <a:fillRef idx="1">
-            <a:schemeClr val="accent1"/>
-          </a:fillRef>
-          <a:effectRef idx="0">
-            <a:schemeClr val="accent1"/>
-          </a:effectRef>
-          <a:fontRef idx="minor">
-            <a:schemeClr val="lt1"/>
-          </a:fontRef>
-        </p:style>
-        <p:txBody>
-          <a:bodyPr rtlCol="0" anchor="ctr"/>
-          <a:lstStyle/>
-          <a:p>
-            <a:pPr algn="ctr"/>
-            <a:endParaRPr lang="en-US"/>
-          </a:p>
-        </p:txBody>
-      </p:sp>
+      </p:pic>
     </p:spTree>
     <p:extLst>
       <p:ext uri="{BB962C8B-B14F-4D97-AF65-F5344CB8AC3E}">
-        <p14:creationId xmlns:p14="http://schemas.microsoft.com/office/powerpoint/2010/main" val="864611552"/>
+        <p14:creationId xmlns:p14="http://schemas.microsoft.com/office/powerpoint/2010/main" val="954088865"/>
       </p:ext>
     </p:extLst>
   </p:cSld>
@@ -8940,720 +6792,6 @@
           <a:chExt cx="0" cy="0"/>
         </a:xfrm>
       </p:grpSpPr>
-      <p:sp>
-        <p:nvSpPr>
-          <p:cNvPr id="5" name="Title 4">
-            <a:extLst>
-              <a:ext uri="{FF2B5EF4-FFF2-40B4-BE49-F238E27FC236}">
-                <a16:creationId xmlns:a16="http://schemas.microsoft.com/office/drawing/2014/main" id="{99E17A22-518F-48AE-8AA1-8DFB9FA5D388}"/>
-              </a:ext>
-            </a:extLst>
-          </p:cNvPr>
-          <p:cNvSpPr>
-            <a:spLocks noGrp="1"/>
-          </p:cNvSpPr>
-          <p:nvPr>
-            <p:ph type="title"/>
-          </p:nvPr>
-        </p:nvSpPr>
-        <p:spPr>
-          <a:xfrm>
-            <a:off x="0" y="365126"/>
-            <a:ext cx="12192000" cy="920749"/>
-          </a:xfrm>
-        </p:spPr>
-        <p:txBody>
-          <a:bodyPr>
-            <a:normAutofit/>
-          </a:bodyPr>
-          <a:lstStyle/>
-          <a:p>
-            <a:pPr algn="ctr"/>
-            <a:r>
-              <a:rPr lang="en-US" sz="4800" dirty="0">
-                <a:solidFill>
-                  <a:schemeClr val="tx1">
-                    <a:lumMod val="75000"/>
-                    <a:lumOff val="25000"/>
-                  </a:schemeClr>
-                </a:solidFill>
-                <a:latin typeface="Palatino Linotype" panose="02040502050505030304" pitchFamily="18" charset="0"/>
-              </a:rPr>
-              <a:t>Learning Strategies</a:t>
-            </a:r>
-          </a:p>
-        </p:txBody>
-      </p:sp>
-      <p:sp>
-        <p:nvSpPr>
-          <p:cNvPr id="2" name="TextBox 1">
-            <a:extLst>
-              <a:ext uri="{FF2B5EF4-FFF2-40B4-BE49-F238E27FC236}">
-                <a16:creationId xmlns:a16="http://schemas.microsoft.com/office/drawing/2014/main" id="{E416CB39-468F-4B73-820F-75AA3E28FB7C}"/>
-              </a:ext>
-            </a:extLst>
-          </p:cNvPr>
-          <p:cNvSpPr txBox="1"/>
-          <p:nvPr/>
-        </p:nvSpPr>
-        <p:spPr>
-          <a:xfrm>
-            <a:off x="1287162" y="1684278"/>
-            <a:ext cx="10904837" cy="523220"/>
-          </a:xfrm>
-          <a:prstGeom prst="rect">
-            <a:avLst/>
-          </a:prstGeom>
-          <a:noFill/>
-        </p:spPr>
-        <p:txBody>
-          <a:bodyPr wrap="square" rtlCol="0">
-            <a:spAutoFit/>
-          </a:bodyPr>
-          <a:lstStyle/>
-          <a:p>
-            <a:r>
-              <a:rPr lang="en-US" sz="2800" dirty="0">
-                <a:solidFill>
-                  <a:schemeClr val="tx1">
-                    <a:lumMod val="75000"/>
-                    <a:lumOff val="25000"/>
-                  </a:schemeClr>
-                </a:solidFill>
-                <a:latin typeface="Palatino Linotype" panose="02040502050505030304" pitchFamily="18" charset="0"/>
-              </a:rPr>
-              <a:t>1. Focus</a:t>
-            </a:r>
-          </a:p>
-        </p:txBody>
-      </p:sp>
-      <p:sp>
-        <p:nvSpPr>
-          <p:cNvPr id="7" name="TextBox 6">
-            <a:extLst>
-              <a:ext uri="{FF2B5EF4-FFF2-40B4-BE49-F238E27FC236}">
-                <a16:creationId xmlns:a16="http://schemas.microsoft.com/office/drawing/2014/main" id="{8FFE6C67-1278-4A0C-8656-5CAE9CC22ABA}"/>
-              </a:ext>
-            </a:extLst>
-          </p:cNvPr>
-          <p:cNvSpPr txBox="1"/>
-          <p:nvPr/>
-        </p:nvSpPr>
-        <p:spPr>
-          <a:xfrm>
-            <a:off x="1287162" y="2418963"/>
-            <a:ext cx="4519379" cy="523220"/>
-          </a:xfrm>
-          <a:prstGeom prst="rect">
-            <a:avLst/>
-          </a:prstGeom>
-          <a:noFill/>
-        </p:spPr>
-        <p:txBody>
-          <a:bodyPr wrap="none" rtlCol="0">
-            <a:spAutoFit/>
-          </a:bodyPr>
-          <a:lstStyle/>
-          <a:p>
-            <a:r>
-              <a:rPr lang="en-US" sz="2800" dirty="0">
-                <a:solidFill>
-                  <a:schemeClr val="tx1">
-                    <a:lumMod val="75000"/>
-                    <a:lumOff val="25000"/>
-                  </a:schemeClr>
-                </a:solidFill>
-                <a:latin typeface="Palatino Linotype" panose="02040502050505030304" pitchFamily="18" charset="0"/>
-              </a:rPr>
-              <a:t>2. Avoid “Copy and Paste” </a:t>
-            </a:r>
-          </a:p>
-        </p:txBody>
-      </p:sp>
-      <p:sp>
-        <p:nvSpPr>
-          <p:cNvPr id="8" name="TextBox 7">
-            <a:extLst>
-              <a:ext uri="{FF2B5EF4-FFF2-40B4-BE49-F238E27FC236}">
-                <a16:creationId xmlns:a16="http://schemas.microsoft.com/office/drawing/2014/main" id="{983E00B9-2E69-4C3A-85EC-36241FBAF7D5}"/>
-              </a:ext>
-            </a:extLst>
-          </p:cNvPr>
-          <p:cNvSpPr txBox="1"/>
-          <p:nvPr/>
-        </p:nvSpPr>
-        <p:spPr>
-          <a:xfrm>
-            <a:off x="1287162" y="3203782"/>
-            <a:ext cx="7245894" cy="523220"/>
-          </a:xfrm>
-          <a:prstGeom prst="rect">
-            <a:avLst/>
-          </a:prstGeom>
-          <a:noFill/>
-        </p:spPr>
-        <p:txBody>
-          <a:bodyPr wrap="none" rtlCol="0">
-            <a:spAutoFit/>
-          </a:bodyPr>
-          <a:lstStyle/>
-          <a:p>
-            <a:r>
-              <a:rPr lang="en-US" sz="2800" dirty="0">
-                <a:solidFill>
-                  <a:schemeClr val="tx1">
-                    <a:lumMod val="75000"/>
-                    <a:lumOff val="25000"/>
-                  </a:schemeClr>
-                </a:solidFill>
-                <a:latin typeface="Palatino Linotype" panose="02040502050505030304" pitchFamily="18" charset="0"/>
-              </a:rPr>
-              <a:t>3. Study Code Block-by-Block / Line-by-Line</a:t>
-            </a:r>
-          </a:p>
-        </p:txBody>
-      </p:sp>
-      <p:sp>
-        <p:nvSpPr>
-          <p:cNvPr id="9" name="TextBox 8">
-            <a:extLst>
-              <a:ext uri="{FF2B5EF4-FFF2-40B4-BE49-F238E27FC236}">
-                <a16:creationId xmlns:a16="http://schemas.microsoft.com/office/drawing/2014/main" id="{72CDE375-0181-454C-9F0A-A8D3CD5CEF8B}"/>
-              </a:ext>
-            </a:extLst>
-          </p:cNvPr>
-          <p:cNvSpPr txBox="1"/>
-          <p:nvPr/>
-        </p:nvSpPr>
-        <p:spPr>
-          <a:xfrm>
-            <a:off x="1287162" y="3988601"/>
-            <a:ext cx="5777672" cy="523220"/>
-          </a:xfrm>
-          <a:prstGeom prst="rect">
-            <a:avLst/>
-          </a:prstGeom>
-          <a:noFill/>
-        </p:spPr>
-        <p:txBody>
-          <a:bodyPr wrap="none" rtlCol="0">
-            <a:spAutoFit/>
-          </a:bodyPr>
-          <a:lstStyle/>
-          <a:p>
-            <a:r>
-              <a:rPr lang="en-US" sz="2800" dirty="0">
-                <a:solidFill>
-                  <a:schemeClr val="tx1">
-                    <a:lumMod val="75000"/>
-                    <a:lumOff val="25000"/>
-                  </a:schemeClr>
-                </a:solidFill>
-                <a:latin typeface="Palatino Linotype" panose="02040502050505030304" pitchFamily="18" charset="0"/>
-              </a:rPr>
-              <a:t>4. Use the Internet to Find Answers</a:t>
-            </a:r>
-          </a:p>
-        </p:txBody>
-      </p:sp>
-      <p:sp>
-        <p:nvSpPr>
-          <p:cNvPr id="10" name="TextBox 9">
-            <a:extLst>
-              <a:ext uri="{FF2B5EF4-FFF2-40B4-BE49-F238E27FC236}">
-                <a16:creationId xmlns:a16="http://schemas.microsoft.com/office/drawing/2014/main" id="{E37D6076-18D3-4585-AAA3-1F4F2E84D145}"/>
-              </a:ext>
-            </a:extLst>
-          </p:cNvPr>
-          <p:cNvSpPr txBox="1"/>
-          <p:nvPr/>
-        </p:nvSpPr>
-        <p:spPr>
-          <a:xfrm>
-            <a:off x="1287162" y="4773420"/>
-            <a:ext cx="2589042" cy="523220"/>
-          </a:xfrm>
-          <a:prstGeom prst="rect">
-            <a:avLst/>
-          </a:prstGeom>
-          <a:noFill/>
-        </p:spPr>
-        <p:txBody>
-          <a:bodyPr wrap="none" rtlCol="0">
-            <a:spAutoFit/>
-          </a:bodyPr>
-          <a:lstStyle/>
-          <a:p>
-            <a:r>
-              <a:rPr lang="en-US" sz="2800" dirty="0">
-                <a:solidFill>
-                  <a:schemeClr val="tx1">
-                    <a:lumMod val="75000"/>
-                    <a:lumOff val="25000"/>
-                  </a:schemeClr>
-                </a:solidFill>
-                <a:latin typeface="Palatino Linotype" panose="02040502050505030304" pitchFamily="18" charset="0"/>
-              </a:rPr>
-              <a:t>5. Ask for Help</a:t>
-            </a:r>
-          </a:p>
-        </p:txBody>
-      </p:sp>
-      <p:sp>
-        <p:nvSpPr>
-          <p:cNvPr id="11" name="TextBox 10">
-            <a:extLst>
-              <a:ext uri="{FF2B5EF4-FFF2-40B4-BE49-F238E27FC236}">
-                <a16:creationId xmlns:a16="http://schemas.microsoft.com/office/drawing/2014/main" id="{8F83BAB0-47A5-4A11-AEF3-5D9337D78F98}"/>
-              </a:ext>
-            </a:extLst>
-          </p:cNvPr>
-          <p:cNvSpPr txBox="1"/>
-          <p:nvPr/>
-        </p:nvSpPr>
-        <p:spPr>
-          <a:xfrm>
-            <a:off x="1287162" y="5511191"/>
-            <a:ext cx="3040576" cy="523220"/>
-          </a:xfrm>
-          <a:prstGeom prst="rect">
-            <a:avLst/>
-          </a:prstGeom>
-          <a:noFill/>
-        </p:spPr>
-        <p:txBody>
-          <a:bodyPr wrap="none" rtlCol="0">
-            <a:spAutoFit/>
-          </a:bodyPr>
-          <a:lstStyle/>
-          <a:p>
-            <a:r>
-              <a:rPr lang="en-US" sz="2800" dirty="0">
-                <a:solidFill>
-                  <a:schemeClr val="tx1">
-                    <a:lumMod val="75000"/>
-                    <a:lumOff val="25000"/>
-                  </a:schemeClr>
-                </a:solidFill>
-                <a:latin typeface="Palatino Linotype" panose="02040502050505030304" pitchFamily="18" charset="0"/>
-              </a:rPr>
-              <a:t>6. Take Your Time</a:t>
-            </a:r>
-          </a:p>
-        </p:txBody>
-      </p:sp>
-      <p:sp>
-        <p:nvSpPr>
-          <p:cNvPr id="12" name="TextBox 11">
-            <a:extLst>
-              <a:ext uri="{FF2B5EF4-FFF2-40B4-BE49-F238E27FC236}">
-                <a16:creationId xmlns:a16="http://schemas.microsoft.com/office/drawing/2014/main" id="{095F6EAF-876B-4944-AE59-277B963164DF}"/>
-              </a:ext>
-            </a:extLst>
-          </p:cNvPr>
-          <p:cNvSpPr txBox="1"/>
-          <p:nvPr/>
-        </p:nvSpPr>
-        <p:spPr>
-          <a:xfrm>
-            <a:off x="0" y="6550223"/>
-            <a:ext cx="12192000" cy="307777"/>
-          </a:xfrm>
-          <a:prstGeom prst="rect">
-            <a:avLst/>
-          </a:prstGeom>
-          <a:noFill/>
-        </p:spPr>
-        <p:txBody>
-          <a:bodyPr wrap="square" rtlCol="0">
-            <a:spAutoFit/>
-          </a:bodyPr>
-          <a:lstStyle/>
-          <a:p>
-            <a:r>
-              <a:rPr lang="en-US" sz="1400" dirty="0">
-                <a:solidFill>
-                  <a:schemeClr val="tx1">
-                    <a:lumMod val="65000"/>
-                    <a:lumOff val="35000"/>
-                  </a:schemeClr>
-                </a:solidFill>
-                <a:latin typeface="+mj-lt"/>
-                <a:ea typeface="Verdana" panose="020B0604030504040204" pitchFamily="34" charset="0"/>
-              </a:rPr>
-              <a:t>Source: Valle, D.. (2016). How to learn a scripting language</a:t>
-            </a:r>
-            <a:r>
-              <a:rPr lang="en-US" sz="1400" b="0" i="0" dirty="0">
-                <a:solidFill>
-                  <a:schemeClr val="tx1">
-                    <a:lumMod val="65000"/>
-                    <a:lumOff val="35000"/>
-                  </a:schemeClr>
-                </a:solidFill>
-                <a:effectLst/>
-                <a:latin typeface="+mj-lt"/>
-                <a:ea typeface="Verdana" panose="020B0604030504040204" pitchFamily="34" charset="0"/>
-              </a:rPr>
-              <a:t>.</a:t>
-            </a:r>
-            <a:endParaRPr lang="en-US" sz="1400" dirty="0">
-              <a:solidFill>
-                <a:schemeClr val="tx1">
-                  <a:lumMod val="65000"/>
-                  <a:lumOff val="35000"/>
-                </a:schemeClr>
-              </a:solidFill>
-              <a:latin typeface="+mj-lt"/>
-              <a:ea typeface="Verdana" panose="020B0604030504040204" pitchFamily="34" charset="0"/>
-            </a:endParaRPr>
-          </a:p>
-        </p:txBody>
-      </p:sp>
-    </p:spTree>
-    <p:extLst>
-      <p:ext uri="{BB962C8B-B14F-4D97-AF65-F5344CB8AC3E}">
-        <p14:creationId xmlns:p14="http://schemas.microsoft.com/office/powerpoint/2010/main" val="2027155574"/>
-      </p:ext>
-    </p:extLst>
-  </p:cSld>
-  <p:clrMapOvr>
-    <a:masterClrMapping/>
-  </p:clrMapOvr>
-  <mc:AlternateContent xmlns:mc="http://schemas.openxmlformats.org/markup-compatibility/2006" xmlns:p14="http://schemas.microsoft.com/office/powerpoint/2010/main">
-    <mc:Choice Requires="p14">
-      <p:transition spd="med" p14:dur="700">
-        <p:fade/>
-      </p:transition>
-    </mc:Choice>
-    <mc:Fallback xmlns="">
-      <p:transition spd="med">
-        <p:fade/>
-      </p:transition>
-    </mc:Fallback>
-  </mc:AlternateContent>
-  <p:timing>
-    <p:tnLst>
-      <p:par>
-        <p:cTn id="1" dur="indefinite" restart="never" nodeType="tmRoot">
-          <p:childTnLst>
-            <p:seq concurrent="1" nextAc="seek">
-              <p:cTn id="2" dur="indefinite" nodeType="mainSeq">
-                <p:childTnLst>
-                  <p:par>
-                    <p:cTn id="3" fill="hold">
-                      <p:stCondLst>
-                        <p:cond delay="indefinite"/>
-                      </p:stCondLst>
-                      <p:childTnLst>
-                        <p:par>
-                          <p:cTn id="4" fill="hold">
-                            <p:stCondLst>
-                              <p:cond delay="0"/>
-                            </p:stCondLst>
-                            <p:childTnLst>
-                              <p:par>
-                                <p:cTn id="5" presetID="10" presetClass="entr" presetSubtype="0" fill="hold" grpId="0" nodeType="clickEffect">
-                                  <p:stCondLst>
-                                    <p:cond delay="0"/>
-                                  </p:stCondLst>
-                                  <p:childTnLst>
-                                    <p:set>
-                                      <p:cBhvr>
-                                        <p:cTn id="6" dur="1" fill="hold">
-                                          <p:stCondLst>
-                                            <p:cond delay="0"/>
-                                          </p:stCondLst>
-                                        </p:cTn>
-                                        <p:tgtEl>
-                                          <p:spTgt spid="7"/>
-                                        </p:tgtEl>
-                                        <p:attrNameLst>
-                                          <p:attrName>style.visibility</p:attrName>
-                                        </p:attrNameLst>
-                                      </p:cBhvr>
-                                      <p:to>
-                                        <p:strVal val="visible"/>
-                                      </p:to>
-                                    </p:set>
-                                    <p:animEffect transition="in" filter="fade">
-                                      <p:cBhvr>
-                                        <p:cTn id="7" dur="500"/>
-                                        <p:tgtEl>
-                                          <p:spTgt spid="7"/>
-                                        </p:tgtEl>
-                                      </p:cBhvr>
-                                    </p:animEffect>
-                                  </p:childTnLst>
-                                </p:cTn>
-                              </p:par>
-                            </p:childTnLst>
-                          </p:cTn>
-                        </p:par>
-                      </p:childTnLst>
-                    </p:cTn>
-                  </p:par>
-                  <p:par>
-                    <p:cTn id="8" fill="hold">
-                      <p:stCondLst>
-                        <p:cond delay="indefinite"/>
-                      </p:stCondLst>
-                      <p:childTnLst>
-                        <p:par>
-                          <p:cTn id="9" fill="hold">
-                            <p:stCondLst>
-                              <p:cond delay="0"/>
-                            </p:stCondLst>
-                            <p:childTnLst>
-                              <p:par>
-                                <p:cTn id="10" presetID="10" presetClass="entr" presetSubtype="0" fill="hold" grpId="0" nodeType="clickEffect">
-                                  <p:stCondLst>
-                                    <p:cond delay="0"/>
-                                  </p:stCondLst>
-                                  <p:childTnLst>
-                                    <p:set>
-                                      <p:cBhvr>
-                                        <p:cTn id="11" dur="1" fill="hold">
-                                          <p:stCondLst>
-                                            <p:cond delay="0"/>
-                                          </p:stCondLst>
-                                        </p:cTn>
-                                        <p:tgtEl>
-                                          <p:spTgt spid="8"/>
-                                        </p:tgtEl>
-                                        <p:attrNameLst>
-                                          <p:attrName>style.visibility</p:attrName>
-                                        </p:attrNameLst>
-                                      </p:cBhvr>
-                                      <p:to>
-                                        <p:strVal val="visible"/>
-                                      </p:to>
-                                    </p:set>
-                                    <p:animEffect transition="in" filter="fade">
-                                      <p:cBhvr>
-                                        <p:cTn id="12" dur="500"/>
-                                        <p:tgtEl>
-                                          <p:spTgt spid="8"/>
-                                        </p:tgtEl>
-                                      </p:cBhvr>
-                                    </p:animEffect>
-                                  </p:childTnLst>
-                                </p:cTn>
-                              </p:par>
-                            </p:childTnLst>
-                          </p:cTn>
-                        </p:par>
-                      </p:childTnLst>
-                    </p:cTn>
-                  </p:par>
-                  <p:par>
-                    <p:cTn id="13" fill="hold">
-                      <p:stCondLst>
-                        <p:cond delay="indefinite"/>
-                      </p:stCondLst>
-                      <p:childTnLst>
-                        <p:par>
-                          <p:cTn id="14" fill="hold">
-                            <p:stCondLst>
-                              <p:cond delay="0"/>
-                            </p:stCondLst>
-                            <p:childTnLst>
-                              <p:par>
-                                <p:cTn id="15" presetID="10" presetClass="entr" presetSubtype="0" fill="hold" grpId="0" nodeType="clickEffect">
-                                  <p:stCondLst>
-                                    <p:cond delay="0"/>
-                                  </p:stCondLst>
-                                  <p:childTnLst>
-                                    <p:set>
-                                      <p:cBhvr>
-                                        <p:cTn id="16" dur="1" fill="hold">
-                                          <p:stCondLst>
-                                            <p:cond delay="0"/>
-                                          </p:stCondLst>
-                                        </p:cTn>
-                                        <p:tgtEl>
-                                          <p:spTgt spid="9"/>
-                                        </p:tgtEl>
-                                        <p:attrNameLst>
-                                          <p:attrName>style.visibility</p:attrName>
-                                        </p:attrNameLst>
-                                      </p:cBhvr>
-                                      <p:to>
-                                        <p:strVal val="visible"/>
-                                      </p:to>
-                                    </p:set>
-                                    <p:animEffect transition="in" filter="fade">
-                                      <p:cBhvr>
-                                        <p:cTn id="17" dur="500"/>
-                                        <p:tgtEl>
-                                          <p:spTgt spid="9"/>
-                                        </p:tgtEl>
-                                      </p:cBhvr>
-                                    </p:animEffect>
-                                  </p:childTnLst>
-                                </p:cTn>
-                              </p:par>
-                            </p:childTnLst>
-                          </p:cTn>
-                        </p:par>
-                      </p:childTnLst>
-                    </p:cTn>
-                  </p:par>
-                  <p:par>
-                    <p:cTn id="18" fill="hold">
-                      <p:stCondLst>
-                        <p:cond delay="indefinite"/>
-                      </p:stCondLst>
-                      <p:childTnLst>
-                        <p:par>
-                          <p:cTn id="19" fill="hold">
-                            <p:stCondLst>
-                              <p:cond delay="0"/>
-                            </p:stCondLst>
-                            <p:childTnLst>
-                              <p:par>
-                                <p:cTn id="20" presetID="10" presetClass="entr" presetSubtype="0" fill="hold" grpId="0" nodeType="clickEffect">
-                                  <p:stCondLst>
-                                    <p:cond delay="0"/>
-                                  </p:stCondLst>
-                                  <p:childTnLst>
-                                    <p:set>
-                                      <p:cBhvr>
-                                        <p:cTn id="21" dur="1" fill="hold">
-                                          <p:stCondLst>
-                                            <p:cond delay="0"/>
-                                          </p:stCondLst>
-                                        </p:cTn>
-                                        <p:tgtEl>
-                                          <p:spTgt spid="10"/>
-                                        </p:tgtEl>
-                                        <p:attrNameLst>
-                                          <p:attrName>style.visibility</p:attrName>
-                                        </p:attrNameLst>
-                                      </p:cBhvr>
-                                      <p:to>
-                                        <p:strVal val="visible"/>
-                                      </p:to>
-                                    </p:set>
-                                    <p:animEffect transition="in" filter="fade">
-                                      <p:cBhvr>
-                                        <p:cTn id="22" dur="500"/>
-                                        <p:tgtEl>
-                                          <p:spTgt spid="10"/>
-                                        </p:tgtEl>
-                                      </p:cBhvr>
-                                    </p:animEffect>
-                                  </p:childTnLst>
-                                </p:cTn>
-                              </p:par>
-                            </p:childTnLst>
-                          </p:cTn>
-                        </p:par>
-                      </p:childTnLst>
-                    </p:cTn>
-                  </p:par>
-                  <p:par>
-                    <p:cTn id="23" fill="hold">
-                      <p:stCondLst>
-                        <p:cond delay="indefinite"/>
-                      </p:stCondLst>
-                      <p:childTnLst>
-                        <p:par>
-                          <p:cTn id="24" fill="hold">
-                            <p:stCondLst>
-                              <p:cond delay="0"/>
-                            </p:stCondLst>
-                            <p:childTnLst>
-                              <p:par>
-                                <p:cTn id="25" presetID="10" presetClass="entr" presetSubtype="0" fill="hold" grpId="0" nodeType="clickEffect">
-                                  <p:stCondLst>
-                                    <p:cond delay="0"/>
-                                  </p:stCondLst>
-                                  <p:childTnLst>
-                                    <p:set>
-                                      <p:cBhvr>
-                                        <p:cTn id="26" dur="1" fill="hold">
-                                          <p:stCondLst>
-                                            <p:cond delay="0"/>
-                                          </p:stCondLst>
-                                        </p:cTn>
-                                        <p:tgtEl>
-                                          <p:spTgt spid="11"/>
-                                        </p:tgtEl>
-                                        <p:attrNameLst>
-                                          <p:attrName>style.visibility</p:attrName>
-                                        </p:attrNameLst>
-                                      </p:cBhvr>
-                                      <p:to>
-                                        <p:strVal val="visible"/>
-                                      </p:to>
-                                    </p:set>
-                                    <p:animEffect transition="in" filter="fade">
-                                      <p:cBhvr>
-                                        <p:cTn id="27" dur="500"/>
-                                        <p:tgtEl>
-                                          <p:spTgt spid="11"/>
-                                        </p:tgtEl>
-                                      </p:cBhvr>
-                                    </p:animEffect>
-                                  </p:childTnLst>
-                                </p:cTn>
-                              </p:par>
-                            </p:childTnLst>
-                          </p:cTn>
-                        </p:par>
-                      </p:childTnLst>
-                    </p:cTn>
-                  </p:par>
-                </p:childTnLst>
-              </p:cTn>
-              <p:prevCondLst>
-                <p:cond evt="onPrev" delay="0">
-                  <p:tgtEl>
-                    <p:sldTgt/>
-                  </p:tgtEl>
-                </p:cond>
-              </p:prevCondLst>
-              <p:nextCondLst>
-                <p:cond evt="onNext" delay="0">
-                  <p:tgtEl>
-                    <p:sldTgt/>
-                  </p:tgtEl>
-                </p:cond>
-              </p:nextCondLst>
-            </p:seq>
-          </p:childTnLst>
-        </p:cTn>
-      </p:par>
-    </p:tnLst>
-    <p:bldLst>
-      <p:bldP spid="7" grpId="0"/>
-      <p:bldP spid="8" grpId="0"/>
-      <p:bldP spid="9" grpId="0"/>
-      <p:bldP spid="10" grpId="0"/>
-      <p:bldP spid="11" grpId="0"/>
-    </p:bldLst>
-  </p:timing>
-</p:sld>
-</file>
-
-<file path=ppt/slides/slide6.xml><?xml version="1.0" encoding="utf-8"?>
-<p:sld xmlns:a="http://schemas.openxmlformats.org/drawingml/2006/main" xmlns:r="http://schemas.openxmlformats.org/officeDocument/2006/relationships" xmlns:p="http://schemas.openxmlformats.org/presentationml/2006/main">
-  <p:cSld>
-    <p:spTree>
-      <p:nvGrpSpPr>
-        <p:cNvPr id="1" name=""/>
-        <p:cNvGrpSpPr/>
-        <p:nvPr/>
-      </p:nvGrpSpPr>
-      <p:grpSpPr>
-        <a:xfrm>
-          <a:off x="0" y="0"/>
-          <a:ext cx="0" cy="0"/>
-          <a:chOff x="0" y="0"/>
-          <a:chExt cx="0" cy="0"/>
-        </a:xfrm>
-      </p:grpSpPr>
       <p:pic>
         <p:nvPicPr>
           <p:cNvPr id="4" name="Content Placeholder 6" descr="A picture containing graphical user interface&#10;&#10;Description automatically generated">
@@ -9715,7 +6853,7 @@
 </p:sld>
 </file>
 
-<file path=ppt/slides/slide7.xml><?xml version="1.0" encoding="utf-8"?>
+<file path=ppt/slides/slide6.xml><?xml version="1.0" encoding="utf-8"?>
 <p:sld xmlns:a="http://schemas.openxmlformats.org/drawingml/2006/main" xmlns:r="http://schemas.openxmlformats.org/officeDocument/2006/relationships" xmlns:p="http://schemas.openxmlformats.org/presentationml/2006/main">
   <p:cSld>
     <p:spTree>
@@ -9804,7 +6942,7 @@
 </p:sld>
 </file>
 
-<file path=ppt/slides/slide8.xml><?xml version="1.0" encoding="utf-8"?>
+<file path=ppt/slides/slide7.xml><?xml version="1.0" encoding="utf-8"?>
 <p:sld xmlns:a="http://schemas.openxmlformats.org/drawingml/2006/main" xmlns:r="http://schemas.openxmlformats.org/officeDocument/2006/relationships" xmlns:p="http://schemas.openxmlformats.org/presentationml/2006/main">
   <p:cSld>
     <p:spTree>
@@ -10022,7 +7160,7 @@
 </p:sld>
 </file>
 
-<file path=ppt/slides/slide9.xml><?xml version="1.0" encoding="utf-8"?>
+<file path=ppt/slides/slide8.xml><?xml version="1.0" encoding="utf-8"?>
 <p:sld xmlns:a="http://schemas.openxmlformats.org/drawingml/2006/main" xmlns:r="http://schemas.openxmlformats.org/officeDocument/2006/relationships" xmlns:p="http://schemas.openxmlformats.org/presentationml/2006/main">
   <p:cSld>
     <p:spTree>
@@ -10170,7 +7308,7 @@
                 </a:solidFill>
                 <a:latin typeface="Palatino Linotype" panose="02040502050505030304" pitchFamily="18" charset="0"/>
               </a:rPr>
-              <a:t>Neural Network Types</a:t>
+              <a:t>Neural Network Architectures</a:t>
             </a:r>
             <a:endParaRPr lang="en-US" sz="6700" dirty="0">
               <a:solidFill>
@@ -10248,6 +7386,86 @@
     <p:extLst>
       <p:ext uri="{BB962C8B-B14F-4D97-AF65-F5344CB8AC3E}">
         <p14:creationId xmlns:p14="http://schemas.microsoft.com/office/powerpoint/2010/main" val="2101828597"/>
+      </p:ext>
+    </p:extLst>
+  </p:cSld>
+  <p:clrMapOvr>
+    <a:masterClrMapping/>
+  </p:clrMapOvr>
+  <mc:AlternateContent xmlns:mc="http://schemas.openxmlformats.org/markup-compatibility/2006" xmlns:p14="http://schemas.microsoft.com/office/powerpoint/2010/main">
+    <mc:Choice Requires="p14">
+      <p:transition spd="med" p14:dur="700">
+        <p:fade/>
+      </p:transition>
+    </mc:Choice>
+    <mc:Fallback xmlns="">
+      <p:transition spd="med">
+        <p:fade/>
+      </p:transition>
+    </mc:Fallback>
+  </mc:AlternateContent>
+</p:sld>
+</file>
+
+<file path=ppt/slides/slide9.xml><?xml version="1.0" encoding="utf-8"?>
+<p:sld xmlns:a="http://schemas.openxmlformats.org/drawingml/2006/main" xmlns:r="http://schemas.openxmlformats.org/officeDocument/2006/relationships" xmlns:p="http://schemas.openxmlformats.org/presentationml/2006/main">
+  <p:cSld>
+    <p:bg>
+      <p:bgPr>
+        <a:solidFill>
+          <a:schemeClr val="bg1"/>
+        </a:solidFill>
+        <a:effectLst/>
+      </p:bgPr>
+    </p:bg>
+    <p:spTree>
+      <p:nvGrpSpPr>
+        <p:cNvPr id="1" name=""/>
+        <p:cNvGrpSpPr/>
+        <p:nvPr/>
+      </p:nvGrpSpPr>
+      <p:grpSpPr>
+        <a:xfrm>
+          <a:off x="0" y="0"/>
+          <a:ext cx="0" cy="0"/>
+          <a:chOff x="0" y="0"/>
+          <a:chExt cx="0" cy="0"/>
+        </a:xfrm>
+      </p:grpSpPr>
+      <p:pic>
+        <p:nvPicPr>
+          <p:cNvPr id="4" name="Picture 3">
+            <a:extLst>
+              <a:ext uri="{FF2B5EF4-FFF2-40B4-BE49-F238E27FC236}">
+                <a16:creationId xmlns:a16="http://schemas.microsoft.com/office/drawing/2014/main" id="{D9E8786A-DC4B-41D1-94C9-80F444DEC6FA}"/>
+              </a:ext>
+            </a:extLst>
+          </p:cNvPr>
+          <p:cNvPicPr>
+            <a:picLocks noChangeAspect="1"/>
+          </p:cNvPicPr>
+          <p:nvPr/>
+        </p:nvPicPr>
+        <p:blipFill>
+          <a:blip r:embed="rId3"/>
+          <a:stretch>
+            <a:fillRect/>
+          </a:stretch>
+        </p:blipFill>
+        <p:spPr>
+          <a:xfrm>
+            <a:off x="2806558" y="1208627"/>
+            <a:ext cx="6578883" cy="4440746"/>
+          </a:xfrm>
+          <a:prstGeom prst="rect">
+            <a:avLst/>
+          </a:prstGeom>
+        </p:spPr>
+      </p:pic>
+    </p:spTree>
+    <p:extLst>
+      <p:ext uri="{BB962C8B-B14F-4D97-AF65-F5344CB8AC3E}">
+        <p14:creationId xmlns:p14="http://schemas.microsoft.com/office/powerpoint/2010/main" val="844444607"/>
       </p:ext>
     </p:extLst>
   </p:cSld>
